--- a/bs4Dash.pptx
+++ b/bs4Dash.pptx
@@ -2077,7 +2077,7 @@
           </a:ln>
           <a:extLst>
             <a:ext uri="{C572A759-6A51-4108-AA02-DFA0A04FC94B}">
-              <ma14:wrappingTextBoxFlag xmlns="" xmlns:m="http://schemas.openxmlformats.org/officeDocument/2006/math" xmlns:a14="http://schemas.microsoft.com/office/drawing/2010/main" xmlns:ma14="http://schemas.microsoft.com/office/mac/drawingml/2011/main" val="1"/>
+              <ma14:wrappingTextBoxFlag xmlns:ma14="http://schemas.microsoft.com/office/mac/drawingml/2011/main" xmlns:a14="http://schemas.microsoft.com/office/drawing/2010/main" xmlns:m="http://schemas.openxmlformats.org/officeDocument/2006/math" xmlns="" val="1"/>
             </a:ext>
           </a:extLst>
         </p:spPr>
@@ -2116,7 +2116,7 @@
           </a:ln>
           <a:extLst>
             <a:ext uri="{C572A759-6A51-4108-AA02-DFA0A04FC94B}">
-              <ma14:wrappingTextBoxFlag xmlns="" xmlns:m="http://schemas.openxmlformats.org/officeDocument/2006/math" xmlns:a14="http://schemas.microsoft.com/office/drawing/2010/main" xmlns:ma14="http://schemas.microsoft.com/office/mac/drawingml/2011/main" val="1"/>
+              <ma14:wrappingTextBoxFlag xmlns:ma14="http://schemas.microsoft.com/office/mac/drawingml/2011/main" xmlns:a14="http://schemas.microsoft.com/office/drawing/2010/main" xmlns:m="http://schemas.openxmlformats.org/officeDocument/2006/math" xmlns="" val="1"/>
             </a:ext>
           </a:extLst>
         </p:spPr>
@@ -3933,7 +3933,7 @@
           </a:ln>
           <a:extLst>
             <a:ext uri="{C572A759-6A51-4108-AA02-DFA0A04FC94B}">
-              <ma14:wrappingTextBoxFlag xmlns="" xmlns:m="http://schemas.openxmlformats.org/officeDocument/2006/math" xmlns:a14="http://schemas.microsoft.com/office/drawing/2010/main" xmlns:ma14="http://schemas.microsoft.com/office/mac/drawingml/2011/main" val="1"/>
+              <ma14:wrappingTextBoxFlag xmlns:ma14="http://schemas.microsoft.com/office/mac/drawingml/2011/main" xmlns:a14="http://schemas.microsoft.com/office/drawing/2010/main" xmlns:m="http://schemas.openxmlformats.org/officeDocument/2006/math" xmlns="" val="1"/>
             </a:ext>
           </a:extLst>
         </p:spPr>
@@ -4071,7 +4071,7 @@
           </a:ln>
           <a:extLst>
             <a:ext uri="{C572A759-6A51-4108-AA02-DFA0A04FC94B}">
-              <ma14:wrappingTextBoxFlag xmlns="" xmlns:m="http://schemas.openxmlformats.org/officeDocument/2006/math" xmlns:a14="http://schemas.microsoft.com/office/drawing/2010/main" xmlns:ma14="http://schemas.microsoft.com/office/mac/drawingml/2011/main" val="1"/>
+              <ma14:wrappingTextBoxFlag xmlns:ma14="http://schemas.microsoft.com/office/mac/drawingml/2011/main" xmlns:a14="http://schemas.microsoft.com/office/drawing/2010/main" xmlns:m="http://schemas.openxmlformats.org/officeDocument/2006/math" xmlns="" val="1"/>
             </a:ext>
           </a:extLst>
         </p:spPr>
@@ -4253,7 +4253,7 @@
           </a:ln>
           <a:extLst>
             <a:ext uri="{C572A759-6A51-4108-AA02-DFA0A04FC94B}">
-              <ma14:wrappingTextBoxFlag xmlns="" xmlns:m="http://schemas.openxmlformats.org/officeDocument/2006/math" xmlns:a14="http://schemas.microsoft.com/office/drawing/2010/main" xmlns:ma14="http://schemas.microsoft.com/office/mac/drawingml/2011/main" val="1"/>
+              <ma14:wrappingTextBoxFlag xmlns:ma14="http://schemas.microsoft.com/office/mac/drawingml/2011/main" xmlns:a14="http://schemas.microsoft.com/office/drawing/2010/main" xmlns:m="http://schemas.openxmlformats.org/officeDocument/2006/math" xmlns="" val="1"/>
             </a:ext>
           </a:extLst>
         </p:spPr>
@@ -4333,7 +4333,7 @@
           </a:ln>
           <a:extLst>
             <a:ext uri="{C572A759-6A51-4108-AA02-DFA0A04FC94B}">
-              <ma14:wrappingTextBoxFlag xmlns="" xmlns:m="http://schemas.openxmlformats.org/officeDocument/2006/math" xmlns:a14="http://schemas.microsoft.com/office/drawing/2010/main" xmlns:ma14="http://schemas.microsoft.com/office/mac/drawingml/2011/main" val="1"/>
+              <ma14:wrappingTextBoxFlag xmlns:ma14="http://schemas.microsoft.com/office/mac/drawingml/2011/main" xmlns:a14="http://schemas.microsoft.com/office/drawing/2010/main" xmlns:m="http://schemas.openxmlformats.org/officeDocument/2006/math" xmlns="" val="1"/>
             </a:ext>
           </a:extLst>
         </p:spPr>
@@ -4383,7 +4383,7 @@
           </a:ln>
           <a:extLst>
             <a:ext uri="{C572A759-6A51-4108-AA02-DFA0A04FC94B}">
-              <ma14:wrappingTextBoxFlag xmlns="" xmlns:m="http://schemas.openxmlformats.org/officeDocument/2006/math" xmlns:a14="http://schemas.microsoft.com/office/drawing/2010/main" xmlns:ma14="http://schemas.microsoft.com/office/mac/drawingml/2011/main" val="1"/>
+              <ma14:wrappingTextBoxFlag xmlns:ma14="http://schemas.microsoft.com/office/mac/drawingml/2011/main" xmlns:a14="http://schemas.microsoft.com/office/drawing/2010/main" xmlns:m="http://schemas.openxmlformats.org/officeDocument/2006/math" xmlns="" val="1"/>
             </a:ext>
           </a:extLst>
         </p:spPr>
@@ -4443,7 +4443,7 @@
           </a:ln>
           <a:extLst>
             <a:ext uri="{C572A759-6A51-4108-AA02-DFA0A04FC94B}">
-              <ma14:wrappingTextBoxFlag xmlns="" xmlns:m="http://schemas.openxmlformats.org/officeDocument/2006/math" xmlns:a14="http://schemas.microsoft.com/office/drawing/2010/main" xmlns:ma14="http://schemas.microsoft.com/office/mac/drawingml/2011/main" val="1"/>
+              <ma14:wrappingTextBoxFlag xmlns:ma14="http://schemas.microsoft.com/office/mac/drawingml/2011/main" xmlns:a14="http://schemas.microsoft.com/office/drawing/2010/main" xmlns:m="http://schemas.openxmlformats.org/officeDocument/2006/math" xmlns="" val="1"/>
             </a:ext>
           </a:extLst>
         </p:spPr>
@@ -4645,7 +4645,7 @@
         </p:nvSpPr>
         <p:spPr>
           <a:xfrm>
-            <a:off x="5700858" y="1282755"/>
+            <a:off x="4320825" y="1250146"/>
             <a:ext cx="2261838" cy="340029"/>
           </a:xfrm>
           <a:prstGeom prst="rect">
@@ -4656,7 +4656,7 @@
           </a:ln>
           <a:extLst>
             <a:ext uri="{C572A759-6A51-4108-AA02-DFA0A04FC94B}">
-              <ma14:wrappingTextBoxFlag xmlns="" xmlns:m="http://schemas.openxmlformats.org/officeDocument/2006/math" xmlns:a14="http://schemas.microsoft.com/office/drawing/2010/main" xmlns:ma14="http://schemas.microsoft.com/office/mac/drawingml/2011/main" val="1"/>
+              <ma14:wrappingTextBoxFlag xmlns:ma14="http://schemas.microsoft.com/office/mac/drawingml/2011/main" xmlns:a14="http://schemas.microsoft.com/office/drawing/2010/main" xmlns:m="http://schemas.openxmlformats.org/officeDocument/2006/math" xmlns="" val="1"/>
             </a:ext>
           </a:extLst>
         </p:spPr>
@@ -4703,8 +4703,8 @@
         </p:nvSpPr>
         <p:spPr>
           <a:xfrm>
-            <a:off x="3737932" y="1217208"/>
-            <a:ext cx="6206931" cy="0"/>
+            <a:off x="4190734" y="1203485"/>
+            <a:ext cx="8362509" cy="1753"/>
           </a:xfrm>
           <a:prstGeom prst="line">
             <a:avLst/>
@@ -4789,7 +4789,7 @@
         </p:nvSpPr>
         <p:spPr>
           <a:xfrm>
-            <a:off x="3732012" y="1618370"/>
+            <a:off x="7140725" y="2625954"/>
             <a:ext cx="6487753" cy="4324928"/>
           </a:xfrm>
           <a:prstGeom prst="rect">
@@ -4856,7 +4856,7 @@
           </a:ln>
           <a:extLst>
             <a:ext uri="{C572A759-6A51-4108-AA02-DFA0A04FC94B}">
-              <ma14:wrappingTextBoxFlag xmlns="" xmlns:m="http://schemas.openxmlformats.org/officeDocument/2006/math" xmlns:a14="http://schemas.microsoft.com/office/drawing/2010/main" xmlns:ma14="http://schemas.microsoft.com/office/mac/drawingml/2011/main" val="1"/>
+              <ma14:wrappingTextBoxFlag xmlns:ma14="http://schemas.microsoft.com/office/mac/drawingml/2011/main" xmlns:a14="http://schemas.microsoft.com/office/drawing/2010/main" xmlns:m="http://schemas.openxmlformats.org/officeDocument/2006/math" xmlns="" val="1"/>
             </a:ext>
           </a:extLst>
         </p:spPr>
@@ -4938,7 +4938,7 @@
         </p:nvSpPr>
         <p:spPr>
           <a:xfrm>
-            <a:off x="67377" y="3381925"/>
+            <a:off x="291339" y="3395233"/>
             <a:ext cx="3608219" cy="3249527"/>
           </a:xfrm>
           <a:prstGeom prst="rect">
@@ -4955,7 +4955,7 @@
           </a:ln>
           <a:extLst>
             <a:ext uri="{C572A759-6A51-4108-AA02-DFA0A04FC94B}">
-              <ma14:wrappingTextBoxFlag xmlns="" xmlns:m="http://schemas.openxmlformats.org/officeDocument/2006/math" xmlns:a14="http://schemas.microsoft.com/office/drawing/2010/main" xmlns:ma14="http://schemas.microsoft.com/office/mac/drawingml/2011/main" val="1"/>
+              <ma14:wrappingTextBoxFlag xmlns:ma14="http://schemas.microsoft.com/office/mac/drawingml/2011/main" xmlns:a14="http://schemas.microsoft.com/office/drawing/2010/main" xmlns:m="http://schemas.openxmlformats.org/officeDocument/2006/math" xmlns="" val="1"/>
             </a:ext>
           </a:extLst>
         </p:spPr>
@@ -6000,7 +6000,7 @@
         </p:nvSpPr>
         <p:spPr>
           <a:xfrm>
-            <a:off x="291339" y="8236974"/>
+            <a:off x="344039" y="8236153"/>
             <a:ext cx="3190959" cy="1402867"/>
           </a:xfrm>
           <a:prstGeom prst="rect">
@@ -6017,7 +6017,7 @@
           </a:ln>
           <a:extLst>
             <a:ext uri="{C572A759-6A51-4108-AA02-DFA0A04FC94B}">
-              <ma14:wrappingTextBoxFlag xmlns="" xmlns:m="http://schemas.openxmlformats.org/officeDocument/2006/math" xmlns:a14="http://schemas.microsoft.com/office/drawing/2010/main" xmlns:ma14="http://schemas.microsoft.com/office/mac/drawingml/2011/main" val="1"/>
+              <ma14:wrappingTextBoxFlag xmlns:ma14="http://schemas.microsoft.com/office/mac/drawingml/2011/main" xmlns:a14="http://schemas.microsoft.com/office/drawing/2010/main" xmlns:m="http://schemas.openxmlformats.org/officeDocument/2006/math" xmlns="" val="1"/>
             </a:ext>
           </a:extLst>
         </p:spPr>
@@ -6214,9 +6214,9 @@
           <p:nvPr/>
         </p:nvSpPr>
         <p:spPr>
-          <a:xfrm>
-            <a:off x="3732012" y="6118747"/>
-            <a:ext cx="6212851" cy="0"/>
+          <a:xfrm flipV="1">
+            <a:off x="4283459" y="7253962"/>
+            <a:ext cx="6103885" cy="19312"/>
           </a:xfrm>
           <a:prstGeom prst="line">
             <a:avLst/>
@@ -6263,7 +6263,7 @@
         </p:nvSpPr>
         <p:spPr>
           <a:xfrm>
-            <a:off x="10387344" y="4295033"/>
+            <a:off x="10626609" y="7375746"/>
             <a:ext cx="793487" cy="340029"/>
           </a:xfrm>
           <a:prstGeom prst="rect">
@@ -6274,7 +6274,7 @@
           </a:ln>
           <a:extLst>
             <a:ext uri="{C572A759-6A51-4108-AA02-DFA0A04FC94B}">
-              <ma14:wrappingTextBoxFlag xmlns="" xmlns:m="http://schemas.openxmlformats.org/officeDocument/2006/math" xmlns:a14="http://schemas.microsoft.com/office/drawing/2010/main" xmlns:ma14="http://schemas.microsoft.com/office/mac/drawingml/2011/main" val="1"/>
+              <ma14:wrappingTextBoxFlag xmlns:ma14="http://schemas.microsoft.com/office/mac/drawingml/2011/main" xmlns:a14="http://schemas.microsoft.com/office/drawing/2010/main" xmlns:m="http://schemas.openxmlformats.org/officeDocument/2006/math" xmlns="" val="1"/>
             </a:ext>
           </a:extLst>
         </p:spPr>
@@ -6319,8 +6319,8 @@
         </p:nvSpPr>
         <p:spPr>
           <a:xfrm>
-            <a:off x="10366953" y="4758220"/>
-            <a:ext cx="3079672" cy="5507638"/>
+            <a:off x="10729668" y="7888808"/>
+            <a:ext cx="2807982" cy="2081148"/>
           </a:xfrm>
           <a:prstGeom prst="rect">
             <a:avLst/>
@@ -6369,7 +6369,7 @@
         </p:nvSpPr>
         <p:spPr>
           <a:xfrm>
-            <a:off x="3948602" y="6267738"/>
+            <a:off x="4305355" y="7353078"/>
             <a:ext cx="1699183" cy="340029"/>
           </a:xfrm>
           <a:prstGeom prst="rect">
@@ -6380,7 +6380,7 @@
           </a:ln>
           <a:extLst>
             <a:ext uri="{C572A759-6A51-4108-AA02-DFA0A04FC94B}">
-              <ma14:wrappingTextBoxFlag xmlns="" xmlns:m="http://schemas.openxmlformats.org/officeDocument/2006/math" xmlns:a14="http://schemas.microsoft.com/office/drawing/2010/main" xmlns:ma14="http://schemas.microsoft.com/office/mac/drawingml/2011/main" val="1"/>
+              <ma14:wrappingTextBoxFlag xmlns:ma14="http://schemas.microsoft.com/office/mac/drawingml/2011/main" xmlns:a14="http://schemas.microsoft.com/office/drawing/2010/main" xmlns:m="http://schemas.openxmlformats.org/officeDocument/2006/math" xmlns="" val="1"/>
             </a:ext>
           </a:extLst>
         </p:spPr>
@@ -6429,8 +6429,8 @@
         </p:nvSpPr>
         <p:spPr>
           <a:xfrm>
-            <a:off x="3754430" y="6639236"/>
-            <a:ext cx="5797534" cy="3567333"/>
+            <a:off x="4225258" y="7715215"/>
+            <a:ext cx="3590005" cy="2254744"/>
           </a:xfrm>
           <a:prstGeom prst="rect">
             <a:avLst/>
@@ -6479,7 +6479,7 @@
         </p:nvSpPr>
         <p:spPr>
           <a:xfrm>
-            <a:off x="10366953" y="4130504"/>
+            <a:off x="10606218" y="7244467"/>
             <a:ext cx="3079672" cy="0"/>
           </a:xfrm>
           <a:prstGeom prst="line">
@@ -6527,7 +6527,7 @@
         </p:nvSpPr>
         <p:spPr>
           <a:xfrm>
-            <a:off x="10483029" y="4914248"/>
+            <a:off x="11628384" y="7396307"/>
             <a:ext cx="1088744" cy="294872"/>
           </a:xfrm>
           <a:prstGeom prst="rect">
@@ -6544,7 +6544,7 @@
           </a:ln>
           <a:extLst>
             <a:ext uri="{C572A759-6A51-4108-AA02-DFA0A04FC94B}">
-              <ma14:wrappingTextBoxFlag xmlns="" xmlns:m="http://schemas.openxmlformats.org/officeDocument/2006/math" xmlns:a14="http://schemas.microsoft.com/office/drawing/2010/main" xmlns:ma14="http://schemas.microsoft.com/office/mac/drawingml/2011/main" val="1"/>
+              <ma14:wrappingTextBoxFlag xmlns:ma14="http://schemas.microsoft.com/office/mac/drawingml/2011/main" xmlns:a14="http://schemas.microsoft.com/office/drawing/2010/main" xmlns:m="http://schemas.openxmlformats.org/officeDocument/2006/math" xmlns="" val="1"/>
             </a:ext>
           </a:extLst>
         </p:spPr>
@@ -6572,54 +6572,6 @@
               <a:rPr lang="fr-FR" dirty="0"/>
               <a:t>bs4Card(…)</a:t>
             </a:r>
-          </a:p>
-        </p:txBody>
-      </p:sp>
-      <p:sp>
-        <p:nvSpPr>
-          <p:cNvPr id="75" name="Line">
-            <a:extLst>
-              <a:ext uri="{FF2B5EF4-FFF2-40B4-BE49-F238E27FC236}">
-                <a16:creationId xmlns:a16="http://schemas.microsoft.com/office/drawing/2014/main" id="{13782409-CF28-5744-85D3-67AF6EF5B334}"/>
-              </a:ext>
-            </a:extLst>
-          </p:cNvPr>
-          <p:cNvSpPr/>
-          <p:nvPr/>
-        </p:nvSpPr>
-        <p:spPr>
-          <a:xfrm>
-            <a:off x="10221131" y="1216304"/>
-            <a:ext cx="2028275" cy="6613"/>
-          </a:xfrm>
-          <a:prstGeom prst="line">
-            <a:avLst/>
-          </a:prstGeom>
-          <a:ln w="3175">
-            <a:solidFill>
-              <a:srgbClr val="767C85"/>
-            </a:solidFill>
-            <a:miter lim="400000"/>
-          </a:ln>
-        </p:spPr>
-        <p:txBody>
-          <a:bodyPr lIns="54570" tIns="54570" rIns="54570" bIns="54570" anchor="ctr"/>
-          <a:lstStyle/>
-          <a:p>
-            <a:pPr>
-              <a:lnSpc>
-                <a:spcPct val="80000"/>
-              </a:lnSpc>
-              <a:spcBef>
-                <a:spcPts val="600"/>
-              </a:spcBef>
-              <a:defRPr b="0">
-                <a:solidFill>
-                  <a:srgbClr val="000000"/>
-                </a:solidFill>
-              </a:defRPr>
-            </a:pPr>
-            <a:endParaRPr/>
           </a:p>
         </p:txBody>
       </p:sp>
@@ -6883,10 +6835,10 @@
       </p:sp>
       <p:pic>
         <p:nvPicPr>
-          <p:cNvPr id="10" name="Graphique 9">
+          <p:cNvPr id="12" name="Image 11" descr="Une image contenant capture d’écran&#10;&#10;Description générée automatiquement">
             <a:extLst>
               <a:ext uri="{FF2B5EF4-FFF2-40B4-BE49-F238E27FC236}">
-                <a16:creationId xmlns:a16="http://schemas.microsoft.com/office/drawing/2014/main" id="{CB918E87-2033-DB4D-87E3-DBF2390A1B08}"/>
+                <a16:creationId xmlns:a16="http://schemas.microsoft.com/office/drawing/2014/main" id="{0FDD66C8-AAB0-4744-86DD-359635C83773}"/>
               </a:ext>
             </a:extLst>
           </p:cNvPr>
@@ -6901,9 +6853,6 @@
               <a:ext uri="{28A0092B-C50C-407E-A947-70E740481C1C}">
                 <a14:useLocalDpi xmlns:a14="http://schemas.microsoft.com/office/drawing/2010/main" val="0"/>
               </a:ext>
-              <a:ext uri="{96DAC541-7B7A-43D3-8B79-37D633B846F1}">
-                <asvg:svgBlip xmlns:asvg="http://schemas.microsoft.com/office/drawing/2016/SVG/main" r:embed="rId17"/>
-              </a:ext>
             </a:extLst>
           </a:blip>
           <a:stretch>
@@ -6912,43 +6861,7 @@
         </p:blipFill>
         <p:spPr>
           <a:xfrm>
-            <a:off x="12223980" y="116212"/>
-            <a:ext cx="1255466" cy="1428633"/>
-          </a:xfrm>
-          <a:prstGeom prst="rect">
-            <a:avLst/>
-          </a:prstGeom>
-        </p:spPr>
-      </p:pic>
-      <p:pic>
-        <p:nvPicPr>
-          <p:cNvPr id="12" name="Image 11" descr="Une image contenant capture d’écran&#10;&#10;Description générée automatiquement">
-            <a:extLst>
-              <a:ext uri="{FF2B5EF4-FFF2-40B4-BE49-F238E27FC236}">
-                <a16:creationId xmlns:a16="http://schemas.microsoft.com/office/drawing/2014/main" id="{0FDD66C8-AAB0-4744-86DD-359635C83773}"/>
-              </a:ext>
-            </a:extLst>
-          </p:cNvPr>
-          <p:cNvPicPr>
-            <a:picLocks noChangeAspect="1"/>
-          </p:cNvPicPr>
-          <p:nvPr/>
-        </p:nvPicPr>
-        <p:blipFill>
-          <a:blip r:embed="rId18">
-            <a:extLst>
-              <a:ext uri="{28A0092B-C50C-407E-A947-70E740481C1C}">
-                <a14:useLocalDpi xmlns:a14="http://schemas.microsoft.com/office/drawing/2010/main" val="0"/>
-              </a:ext>
-            </a:extLst>
-          </a:blip>
-          <a:stretch>
-            <a:fillRect/>
-          </a:stretch>
-        </p:blipFill>
-        <p:spPr>
-          <a:xfrm>
-            <a:off x="3902630" y="1808484"/>
+            <a:off x="7311343" y="2816068"/>
             <a:ext cx="6055689" cy="3672000"/>
           </a:xfrm>
           <a:prstGeom prst="rect">
@@ -6970,8 +6883,8 @@
         </p:nvSpPr>
         <p:spPr>
           <a:xfrm>
-            <a:off x="5596312" y="1886473"/>
-            <a:ext cx="2212892" cy="1187424"/>
+            <a:off x="9034687" y="1479556"/>
+            <a:ext cx="4485111" cy="571871"/>
           </a:xfrm>
           <a:prstGeom prst="rect">
             <a:avLst/>
@@ -6987,7 +6900,7 @@
           </a:ln>
           <a:extLst>
             <a:ext uri="{C572A759-6A51-4108-AA02-DFA0A04FC94B}">
-              <ma14:wrappingTextBoxFlag xmlns="" xmlns:m="http://schemas.openxmlformats.org/officeDocument/2006/math" xmlns:a14="http://schemas.microsoft.com/office/drawing/2010/main" xmlns:ma14="http://schemas.microsoft.com/office/mac/drawingml/2011/main" val="1"/>
+              <ma14:wrappingTextBoxFlag xmlns:ma14="http://schemas.microsoft.com/office/mac/drawingml/2011/main" xmlns:a14="http://schemas.microsoft.com/office/drawing/2010/main" xmlns:m="http://schemas.openxmlformats.org/officeDocument/2006/math" xmlns="" val="1"/>
             </a:ext>
           </a:extLst>
         </p:spPr>
@@ -7183,17 +7096,17 @@
         </p:nvSpPr>
         <p:spPr>
           <a:xfrm>
-            <a:off x="3902630" y="5590136"/>
+            <a:off x="7082495" y="2361715"/>
             <a:ext cx="1543020" cy="257939"/>
           </a:xfrm>
           <a:prstGeom prst="wedgeRectCallout">
             <a:avLst>
               <a:gd name="adj1" fmla="val -19850"/>
-              <a:gd name="adj2" fmla="val -110125"/>
+              <a:gd name="adj2" fmla="val 118332"/>
             </a:avLst>
           </a:prstGeom>
           <a:blipFill rotWithShape="1">
-            <a:blip r:embed="rId19"/>
+            <a:blip r:embed="rId17"/>
             <a:srcRect/>
             <a:tile tx="0" ty="0" sx="100000" sy="100000" flip="none" algn="tl"/>
           </a:blipFill>
@@ -7278,8 +7191,8 @@
         </p:nvSpPr>
         <p:spPr>
           <a:xfrm>
-            <a:off x="5445650" y="3511918"/>
-            <a:ext cx="2165429" cy="1802977"/>
+            <a:off x="4564650" y="2316794"/>
+            <a:ext cx="1678003" cy="264094"/>
           </a:xfrm>
           <a:prstGeom prst="rect">
             <a:avLst/>
@@ -7295,7 +7208,7 @@
           </a:ln>
           <a:extLst>
             <a:ext uri="{C572A759-6A51-4108-AA02-DFA0A04FC94B}">
-              <ma14:wrappingTextBoxFlag xmlns="" xmlns:m="http://schemas.openxmlformats.org/officeDocument/2006/math" xmlns:a14="http://schemas.microsoft.com/office/drawing/2010/main" xmlns:ma14="http://schemas.microsoft.com/office/mac/drawingml/2011/main" val="1"/>
+              <ma14:wrappingTextBoxFlag xmlns:ma14="http://schemas.microsoft.com/office/mac/drawingml/2011/main" xmlns:a14="http://schemas.microsoft.com/office/drawing/2010/main" xmlns:m="http://schemas.openxmlformats.org/officeDocument/2006/math" xmlns="" val="1"/>
             </a:ext>
           </a:extLst>
         </p:spPr>
@@ -7323,323 +7236,7 @@
               <a:rPr lang="fr-FR" sz="1000" b="0" dirty="0">
                 <a:sym typeface="Menlo"/>
               </a:rPr>
-              <a:t>bs4DashSidebar(</a:t>
-            </a:r>
-          </a:p>
-          <a:p>
-            <a:pPr>
-              <a:spcBef>
-                <a:spcPts val="0"/>
-              </a:spcBef>
-              <a:defRPr b="0">
-                <a:solidFill>
-                  <a:srgbClr val="000000"/>
-                </a:solidFill>
-                <a:latin typeface="Menlo"/>
-                <a:ea typeface="Menlo"/>
-                <a:cs typeface="Menlo"/>
-                <a:sym typeface="Menlo"/>
-              </a:defRPr>
-            </a:pPr>
-            <a:r>
-              <a:rPr lang="fr-FR" sz="1000" b="0" dirty="0">
-                <a:sym typeface="Menlo"/>
-              </a:rPr>
-              <a:t> ..., </a:t>
-            </a:r>
-          </a:p>
-          <a:p>
-            <a:pPr>
-              <a:spcBef>
-                <a:spcPts val="0"/>
-              </a:spcBef>
-              <a:defRPr b="0">
-                <a:solidFill>
-                  <a:srgbClr val="000000"/>
-                </a:solidFill>
-                <a:latin typeface="Menlo"/>
-                <a:ea typeface="Menlo"/>
-                <a:cs typeface="Menlo"/>
-                <a:sym typeface="Menlo"/>
-              </a:defRPr>
-            </a:pPr>
-            <a:r>
-              <a:rPr lang="fr-FR" sz="1000" b="0" dirty="0">
-                <a:sym typeface="Menlo"/>
-              </a:rPr>
-              <a:t> </a:t>
-            </a:r>
-            <a:r>
-              <a:rPr lang="fr-FR" sz="1000" b="0" dirty="0" err="1">
-                <a:sym typeface="Menlo"/>
-              </a:rPr>
-              <a:t>title</a:t>
-            </a:r>
-            <a:r>
-              <a:rPr lang="fr-FR" sz="1000" b="0" dirty="0">
-                <a:sym typeface="Menlo"/>
-              </a:rPr>
-              <a:t> = NULL, </a:t>
-            </a:r>
-          </a:p>
-          <a:p>
-            <a:pPr>
-              <a:spcBef>
-                <a:spcPts val="0"/>
-              </a:spcBef>
-              <a:defRPr b="0">
-                <a:solidFill>
-                  <a:srgbClr val="000000"/>
-                </a:solidFill>
-                <a:latin typeface="Menlo"/>
-                <a:ea typeface="Menlo"/>
-                <a:cs typeface="Menlo"/>
-                <a:sym typeface="Menlo"/>
-              </a:defRPr>
-            </a:pPr>
-            <a:r>
-              <a:rPr lang="fr-FR" sz="1000" b="0" dirty="0">
-                <a:sym typeface="Menlo"/>
-              </a:rPr>
-              <a:t> skin = "</a:t>
-            </a:r>
-            <a:r>
-              <a:rPr lang="fr-FR" sz="1000" b="0" dirty="0" err="1">
-                <a:sym typeface="Menlo"/>
-              </a:rPr>
-              <a:t>dark</a:t>
-            </a:r>
-            <a:r>
-              <a:rPr lang="fr-FR" sz="1000" b="0" dirty="0">
-                <a:sym typeface="Menlo"/>
-              </a:rPr>
-              <a:t>", </a:t>
-            </a:r>
-          </a:p>
-          <a:p>
-            <a:pPr>
-              <a:spcBef>
-                <a:spcPts val="0"/>
-              </a:spcBef>
-              <a:defRPr b="0">
-                <a:solidFill>
-                  <a:srgbClr val="000000"/>
-                </a:solidFill>
-                <a:latin typeface="Menlo"/>
-                <a:ea typeface="Menlo"/>
-                <a:cs typeface="Menlo"/>
-                <a:sym typeface="Menlo"/>
-              </a:defRPr>
-            </a:pPr>
-            <a:r>
-              <a:rPr lang="fr-FR" sz="1000" b="0" dirty="0">
-                <a:sym typeface="Menlo"/>
-              </a:rPr>
-              <a:t> </a:t>
-            </a:r>
-            <a:r>
-              <a:rPr lang="fr-FR" sz="1000" b="0" dirty="0" err="1">
-                <a:sym typeface="Menlo"/>
-              </a:rPr>
-              <a:t>status</a:t>
-            </a:r>
-            <a:r>
-              <a:rPr lang="fr-FR" sz="1000" b="0" dirty="0">
-                <a:sym typeface="Menlo"/>
-              </a:rPr>
-              <a:t> = "</a:t>
-            </a:r>
-            <a:r>
-              <a:rPr lang="fr-FR" sz="1000" b="0" dirty="0" err="1">
-                <a:sym typeface="Menlo"/>
-              </a:rPr>
-              <a:t>primary</a:t>
-            </a:r>
-            <a:r>
-              <a:rPr lang="fr-FR" sz="1000" b="0" dirty="0">
-                <a:sym typeface="Menlo"/>
-              </a:rPr>
-              <a:t>",</a:t>
-            </a:r>
-          </a:p>
-          <a:p>
-            <a:pPr>
-              <a:spcBef>
-                <a:spcPts val="0"/>
-              </a:spcBef>
-              <a:defRPr b="0">
-                <a:solidFill>
-                  <a:srgbClr val="000000"/>
-                </a:solidFill>
-                <a:latin typeface="Menlo"/>
-                <a:ea typeface="Menlo"/>
-                <a:cs typeface="Menlo"/>
-                <a:sym typeface="Menlo"/>
-              </a:defRPr>
-            </a:pPr>
-            <a:r>
-              <a:rPr lang="fr-FR" sz="1000" b="0" dirty="0">
-                <a:sym typeface="Menlo"/>
-              </a:rPr>
-              <a:t> </a:t>
-            </a:r>
-            <a:r>
-              <a:rPr lang="fr-FR" sz="1000" b="0" dirty="0" err="1">
-                <a:sym typeface="Menlo"/>
-              </a:rPr>
-              <a:t>brandColor</a:t>
-            </a:r>
-            <a:r>
-              <a:rPr lang="fr-FR" sz="1000" b="0" dirty="0">
-                <a:sym typeface="Menlo"/>
-              </a:rPr>
-              <a:t> = NULL, </a:t>
-            </a:r>
-          </a:p>
-          <a:p>
-            <a:pPr>
-              <a:spcBef>
-                <a:spcPts val="0"/>
-              </a:spcBef>
-              <a:defRPr b="0">
-                <a:solidFill>
-                  <a:srgbClr val="000000"/>
-                </a:solidFill>
-                <a:latin typeface="Menlo"/>
-                <a:ea typeface="Menlo"/>
-                <a:cs typeface="Menlo"/>
-                <a:sym typeface="Menlo"/>
-              </a:defRPr>
-            </a:pPr>
-            <a:r>
-              <a:rPr lang="fr-FR" sz="1000" b="0" dirty="0">
-                <a:sym typeface="Menlo"/>
-              </a:rPr>
-              <a:t> url = NULL, </a:t>
-            </a:r>
-          </a:p>
-          <a:p>
-            <a:pPr>
-              <a:spcBef>
-                <a:spcPts val="0"/>
-              </a:spcBef>
-              <a:defRPr b="0">
-                <a:solidFill>
-                  <a:srgbClr val="000000"/>
-                </a:solidFill>
-                <a:latin typeface="Menlo"/>
-                <a:ea typeface="Menlo"/>
-                <a:cs typeface="Menlo"/>
-                <a:sym typeface="Menlo"/>
-              </a:defRPr>
-            </a:pPr>
-            <a:r>
-              <a:rPr lang="fr-FR" sz="1000" b="0" dirty="0">
-                <a:sym typeface="Menlo"/>
-              </a:rPr>
-              <a:t> </a:t>
-            </a:r>
-            <a:r>
-              <a:rPr lang="fr-FR" sz="1000" b="0" dirty="0" err="1">
-                <a:sym typeface="Menlo"/>
-              </a:rPr>
-              <a:t>src</a:t>
-            </a:r>
-            <a:r>
-              <a:rPr lang="fr-FR" sz="1000" b="0" dirty="0">
-                <a:sym typeface="Menlo"/>
-              </a:rPr>
-              <a:t> = NULL, </a:t>
-            </a:r>
-          </a:p>
-          <a:p>
-            <a:pPr>
-              <a:spcBef>
-                <a:spcPts val="0"/>
-              </a:spcBef>
-              <a:defRPr b="0">
-                <a:solidFill>
-                  <a:srgbClr val="000000"/>
-                </a:solidFill>
-                <a:latin typeface="Menlo"/>
-                <a:ea typeface="Menlo"/>
-                <a:cs typeface="Menlo"/>
-                <a:sym typeface="Menlo"/>
-              </a:defRPr>
-            </a:pPr>
-            <a:r>
-              <a:rPr lang="fr-FR" sz="1000" b="0" dirty="0">
-                <a:sym typeface="Menlo"/>
-              </a:rPr>
-              <a:t> </a:t>
-            </a:r>
-            <a:r>
-              <a:rPr lang="fr-FR" sz="1000" b="0" dirty="0" err="1">
-                <a:sym typeface="Menlo"/>
-              </a:rPr>
-              <a:t>elevation</a:t>
-            </a:r>
-            <a:r>
-              <a:rPr lang="fr-FR" sz="1000" b="0" dirty="0">
-                <a:sym typeface="Menlo"/>
-              </a:rPr>
-              <a:t> = 4, </a:t>
-            </a:r>
-          </a:p>
-          <a:p>
-            <a:pPr>
-              <a:spcBef>
-                <a:spcPts val="0"/>
-              </a:spcBef>
-              <a:defRPr b="0">
-                <a:solidFill>
-                  <a:srgbClr val="000000"/>
-                </a:solidFill>
-                <a:latin typeface="Menlo"/>
-                <a:ea typeface="Menlo"/>
-                <a:cs typeface="Menlo"/>
-                <a:sym typeface="Menlo"/>
-              </a:defRPr>
-            </a:pPr>
-            <a:r>
-              <a:rPr lang="fr-FR" sz="1000" b="0" dirty="0">
-                <a:sym typeface="Menlo"/>
-              </a:rPr>
-              <a:t> </a:t>
-            </a:r>
-            <a:r>
-              <a:rPr lang="fr-FR" sz="1000" b="0" dirty="0" err="1">
-                <a:sym typeface="Menlo"/>
-              </a:rPr>
-              <a:t>opacity</a:t>
-            </a:r>
-            <a:r>
-              <a:rPr lang="fr-FR" sz="1000" b="0" dirty="0">
-                <a:sym typeface="Menlo"/>
-              </a:rPr>
-              <a:t> = 0.8</a:t>
-            </a:r>
-          </a:p>
-          <a:p>
-            <a:pPr>
-              <a:spcBef>
-                <a:spcPts val="0"/>
-              </a:spcBef>
-              <a:defRPr b="0">
-                <a:solidFill>
-                  <a:srgbClr val="000000"/>
-                </a:solidFill>
-                <a:latin typeface="Menlo"/>
-                <a:ea typeface="Menlo"/>
-                <a:cs typeface="Menlo"/>
-                <a:sym typeface="Menlo"/>
-              </a:defRPr>
-            </a:pPr>
-            <a:r>
-              <a:rPr lang="fr-FR" sz="1000" b="0" dirty="0">
-                <a:sym typeface="Menlo"/>
-              </a:rPr>
-              <a:t>)</a:t>
+              <a:t>bs4DashSidebar(...)</a:t>
             </a:r>
           </a:p>
         </p:txBody>
@@ -7658,17 +7255,17 @@
         </p:nvSpPr>
         <p:spPr>
           <a:xfrm>
-            <a:off x="8524352" y="5133211"/>
+            <a:off x="11856947" y="5335585"/>
             <a:ext cx="1543020" cy="257939"/>
           </a:xfrm>
           <a:prstGeom prst="wedgeRectCallout">
             <a:avLst>
-              <a:gd name="adj1" fmla="val 21158"/>
-              <a:gd name="adj2" fmla="val -107380"/>
+              <a:gd name="adj1" fmla="val -22080"/>
+              <a:gd name="adj2" fmla="val -124733"/>
             </a:avLst>
           </a:prstGeom>
           <a:blipFill rotWithShape="1">
-            <a:blip r:embed="rId19"/>
+            <a:blip r:embed="rId17"/>
             <a:srcRect/>
             <a:tile tx="0" ty="0" sx="100000" sy="100000" flip="none" algn="tl"/>
           </a:blipFill>
@@ -7753,7 +7350,7 @@
         </p:nvSpPr>
         <p:spPr>
           <a:xfrm>
-            <a:off x="8104718" y="1406326"/>
+            <a:off x="10276992" y="2649228"/>
             <a:ext cx="1727427" cy="257939"/>
           </a:xfrm>
           <a:prstGeom prst="wedgeRectCallout">
@@ -7763,7 +7360,7 @@
             </a:avLst>
           </a:prstGeom>
           <a:blipFill rotWithShape="1">
-            <a:blip r:embed="rId19"/>
+            <a:blip r:embed="rId17"/>
             <a:srcRect/>
             <a:tile tx="0" ty="0" sx="100000" sy="100000" flip="none" algn="tl"/>
           </a:blipFill>
@@ -7848,8 +7445,8 @@
         </p:nvSpPr>
         <p:spPr>
           <a:xfrm>
-            <a:off x="7406479" y="5458488"/>
-            <a:ext cx="2705709" cy="417982"/>
+            <a:off x="11952752" y="5659318"/>
+            <a:ext cx="1584898" cy="725759"/>
           </a:xfrm>
           <a:prstGeom prst="rect">
             <a:avLst/>
@@ -7865,7 +7462,7 @@
           </a:ln>
           <a:extLst>
             <a:ext uri="{C572A759-6A51-4108-AA02-DFA0A04FC94B}">
-              <ma14:wrappingTextBoxFlag xmlns="" xmlns:m="http://schemas.openxmlformats.org/officeDocument/2006/math" xmlns:a14="http://schemas.microsoft.com/office/drawing/2010/main" xmlns:ma14="http://schemas.microsoft.com/office/mac/drawingml/2011/main" val="1"/>
+              <ma14:wrappingTextBoxFlag xmlns:ma14="http://schemas.microsoft.com/office/mac/drawingml/2011/main" xmlns:a14="http://schemas.microsoft.com/office/drawing/2010/main" xmlns:m="http://schemas.openxmlformats.org/officeDocument/2006/math" xmlns="" val="1"/>
             </a:ext>
           </a:extLst>
         </p:spPr>
@@ -7940,6 +7537,164 @@
             <a:extLst>
               <a:ext uri="{FF2B5EF4-FFF2-40B4-BE49-F238E27FC236}">
                 <a16:creationId xmlns:a16="http://schemas.microsoft.com/office/drawing/2014/main" id="{85CBFEB0-E540-2A43-A1F4-A5DFF58EC2F3}"/>
+              </a:ext>
+            </a:extLst>
+          </p:cNvPr>
+          <p:cNvPicPr>
+            <a:picLocks noChangeAspect="1"/>
+          </p:cNvPicPr>
+          <p:nvPr/>
+        </p:nvPicPr>
+        <p:blipFill>
+          <a:blip r:embed="rId18">
+            <a:extLst>
+              <a:ext uri="{28A0092B-C50C-407E-A947-70E740481C1C}">
+                <a14:useLocalDpi xmlns:a14="http://schemas.microsoft.com/office/drawing/2010/main" val="0"/>
+              </a:ext>
+            </a:extLst>
+          </a:blip>
+          <a:stretch>
+            <a:fillRect/>
+          </a:stretch>
+        </p:blipFill>
+        <p:spPr>
+          <a:xfrm>
+            <a:off x="4330544" y="7808977"/>
+            <a:ext cx="3387725" cy="2054225"/>
+          </a:xfrm>
+          <a:prstGeom prst="rect">
+            <a:avLst/>
+          </a:prstGeom>
+        </p:spPr>
+      </p:pic>
+      <p:sp>
+        <p:nvSpPr>
+          <p:cNvPr id="93" name="ggplot(mpg, aes(hwy, cty)) +…">
+            <a:extLst>
+              <a:ext uri="{FF2B5EF4-FFF2-40B4-BE49-F238E27FC236}">
+                <a16:creationId xmlns:a16="http://schemas.microsoft.com/office/drawing/2014/main" id="{B8282832-A4FD-D841-8090-8FBB60195607}"/>
+              </a:ext>
+            </a:extLst>
+          </p:cNvPr>
+          <p:cNvSpPr txBox="1"/>
+          <p:nvPr/>
+        </p:nvSpPr>
+        <p:spPr>
+          <a:xfrm>
+            <a:off x="7921935" y="8965267"/>
+            <a:ext cx="1865003" cy="848870"/>
+          </a:xfrm>
+          <a:prstGeom prst="rect">
+            <a:avLst/>
+          </a:prstGeom>
+          <a:solidFill>
+            <a:srgbClr val="FFFFFF"/>
+          </a:solidFill>
+          <a:ln w="12700">
+            <a:solidFill>
+              <a:srgbClr val="A6AAA9"/>
+            </a:solidFill>
+            <a:miter lim="400000"/>
+          </a:ln>
+          <a:extLst>
+            <a:ext uri="{C572A759-6A51-4108-AA02-DFA0A04FC94B}">
+              <ma14:wrappingTextBoxFlag xmlns:ma14="http://schemas.microsoft.com/office/mac/drawingml/2011/main" xmlns:a14="http://schemas.microsoft.com/office/drawing/2010/main" xmlns:m="http://schemas.openxmlformats.org/officeDocument/2006/math" xmlns="" val="1"/>
+            </a:ext>
+          </a:extLst>
+        </p:spPr>
+        <p:txBody>
+          <a:bodyPr wrap="square" lIns="54570" tIns="54570" rIns="54570" bIns="54570" anchor="ctr">
+            <a:spAutoFit/>
+          </a:bodyPr>
+          <a:lstStyle/>
+          <a:p>
+            <a:pPr>
+              <a:spcBef>
+                <a:spcPts val="0"/>
+              </a:spcBef>
+              <a:defRPr b="0">
+                <a:solidFill>
+                  <a:srgbClr val="000000"/>
+                </a:solidFill>
+                <a:latin typeface="Menlo"/>
+                <a:ea typeface="Menlo"/>
+                <a:cs typeface="Menlo"/>
+                <a:sym typeface="Menlo"/>
+              </a:defRPr>
+            </a:pPr>
+            <a:r>
+              <a:rPr lang="fr-FR" b="0" dirty="0">
+                <a:sym typeface="Menlo"/>
+              </a:rPr>
+              <a:t>bs4DashSidebar(..., skin = "light")</a:t>
+            </a:r>
+          </a:p>
+          <a:p>
+            <a:pPr>
+              <a:spcBef>
+                <a:spcPts val="0"/>
+              </a:spcBef>
+              <a:defRPr b="0">
+                <a:solidFill>
+                  <a:srgbClr val="000000"/>
+                </a:solidFill>
+                <a:latin typeface="Menlo"/>
+                <a:ea typeface="Menlo"/>
+                <a:cs typeface="Menlo"/>
+                <a:sym typeface="Menlo"/>
+              </a:defRPr>
+            </a:pPr>
+            <a:r>
+              <a:rPr lang="fr-FR" b="0" dirty="0">
+                <a:sym typeface="Menlo"/>
+              </a:rPr>
+              <a:t>bs4DashControlbar(..., skin = "light")</a:t>
+            </a:r>
+          </a:p>
+        </p:txBody>
+      </p:sp>
+      <p:pic>
+        <p:nvPicPr>
+          <p:cNvPr id="23" name="Image 22" descr="Une image contenant capture d’écran&#10;&#10;Description générée automatiquement">
+            <a:extLst>
+              <a:ext uri="{FF2B5EF4-FFF2-40B4-BE49-F238E27FC236}">
+                <a16:creationId xmlns:a16="http://schemas.microsoft.com/office/drawing/2014/main" id="{69A1AF8D-6958-7A40-A3E4-84BBE6759A37}"/>
+              </a:ext>
+            </a:extLst>
+          </p:cNvPr>
+          <p:cNvPicPr>
+            <a:picLocks noChangeAspect="1"/>
+          </p:cNvPicPr>
+          <p:nvPr/>
+        </p:nvPicPr>
+        <p:blipFill>
+          <a:blip r:embed="rId19">
+            <a:extLst>
+              <a:ext uri="{28A0092B-C50C-407E-A947-70E740481C1C}">
+                <a14:useLocalDpi xmlns:a14="http://schemas.microsoft.com/office/drawing/2010/main" val="0"/>
+              </a:ext>
+            </a:extLst>
+          </a:blip>
+          <a:stretch>
+            <a:fillRect/>
+          </a:stretch>
+        </p:blipFill>
+        <p:spPr>
+          <a:xfrm>
+            <a:off x="10835553" y="7990037"/>
+            <a:ext cx="2545080" cy="1863090"/>
+          </a:xfrm>
+          <a:prstGeom prst="rect">
+            <a:avLst/>
+          </a:prstGeom>
+        </p:spPr>
+      </p:pic>
+      <p:pic>
+        <p:nvPicPr>
+          <p:cNvPr id="26" name="Image 25">
+            <a:extLst>
+              <a:ext uri="{FF2B5EF4-FFF2-40B4-BE49-F238E27FC236}">
+                <a16:creationId xmlns:a16="http://schemas.microsoft.com/office/drawing/2014/main" id="{1318D16A-13AF-8D42-9186-28878609FE3F}"/>
               </a:ext>
             </a:extLst>
           </p:cNvPr>
@@ -7962,165 +7717,7 @@
         </p:blipFill>
         <p:spPr>
           <a:xfrm>
-            <a:off x="3909100" y="6802382"/>
-            <a:ext cx="5420360" cy="3286760"/>
-          </a:xfrm>
-          <a:prstGeom prst="rect">
-            <a:avLst/>
-          </a:prstGeom>
-        </p:spPr>
-      </p:pic>
-      <p:sp>
-        <p:nvSpPr>
-          <p:cNvPr id="93" name="ggplot(mpg, aes(hwy, cty)) +…">
-            <a:extLst>
-              <a:ext uri="{FF2B5EF4-FFF2-40B4-BE49-F238E27FC236}">
-                <a16:creationId xmlns:a16="http://schemas.microsoft.com/office/drawing/2014/main" id="{B8282832-A4FD-D841-8090-8FBB60195607}"/>
-              </a:ext>
-            </a:extLst>
-          </p:cNvPr>
-          <p:cNvSpPr txBox="1"/>
-          <p:nvPr/>
-        </p:nvSpPr>
-        <p:spPr>
-          <a:xfrm>
-            <a:off x="5254516" y="7968423"/>
-            <a:ext cx="3883810" cy="479538"/>
-          </a:xfrm>
-          <a:prstGeom prst="rect">
-            <a:avLst/>
-          </a:prstGeom>
-          <a:solidFill>
-            <a:srgbClr val="FFFFFF"/>
-          </a:solidFill>
-          <a:ln w="12700">
-            <a:solidFill>
-              <a:srgbClr val="A6AAA9"/>
-            </a:solidFill>
-            <a:miter lim="400000"/>
-          </a:ln>
-          <a:extLst>
-            <a:ext uri="{C572A759-6A51-4108-AA02-DFA0A04FC94B}">
-              <ma14:wrappingTextBoxFlag xmlns="" xmlns:m="http://schemas.openxmlformats.org/officeDocument/2006/math" xmlns:a14="http://schemas.microsoft.com/office/drawing/2010/main" xmlns:ma14="http://schemas.microsoft.com/office/mac/drawingml/2011/main" val="1"/>
-            </a:ext>
-          </a:extLst>
-        </p:spPr>
-        <p:txBody>
-          <a:bodyPr wrap="square" lIns="54570" tIns="54570" rIns="54570" bIns="54570" anchor="ctr">
-            <a:spAutoFit/>
-          </a:bodyPr>
-          <a:lstStyle/>
-          <a:p>
-            <a:pPr>
-              <a:spcBef>
-                <a:spcPts val="0"/>
-              </a:spcBef>
-              <a:defRPr b="0">
-                <a:solidFill>
-                  <a:srgbClr val="000000"/>
-                </a:solidFill>
-                <a:latin typeface="Menlo"/>
-                <a:ea typeface="Menlo"/>
-                <a:cs typeface="Menlo"/>
-                <a:sym typeface="Menlo"/>
-              </a:defRPr>
-            </a:pPr>
-            <a:r>
-              <a:rPr lang="fr-FR" b="0" dirty="0">
-                <a:sym typeface="Menlo"/>
-              </a:rPr>
-              <a:t>bs4DashSidebar(..., skin = "light")</a:t>
-            </a:r>
-          </a:p>
-          <a:p>
-            <a:pPr>
-              <a:spcBef>
-                <a:spcPts val="0"/>
-              </a:spcBef>
-              <a:defRPr b="0">
-                <a:solidFill>
-                  <a:srgbClr val="000000"/>
-                </a:solidFill>
-                <a:latin typeface="Menlo"/>
-                <a:ea typeface="Menlo"/>
-                <a:cs typeface="Menlo"/>
-                <a:sym typeface="Menlo"/>
-              </a:defRPr>
-            </a:pPr>
-            <a:r>
-              <a:rPr lang="fr-FR" b="0" dirty="0">
-                <a:sym typeface="Menlo"/>
-              </a:rPr>
-              <a:t>bs4DashControlbar(..., skin = "light")</a:t>
-            </a:r>
-          </a:p>
-        </p:txBody>
-      </p:sp>
-      <p:pic>
-        <p:nvPicPr>
-          <p:cNvPr id="23" name="Image 22" descr="Une image contenant capture d’écran&#10;&#10;Description générée automatiquement">
-            <a:extLst>
-              <a:ext uri="{FF2B5EF4-FFF2-40B4-BE49-F238E27FC236}">
-                <a16:creationId xmlns:a16="http://schemas.microsoft.com/office/drawing/2014/main" id="{69A1AF8D-6958-7A40-A3E4-84BBE6759A37}"/>
-              </a:ext>
-            </a:extLst>
-          </p:cNvPr>
-          <p:cNvPicPr>
-            <a:picLocks noChangeAspect="1"/>
-          </p:cNvPicPr>
-          <p:nvPr/>
-        </p:nvPicPr>
-        <p:blipFill>
-          <a:blip r:embed="rId21">
-            <a:extLst>
-              <a:ext uri="{28A0092B-C50C-407E-A947-70E740481C1C}">
-                <a14:useLocalDpi xmlns:a14="http://schemas.microsoft.com/office/drawing/2010/main" val="0"/>
-              </a:ext>
-            </a:extLst>
-          </a:blip>
-          <a:stretch>
-            <a:fillRect/>
-          </a:stretch>
-        </p:blipFill>
-        <p:spPr>
-          <a:xfrm>
-            <a:off x="10434518" y="5304041"/>
-            <a:ext cx="2969260" cy="2173605"/>
-          </a:xfrm>
-          <a:prstGeom prst="rect">
-            <a:avLst/>
-          </a:prstGeom>
-        </p:spPr>
-      </p:pic>
-      <p:pic>
-        <p:nvPicPr>
-          <p:cNvPr id="26" name="Image 25">
-            <a:extLst>
-              <a:ext uri="{FF2B5EF4-FFF2-40B4-BE49-F238E27FC236}">
-                <a16:creationId xmlns:a16="http://schemas.microsoft.com/office/drawing/2014/main" id="{1318D16A-13AF-8D42-9186-28878609FE3F}"/>
-              </a:ext>
-            </a:extLst>
-          </p:cNvPr>
-          <p:cNvPicPr>
-            <a:picLocks noChangeAspect="1"/>
-          </p:cNvPicPr>
-          <p:nvPr/>
-        </p:nvPicPr>
-        <p:blipFill>
-          <a:blip r:embed="rId22">
-            <a:extLst>
-              <a:ext uri="{28A0092B-C50C-407E-A947-70E740481C1C}">
-                <a14:useLocalDpi xmlns:a14="http://schemas.microsoft.com/office/drawing/2010/main" val="0"/>
-              </a:ext>
-            </a:extLst>
-          </a:blip>
-          <a:stretch>
-            <a:fillRect/>
-          </a:stretch>
-        </p:blipFill>
-        <p:spPr>
-          <a:xfrm>
-            <a:off x="10454520" y="8009318"/>
+            <a:off x="-5265829" y="5943298"/>
             <a:ext cx="2929255" cy="2146935"/>
           </a:xfrm>
           <a:prstGeom prst="rect">
@@ -8142,7 +7739,7 @@
         </p:nvSpPr>
         <p:spPr>
           <a:xfrm>
-            <a:off x="10483028" y="7600755"/>
+            <a:off x="-5237321" y="5534735"/>
             <a:ext cx="1814555" cy="294872"/>
           </a:xfrm>
           <a:prstGeom prst="rect">
@@ -8159,7 +7756,7 @@
           </a:ln>
           <a:extLst>
             <a:ext uri="{C572A759-6A51-4108-AA02-DFA0A04FC94B}">
-              <ma14:wrappingTextBoxFlag xmlns="" xmlns:m="http://schemas.openxmlformats.org/officeDocument/2006/math" xmlns:a14="http://schemas.microsoft.com/office/drawing/2010/main" xmlns:ma14="http://schemas.microsoft.com/office/mac/drawingml/2011/main" val="1"/>
+              <ma14:wrappingTextBoxFlag xmlns:ma14="http://schemas.microsoft.com/office/mac/drawingml/2011/main" xmlns:a14="http://schemas.microsoft.com/office/drawing/2010/main" xmlns:m="http://schemas.openxmlformats.org/officeDocument/2006/math" xmlns="" val="1"/>
             </a:ext>
           </a:extLst>
         </p:spPr>
@@ -8190,62 +7787,12 @@
           </a:p>
         </p:txBody>
       </p:sp>
-      <p:sp>
-        <p:nvSpPr>
-          <p:cNvPr id="97" name="Group">
+      <p:pic>
+        <p:nvPicPr>
+          <p:cNvPr id="6" name="Graphique 5">
             <a:extLst>
               <a:ext uri="{FF2B5EF4-FFF2-40B4-BE49-F238E27FC236}">
-                <a16:creationId xmlns:a16="http://schemas.microsoft.com/office/drawing/2014/main" id="{2ED719AC-1503-5641-99BA-52BC5DEFA885}"/>
-              </a:ext>
-            </a:extLst>
-          </p:cNvPr>
-          <p:cNvSpPr/>
-          <p:nvPr/>
-        </p:nvSpPr>
-        <p:spPr>
-          <a:xfrm>
-            <a:off x="10385119" y="1737594"/>
-            <a:ext cx="3079672" cy="2225032"/>
-          </a:xfrm>
-          <a:prstGeom prst="rect">
-            <a:avLst/>
-          </a:prstGeom>
-          <a:solidFill>
-            <a:srgbClr val="79B0DC">
-              <a:alpha val="23776"/>
-            </a:srgbClr>
-          </a:solidFill>
-          <a:ln w="12700">
-            <a:miter lim="400000"/>
-          </a:ln>
-        </p:spPr>
-        <p:txBody>
-          <a:bodyPr lIns="54570" tIns="54570" rIns="54570" bIns="54570" anchor="ctr"/>
-          <a:lstStyle/>
-          <a:p>
-            <a:pPr>
-              <a:lnSpc>
-                <a:spcPct val="80000"/>
-              </a:lnSpc>
-              <a:spcBef>
-                <a:spcPts val="0"/>
-              </a:spcBef>
-              <a:defRPr sz="1000" b="0">
-                <a:solidFill>
-                  <a:srgbClr val="000000"/>
-                </a:solidFill>
-              </a:defRPr>
-            </a:pPr>
-            <a:endParaRPr dirty="0"/>
-          </a:p>
-        </p:txBody>
-      </p:sp>
-      <p:pic>
-        <p:nvPicPr>
-          <p:cNvPr id="98" name="Image 97" descr="Une image contenant capture d’écran&#10;&#10;Description générée automatiquement">
-            <a:extLst>
-              <a:ext uri="{FF2B5EF4-FFF2-40B4-BE49-F238E27FC236}">
-                <a16:creationId xmlns:a16="http://schemas.microsoft.com/office/drawing/2014/main" id="{1DD6BE28-43A1-1940-A81B-DB0525BBBBFC}"/>
+                <a16:creationId xmlns:a16="http://schemas.microsoft.com/office/drawing/2014/main" id="{B13723C0-BD69-2647-A1E0-AD46DE76F66B}"/>
               </a:ext>
             </a:extLst>
           </p:cNvPr>
@@ -8255,10 +7802,13 @@
           <p:nvPr/>
         </p:nvPicPr>
         <p:blipFill>
-          <a:blip r:embed="rId23">
+          <a:blip r:embed="rId21">
             <a:extLst>
               <a:ext uri="{28A0092B-C50C-407E-A947-70E740481C1C}">
                 <a14:useLocalDpi xmlns:a14="http://schemas.microsoft.com/office/drawing/2010/main" val="0"/>
+              </a:ext>
+              <a:ext uri="{96DAC541-7B7A-43D3-8B79-37D633B846F1}">
+                <asvg:svgBlip xmlns:asvg="http://schemas.microsoft.com/office/drawing/2016/SVG/main" r:embed="rId22"/>
               </a:ext>
             </a:extLst>
           </a:blip>
@@ -8268,8 +7818,8 @@
         </p:blipFill>
         <p:spPr>
           <a:xfrm>
-            <a:off x="10410655" y="2464551"/>
-            <a:ext cx="3012440" cy="1447800"/>
+            <a:off x="12302214" y="107454"/>
+            <a:ext cx="1049655" cy="1217295"/>
           </a:xfrm>
           <a:prstGeom prst="rect">
             <a:avLst/>
@@ -8278,10 +7828,76 @@
       </p:pic>
       <p:sp>
         <p:nvSpPr>
-          <p:cNvPr id="99" name="Basics">
+          <p:cNvPr id="71" name="Rectangle">
             <a:extLst>
               <a:ext uri="{FF2B5EF4-FFF2-40B4-BE49-F238E27FC236}">
-                <a16:creationId xmlns:a16="http://schemas.microsoft.com/office/drawing/2014/main" id="{2E08B404-3318-1841-8309-4B297F1EECB1}"/>
+                <a16:creationId xmlns:a16="http://schemas.microsoft.com/office/drawing/2014/main" id="{2B7EE09D-9FF8-D84A-BD16-15DC8079FA35}"/>
+              </a:ext>
+            </a:extLst>
+          </p:cNvPr>
+          <p:cNvSpPr/>
+          <p:nvPr/>
+        </p:nvSpPr>
+        <p:spPr>
+          <a:xfrm>
+            <a:off x="324608" y="7616256"/>
+            <a:ext cx="2806700" cy="372247"/>
+          </a:xfrm>
+          <a:prstGeom prst="rect">
+            <a:avLst/>
+          </a:prstGeom>
+          <a:gradFill flip="none" rotWithShape="1">
+            <a:gsLst>
+              <a:gs pos="0">
+                <a:srgbClr val="FFFFFF">
+                  <a:alpha val="32629"/>
+                </a:srgbClr>
+              </a:gs>
+              <a:gs pos="100000">
+                <a:schemeClr val="accent1">
+                  <a:lumMod val="60000"/>
+                  <a:lumOff val="40000"/>
+                  <a:alpha val="39000"/>
+                </a:schemeClr>
+              </a:gs>
+            </a:gsLst>
+            <a:lin ang="16200000" scaled="0"/>
+          </a:gradFill>
+          <a:ln w="12700" cap="flat">
+            <a:noFill/>
+            <a:miter lim="400000"/>
+          </a:ln>
+          <a:effectLst/>
+        </p:spPr>
+        <p:txBody>
+          <a:bodyPr wrap="square" lIns="54570" tIns="54570" rIns="54570" bIns="54570" numCol="1" anchor="ctr">
+            <a:noAutofit/>
+          </a:bodyPr>
+          <a:lstStyle/>
+          <a:p>
+            <a:pPr>
+              <a:lnSpc>
+                <a:spcPct val="80000"/>
+              </a:lnSpc>
+              <a:spcBef>
+                <a:spcPts val="0"/>
+              </a:spcBef>
+              <a:defRPr b="0">
+                <a:solidFill>
+                  <a:srgbClr val="000000"/>
+                </a:solidFill>
+              </a:defRPr>
+            </a:pPr>
+            <a:endParaRPr/>
+          </a:p>
+        </p:txBody>
+      </p:sp>
+      <p:sp>
+        <p:nvSpPr>
+          <p:cNvPr id="72" name="ggplot(mpg, aes(hwy, cty)) +…">
+            <a:extLst>
+              <a:ext uri="{FF2B5EF4-FFF2-40B4-BE49-F238E27FC236}">
+                <a16:creationId xmlns:a16="http://schemas.microsoft.com/office/drawing/2014/main" id="{5CBBA477-FFAF-7A42-A5CB-D5F14FCA928D}"/>
               </a:ext>
             </a:extLst>
           </p:cNvPr>
@@ -8290,64 +7906,8 @@
         </p:nvSpPr>
         <p:spPr>
           <a:xfrm>
-            <a:off x="10428631" y="1310241"/>
-            <a:ext cx="2268250" cy="340029"/>
-          </a:xfrm>
-          <a:prstGeom prst="rect">
-            <a:avLst/>
-          </a:prstGeom>
-          <a:ln w="12700">
-            <a:miter lim="400000"/>
-          </a:ln>
-          <a:extLst>
-            <a:ext uri="{C572A759-6A51-4108-AA02-DFA0A04FC94B}">
-              <ma14:wrappingTextBoxFlag xmlns="" xmlns:m="http://schemas.openxmlformats.org/officeDocument/2006/math" xmlns:a14="http://schemas.microsoft.com/office/drawing/2010/main" xmlns:ma14="http://schemas.microsoft.com/office/mac/drawingml/2011/main" val="1"/>
-            </a:ext>
-          </a:extLst>
-        </p:spPr>
-        <p:txBody>
-          <a:bodyPr wrap="none" lIns="12700" tIns="12700" rIns="12700" bIns="12700" anchor="ctr">
-            <a:spAutoFit/>
-          </a:bodyPr>
-          <a:lstStyle/>
-          <a:p>
-            <a:pPr lvl="1" indent="0">
-              <a:lnSpc>
-                <a:spcPct val="80000"/>
-              </a:lnSpc>
-              <a:spcBef>
-                <a:spcPts val="0"/>
-              </a:spcBef>
-              <a:defRPr sz="2500" b="0">
-                <a:solidFill>
-                  <a:srgbClr val="628DB5"/>
-                </a:solidFill>
-              </a:defRPr>
-            </a:pPr>
-            <a:r>
-              <a:rPr lang="fr-FR" dirty="0"/>
-              <a:t>Info/Value Boxes</a:t>
-            </a:r>
-            <a:endParaRPr dirty="0"/>
-          </a:p>
-        </p:txBody>
-      </p:sp>
-      <p:sp>
-        <p:nvSpPr>
-          <p:cNvPr id="100" name="ggplot(mpg, aes(hwy, cty)) +…">
-            <a:extLst>
-              <a:ext uri="{FF2B5EF4-FFF2-40B4-BE49-F238E27FC236}">
-                <a16:creationId xmlns:a16="http://schemas.microsoft.com/office/drawing/2014/main" id="{E6E29558-00C6-0E40-997C-C67A121DCF41}"/>
-              </a:ext>
-            </a:extLst>
-          </p:cNvPr>
-          <p:cNvSpPr txBox="1"/>
-          <p:nvPr/>
-        </p:nvSpPr>
-        <p:spPr>
-          <a:xfrm>
-            <a:off x="10473523" y="1866753"/>
-            <a:ext cx="1503956" cy="479538"/>
+            <a:off x="4464410" y="3263924"/>
+            <a:ext cx="1938355" cy="264094"/>
           </a:xfrm>
           <a:prstGeom prst="rect">
             <a:avLst/>
@@ -8363,7 +7923,7 @@
           </a:ln>
           <a:extLst>
             <a:ext uri="{C572A759-6A51-4108-AA02-DFA0A04FC94B}">
-              <ma14:wrappingTextBoxFlag xmlns="" xmlns:m="http://schemas.openxmlformats.org/officeDocument/2006/math" xmlns:a14="http://schemas.microsoft.com/office/drawing/2010/main" xmlns:ma14="http://schemas.microsoft.com/office/mac/drawingml/2011/main" val="1"/>
+              <ma14:wrappingTextBoxFlag xmlns:ma14="http://schemas.microsoft.com/office/mac/drawingml/2011/main" xmlns:a14="http://schemas.microsoft.com/office/drawing/2010/main" xmlns:m="http://schemas.openxmlformats.org/officeDocument/2006/math" xmlns="" val="1"/>
             </a:ext>
           </a:extLst>
         </p:spPr>
@@ -8388,10 +7948,561 @@
               </a:defRPr>
             </a:pPr>
             <a:r>
-              <a:rPr lang="fr-FR" dirty="0"/>
-              <a:t>bs4InfoBox(…)</a:t>
-            </a:r>
-          </a:p>
+              <a:rPr lang="fr-FR" sz="1000" b="0" dirty="0">
+                <a:sym typeface="Menlo"/>
+              </a:rPr>
+              <a:t>bs4SidebarMenu(...)</a:t>
+            </a:r>
+          </a:p>
+        </p:txBody>
+      </p:sp>
+      <p:sp>
+        <p:nvSpPr>
+          <p:cNvPr id="8" name="Rectangle 7">
+            <a:extLst>
+              <a:ext uri="{FF2B5EF4-FFF2-40B4-BE49-F238E27FC236}">
+                <a16:creationId xmlns:a16="http://schemas.microsoft.com/office/drawing/2014/main" id="{704BE2B1-77D0-5141-99D1-AD4D6BBFC13D}"/>
+              </a:ext>
+            </a:extLst>
+          </p:cNvPr>
+          <p:cNvSpPr/>
+          <p:nvPr/>
+        </p:nvSpPr>
+        <p:spPr>
+          <a:xfrm>
+            <a:off x="7344278" y="3169842"/>
+            <a:ext cx="1329805" cy="3309598"/>
+          </a:xfrm>
+          <a:prstGeom prst="rect">
+            <a:avLst/>
+          </a:prstGeom>
+          <a:solidFill>
+            <a:srgbClr val="FFC000">
+              <a:alpha val="41000"/>
+            </a:srgbClr>
+          </a:solidFill>
+          <a:ln w="12700" cap="flat">
+            <a:noFill/>
+            <a:miter lim="400000"/>
+          </a:ln>
+          <a:effectLst>
+            <a:outerShdw blurRad="38100" dist="25400" dir="5400000" rotWithShape="0">
+              <a:srgbClr val="000000">
+                <a:alpha val="50000"/>
+              </a:srgbClr>
+            </a:outerShdw>
+          </a:effectLst>
+          <a:sp3d/>
+        </p:spPr>
+        <p:style>
+          <a:lnRef idx="0">
+            <a:scrgbClr r="0" g="0" b="0"/>
+          </a:lnRef>
+          <a:fillRef idx="0">
+            <a:scrgbClr r="0" g="0" b="0"/>
+          </a:fillRef>
+          <a:effectRef idx="0">
+            <a:scrgbClr r="0" g="0" b="0"/>
+          </a:effectRef>
+          <a:fontRef idx="none"/>
+        </p:style>
+        <p:txBody>
+          <a:bodyPr rot="0" spcFirstLastPara="1" vertOverflow="overflow" horzOverflow="overflow" vert="horz" wrap="square" lIns="54570" tIns="54570" rIns="54570" bIns="54570" numCol="1" spcCol="38100" rtlCol="0" anchor="ctr">
+            <a:spAutoFit/>
+          </a:bodyPr>
+          <a:lstStyle/>
+          <a:p>
+            <a:pPr marL="0" marR="0" indent="0" algn="l" defTabSz="584200" rtl="0" fontAlgn="auto" latinLnBrk="0" hangingPunct="0">
+              <a:lnSpc>
+                <a:spcPct val="80000"/>
+              </a:lnSpc>
+              <a:spcBef>
+                <a:spcPts val="0"/>
+              </a:spcBef>
+              <a:spcAft>
+                <a:spcPts val="0"/>
+              </a:spcAft>
+              <a:buClrTx/>
+              <a:buSzTx/>
+              <a:buFontTx/>
+              <a:buNone/>
+              <a:tabLst/>
+            </a:pPr>
+            <a:endParaRPr kumimoji="0" lang="fr-FR" sz="1200" b="0" i="0" u="none" strike="noStrike" cap="none" spc="0" normalizeH="0" baseline="0">
+              <a:ln>
+                <a:noFill/>
+              </a:ln>
+              <a:solidFill>
+                <a:srgbClr val="000000"/>
+              </a:solidFill>
+              <a:effectLst/>
+              <a:uFillTx/>
+              <a:latin typeface="Source Sans Pro"/>
+              <a:ea typeface="Source Sans Pro"/>
+              <a:cs typeface="Source Sans Pro"/>
+              <a:sym typeface="Source Sans Pro"/>
+            </a:endParaRPr>
+          </a:p>
+        </p:txBody>
+      </p:sp>
+      <p:sp>
+        <p:nvSpPr>
+          <p:cNvPr id="13" name="Parenthèse ouvrante 12">
+            <a:extLst>
+              <a:ext uri="{FF2B5EF4-FFF2-40B4-BE49-F238E27FC236}">
+                <a16:creationId xmlns:a16="http://schemas.microsoft.com/office/drawing/2014/main" id="{C1030501-25B3-5A4B-AABD-4EB022E8A99A}"/>
+              </a:ext>
+            </a:extLst>
+          </p:cNvPr>
+          <p:cNvSpPr/>
+          <p:nvPr/>
+        </p:nvSpPr>
+        <p:spPr>
+          <a:xfrm>
+            <a:off x="6779761" y="3142796"/>
+            <a:ext cx="399982" cy="3405247"/>
+          </a:xfrm>
+          <a:prstGeom prst="leftBracket">
+            <a:avLst/>
+          </a:prstGeom>
+          <a:noFill/>
+          <a:ln w="25400" cap="flat">
+            <a:solidFill>
+              <a:srgbClr val="000000"/>
+            </a:solidFill>
+            <a:prstDash val="solid"/>
+            <a:miter lim="400000"/>
+          </a:ln>
+          <a:effectLst/>
+          <a:sp3d/>
+        </p:spPr>
+        <p:style>
+          <a:lnRef idx="0">
+            <a:scrgbClr r="0" g="0" b="0"/>
+          </a:lnRef>
+          <a:fillRef idx="0">
+            <a:scrgbClr r="0" g="0" b="0"/>
+          </a:fillRef>
+          <a:effectRef idx="0">
+            <a:scrgbClr r="0" g="0" b="0"/>
+          </a:effectRef>
+          <a:fontRef idx="none"/>
+        </p:style>
+        <p:txBody>
+          <a:bodyPr rot="0" spcFirstLastPara="1" vertOverflow="overflow" horzOverflow="overflow" vert="horz" wrap="square" lIns="91439" tIns="45719" rIns="91439" bIns="45719" numCol="1" spcCol="38100" rtlCol="0" anchor="t">
+            <a:noAutofit/>
+          </a:bodyPr>
+          <a:lstStyle/>
+          <a:p>
+            <a:pPr marL="0" marR="0" indent="0" algn="l" defTabSz="914400" rtl="0" fontAlgn="auto" latinLnBrk="1" hangingPunct="0">
+              <a:lnSpc>
+                <a:spcPct val="100000"/>
+              </a:lnSpc>
+              <a:spcBef>
+                <a:spcPts val="0"/>
+              </a:spcBef>
+              <a:spcAft>
+                <a:spcPts val="0"/>
+              </a:spcAft>
+              <a:buClrTx/>
+              <a:buSzTx/>
+              <a:buFontTx/>
+              <a:buNone/>
+              <a:tabLst/>
+            </a:pPr>
+            <a:endParaRPr kumimoji="0" lang="fr-FR" sz="1800" b="0" i="0" u="none" strike="noStrike" cap="none" spc="0" normalizeH="0" baseline="0">
+              <a:ln>
+                <a:noFill/>
+              </a:ln>
+              <a:solidFill>
+                <a:srgbClr val="000000"/>
+              </a:solidFill>
+              <a:effectLst/>
+              <a:uFillTx/>
+            </a:endParaRPr>
+          </a:p>
+        </p:txBody>
+      </p:sp>
+      <p:sp>
+        <p:nvSpPr>
+          <p:cNvPr id="14" name="ZoneTexte 13">
+            <a:extLst>
+              <a:ext uri="{FF2B5EF4-FFF2-40B4-BE49-F238E27FC236}">
+                <a16:creationId xmlns:a16="http://schemas.microsoft.com/office/drawing/2014/main" id="{98165D80-AD5D-394D-A3DC-E7EDB3BA42D7}"/>
+              </a:ext>
+            </a:extLst>
+          </p:cNvPr>
+          <p:cNvSpPr txBox="1"/>
+          <p:nvPr/>
+        </p:nvSpPr>
+        <p:spPr>
+          <a:xfrm>
+            <a:off x="11847913" y="6457124"/>
+            <a:ext cx="1838795" cy="505186"/>
+          </a:xfrm>
+          <a:prstGeom prst="rect">
+            <a:avLst/>
+          </a:prstGeom>
+          <a:noFill/>
+          <a:ln w="12700" cap="flat">
+            <a:noFill/>
+            <a:miter lim="400000"/>
+          </a:ln>
+          <a:effectLst/>
+          <a:sp3d/>
+        </p:spPr>
+        <p:style>
+          <a:lnRef idx="0">
+            <a:scrgbClr r="0" g="0" b="0"/>
+          </a:lnRef>
+          <a:fillRef idx="0">
+            <a:scrgbClr r="0" g="0" b="0"/>
+          </a:fillRef>
+          <a:effectRef idx="0">
+            <a:scrgbClr r="0" g="0" b="0"/>
+          </a:effectRef>
+          <a:fontRef idx="none"/>
+        </p:style>
+        <p:txBody>
+          <a:bodyPr rot="0" spcFirstLastPara="1" vertOverflow="overflow" horzOverflow="overflow" vert="horz" wrap="square" lIns="54570" tIns="54570" rIns="54570" bIns="54570" numCol="1" spcCol="38100" rtlCol="0" anchor="ctr">
+            <a:spAutoFit/>
+          </a:bodyPr>
+          <a:lstStyle/>
+          <a:p>
+            <a:pPr marL="0" marR="0" indent="0" algn="l" defTabSz="584200" rtl="0" fontAlgn="auto" latinLnBrk="0" hangingPunct="0">
+              <a:lnSpc>
+                <a:spcPct val="100000"/>
+              </a:lnSpc>
+              <a:spcBef>
+                <a:spcPts val="200"/>
+              </a:spcBef>
+              <a:spcAft>
+                <a:spcPts val="0"/>
+              </a:spcAft>
+              <a:buClrTx/>
+              <a:buSzTx/>
+              <a:buFontTx/>
+              <a:buNone/>
+              <a:tabLst/>
+            </a:pPr>
+            <a:r>
+              <a:rPr kumimoji="0" lang="fr-FR" sz="1200" b="1" i="0" u="none" strike="noStrike" cap="none" spc="0" normalizeH="0" baseline="0" dirty="0" err="1">
+                <a:ln>
+                  <a:noFill/>
+                </a:ln>
+                <a:solidFill>
+                  <a:srgbClr val="4C4C4C"/>
+                </a:solidFill>
+                <a:effectLst/>
+                <a:uFillTx/>
+                <a:latin typeface="Source Sans Pro"/>
+                <a:ea typeface="Source Sans Pro"/>
+                <a:cs typeface="Source Sans Pro"/>
+                <a:sym typeface="Source Sans Pro"/>
+              </a:rPr>
+              <a:t>Pass</a:t>
+            </a:r>
+            <a:r>
+              <a:rPr kumimoji="0" lang="fr-FR" sz="1200" b="1" i="0" u="none" strike="noStrike" cap="none" spc="0" normalizeH="0" baseline="0" dirty="0">
+                <a:ln>
+                  <a:noFill/>
+                </a:ln>
+                <a:solidFill>
+                  <a:srgbClr val="4C4C4C"/>
+                </a:solidFill>
+                <a:effectLst/>
+                <a:uFillTx/>
+                <a:latin typeface="Source Sans Pro"/>
+                <a:ea typeface="Source Sans Pro"/>
+                <a:cs typeface="Source Sans Pro"/>
+                <a:sym typeface="Source Sans Pro"/>
+              </a:rPr>
+              <a:t> </a:t>
+            </a:r>
+            <a:r>
+              <a:rPr kumimoji="0" lang="fr-FR" sz="1200" b="1" i="0" u="none" strike="noStrike" cap="none" spc="0" normalizeH="0" baseline="0" dirty="0" err="1">
+                <a:ln>
+                  <a:noFill/>
+                </a:ln>
+                <a:solidFill>
+                  <a:srgbClr val="4C4C4C"/>
+                </a:solidFill>
+                <a:effectLst/>
+                <a:uFillTx/>
+                <a:latin typeface="Source Sans Pro"/>
+                <a:ea typeface="Source Sans Pro"/>
+                <a:cs typeface="Source Sans Pro"/>
+                <a:sym typeface="Source Sans Pro"/>
+              </a:rPr>
+              <a:t>your</a:t>
+            </a:r>
+            <a:r>
+              <a:rPr kumimoji="0" lang="fr-FR" sz="1200" b="1" i="0" u="none" strike="noStrike" cap="none" spc="0" normalizeH="0" baseline="0" dirty="0">
+                <a:ln>
+                  <a:noFill/>
+                </a:ln>
+                <a:solidFill>
+                  <a:srgbClr val="4C4C4C"/>
+                </a:solidFill>
+                <a:effectLst/>
+                <a:uFillTx/>
+                <a:latin typeface="Source Sans Pro"/>
+                <a:ea typeface="Source Sans Pro"/>
+                <a:cs typeface="Source Sans Pro"/>
+                <a:sym typeface="Source Sans Pro"/>
+              </a:rPr>
+              <a:t> content in the … argument</a:t>
+            </a:r>
+          </a:p>
+        </p:txBody>
+      </p:sp>
+      <p:sp>
+        <p:nvSpPr>
+          <p:cNvPr id="78" name="ZoneTexte 77">
+            <a:extLst>
+              <a:ext uri="{FF2B5EF4-FFF2-40B4-BE49-F238E27FC236}">
+                <a16:creationId xmlns:a16="http://schemas.microsoft.com/office/drawing/2014/main" id="{6B3BCED3-03B7-064A-BDCC-6E4DE0CD09D6}"/>
+              </a:ext>
+            </a:extLst>
+          </p:cNvPr>
+          <p:cNvSpPr txBox="1"/>
+          <p:nvPr/>
+        </p:nvSpPr>
+        <p:spPr>
+          <a:xfrm>
+            <a:off x="4478616" y="3566331"/>
+            <a:ext cx="1838795" cy="505186"/>
+          </a:xfrm>
+          <a:prstGeom prst="rect">
+            <a:avLst/>
+          </a:prstGeom>
+          <a:noFill/>
+          <a:ln w="12700" cap="flat">
+            <a:noFill/>
+            <a:miter lim="400000"/>
+          </a:ln>
+          <a:effectLst/>
+          <a:sp3d/>
+        </p:spPr>
+        <p:style>
+          <a:lnRef idx="0">
+            <a:scrgbClr r="0" g="0" b="0"/>
+          </a:lnRef>
+          <a:fillRef idx="0">
+            <a:scrgbClr r="0" g="0" b="0"/>
+          </a:fillRef>
+          <a:effectRef idx="0">
+            <a:scrgbClr r="0" g="0" b="0"/>
+          </a:effectRef>
+          <a:fontRef idx="none"/>
+        </p:style>
+        <p:txBody>
+          <a:bodyPr rot="0" spcFirstLastPara="1" vertOverflow="overflow" horzOverflow="overflow" vert="horz" wrap="square" lIns="54570" tIns="54570" rIns="54570" bIns="54570" numCol="1" spcCol="38100" rtlCol="0" anchor="ctr">
+            <a:spAutoFit/>
+          </a:bodyPr>
+          <a:lstStyle/>
+          <a:p>
+            <a:pPr marL="0" marR="0" indent="0" algn="l" defTabSz="584200" rtl="0" fontAlgn="auto" latinLnBrk="0" hangingPunct="0">
+              <a:lnSpc>
+                <a:spcPct val="100000"/>
+              </a:lnSpc>
+              <a:spcBef>
+                <a:spcPts val="200"/>
+              </a:spcBef>
+              <a:spcAft>
+                <a:spcPts val="0"/>
+              </a:spcAft>
+              <a:buClrTx/>
+              <a:buSzTx/>
+              <a:buFontTx/>
+              <a:buNone/>
+              <a:tabLst/>
+            </a:pPr>
+            <a:r>
+              <a:rPr kumimoji="0" lang="fr-FR" sz="1200" b="1" i="0" u="none" strike="noStrike" cap="none" spc="0" normalizeH="0" baseline="0" dirty="0">
+                <a:ln>
+                  <a:noFill/>
+                </a:ln>
+                <a:solidFill>
+                  <a:srgbClr val="4C4C4C"/>
+                </a:solidFill>
+                <a:effectLst/>
+                <a:uFillTx/>
+                <a:latin typeface="Source Sans Pro"/>
+                <a:ea typeface="Source Sans Pro"/>
+                <a:cs typeface="Source Sans Pro"/>
+                <a:sym typeface="Source Sans Pro"/>
+              </a:rPr>
+              <a:t>Put the menu in the bs4DashSidebar … </a:t>
+            </a:r>
+            <a:r>
+              <a:rPr kumimoji="0" lang="fr-FR" sz="1200" b="1" i="0" u="none" strike="noStrike" cap="none" spc="0" normalizeH="0" baseline="0" dirty="0" err="1">
+                <a:ln>
+                  <a:noFill/>
+                </a:ln>
+                <a:solidFill>
+                  <a:srgbClr val="4C4C4C"/>
+                </a:solidFill>
+                <a:effectLst/>
+                <a:uFillTx/>
+                <a:latin typeface="Source Sans Pro"/>
+                <a:ea typeface="Source Sans Pro"/>
+                <a:cs typeface="Source Sans Pro"/>
+                <a:sym typeface="Source Sans Pro"/>
+              </a:rPr>
+              <a:t>arg</a:t>
+            </a:r>
+            <a:r>
+              <a:rPr kumimoji="0" lang="fr-FR" sz="1200" b="1" i="0" u="none" strike="noStrike" cap="none" spc="0" normalizeH="0" baseline="0" dirty="0">
+                <a:ln>
+                  <a:noFill/>
+                </a:ln>
+                <a:solidFill>
+                  <a:srgbClr val="4C4C4C"/>
+                </a:solidFill>
+                <a:effectLst/>
+                <a:uFillTx/>
+                <a:latin typeface="Source Sans Pro"/>
+                <a:ea typeface="Source Sans Pro"/>
+                <a:cs typeface="Source Sans Pro"/>
+                <a:sym typeface="Source Sans Pro"/>
+              </a:rPr>
+              <a:t> </a:t>
+            </a:r>
+          </a:p>
+        </p:txBody>
+      </p:sp>
+      <p:sp>
+        <p:nvSpPr>
+          <p:cNvPr id="79" name="Rectangle 78">
+            <a:extLst>
+              <a:ext uri="{FF2B5EF4-FFF2-40B4-BE49-F238E27FC236}">
+                <a16:creationId xmlns:a16="http://schemas.microsoft.com/office/drawing/2014/main" id="{C7D567E5-2F8F-0B45-BDFE-842BC312CE5C}"/>
+              </a:ext>
+            </a:extLst>
+          </p:cNvPr>
+          <p:cNvSpPr/>
+          <p:nvPr/>
+        </p:nvSpPr>
+        <p:spPr>
+          <a:xfrm>
+            <a:off x="7366887" y="3340777"/>
+            <a:ext cx="1110097" cy="300819"/>
+          </a:xfrm>
+          <a:prstGeom prst="rect">
+            <a:avLst/>
+          </a:prstGeom>
+          <a:solidFill>
+            <a:schemeClr val="accent4">
+              <a:lumMod val="60000"/>
+              <a:lumOff val="40000"/>
+              <a:alpha val="41000"/>
+            </a:schemeClr>
+          </a:solidFill>
+          <a:ln w="12700" cap="flat">
+            <a:noFill/>
+            <a:miter lim="400000"/>
+          </a:ln>
+          <a:effectLst>
+            <a:outerShdw blurRad="38100" dist="25400" dir="5400000" rotWithShape="0">
+              <a:srgbClr val="000000">
+                <a:alpha val="50000"/>
+              </a:srgbClr>
+            </a:outerShdw>
+          </a:effectLst>
+          <a:sp3d/>
+        </p:spPr>
+        <p:style>
+          <a:lnRef idx="0">
+            <a:scrgbClr r="0" g="0" b="0"/>
+          </a:lnRef>
+          <a:fillRef idx="0">
+            <a:scrgbClr r="0" g="0" b="0"/>
+          </a:fillRef>
+          <a:effectRef idx="0">
+            <a:scrgbClr r="0" g="0" b="0"/>
+          </a:effectRef>
+          <a:fontRef idx="none"/>
+        </p:style>
+        <p:txBody>
+          <a:bodyPr rot="0" spcFirstLastPara="1" vertOverflow="overflow" horzOverflow="overflow" vert="horz" wrap="square" lIns="54570" tIns="54570" rIns="54570" bIns="54570" numCol="1" spcCol="38100" rtlCol="0" anchor="ctr">
+            <a:spAutoFit/>
+          </a:bodyPr>
+          <a:lstStyle/>
+          <a:p>
+            <a:pPr marL="0" marR="0" indent="0" algn="l" defTabSz="584200" rtl="0" fontAlgn="auto" latinLnBrk="0" hangingPunct="0">
+              <a:lnSpc>
+                <a:spcPct val="80000"/>
+              </a:lnSpc>
+              <a:spcBef>
+                <a:spcPts val="0"/>
+              </a:spcBef>
+              <a:spcAft>
+                <a:spcPts val="0"/>
+              </a:spcAft>
+              <a:buClrTx/>
+              <a:buSzTx/>
+              <a:buFontTx/>
+              <a:buNone/>
+              <a:tabLst/>
+            </a:pPr>
+            <a:endParaRPr kumimoji="0" lang="fr-FR" sz="1200" b="0" i="0" u="none" strike="noStrike" cap="none" spc="0" normalizeH="0" baseline="0">
+              <a:ln>
+                <a:noFill/>
+              </a:ln>
+              <a:solidFill>
+                <a:srgbClr val="000000"/>
+              </a:solidFill>
+              <a:effectLst/>
+              <a:uFillTx/>
+              <a:latin typeface="Source Sans Pro"/>
+              <a:ea typeface="Source Sans Pro"/>
+              <a:cs typeface="Source Sans Pro"/>
+              <a:sym typeface="Source Sans Pro"/>
+            </a:endParaRPr>
+          </a:p>
+        </p:txBody>
+      </p:sp>
+      <p:sp>
+        <p:nvSpPr>
+          <p:cNvPr id="81" name="ggplot(mpg, aes(hwy, cty)) +…">
+            <a:extLst>
+              <a:ext uri="{FF2B5EF4-FFF2-40B4-BE49-F238E27FC236}">
+                <a16:creationId xmlns:a16="http://schemas.microsoft.com/office/drawing/2014/main" id="{199C570D-023E-914C-B614-1D3CA3F76A15}"/>
+              </a:ext>
+            </a:extLst>
+          </p:cNvPr>
+          <p:cNvSpPr txBox="1"/>
+          <p:nvPr/>
+        </p:nvSpPr>
+        <p:spPr>
+          <a:xfrm>
+            <a:off x="4417307" y="4680525"/>
+            <a:ext cx="2023860" cy="417982"/>
+          </a:xfrm>
+          <a:prstGeom prst="rect">
+            <a:avLst/>
+          </a:prstGeom>
+          <a:solidFill>
+            <a:srgbClr val="FFFFFF"/>
+          </a:solidFill>
+          <a:ln w="12700">
+            <a:solidFill>
+              <a:srgbClr val="A6AAA9"/>
+            </a:solidFill>
+            <a:miter lim="400000"/>
+          </a:ln>
+          <a:extLst>
+            <a:ext uri="{C572A759-6A51-4108-AA02-DFA0A04FC94B}">
+              <ma14:wrappingTextBoxFlag xmlns:ma14="http://schemas.microsoft.com/office/mac/drawingml/2011/main" xmlns:a14="http://schemas.microsoft.com/office/drawing/2010/main" xmlns:m="http://schemas.openxmlformats.org/officeDocument/2006/math" xmlns="" val="1"/>
+            </a:ext>
+          </a:extLst>
+        </p:spPr>
+        <p:txBody>
+          <a:bodyPr wrap="square" lIns="54570" tIns="54570" rIns="54570" bIns="54570" anchor="ctr">
+            <a:spAutoFit/>
+          </a:bodyPr>
+          <a:lstStyle/>
           <a:p>
             <a:pPr>
               <a:spcBef>
@@ -8408,9 +8519,2542 @@
               </a:defRPr>
             </a:pPr>
             <a:r>
+              <a:rPr lang="fr-FR" sz="1000" b="0" dirty="0">
+                <a:sym typeface="Menlo"/>
+              </a:rPr>
+              <a:t>bs4SidebarMenuItem("Item 1", </a:t>
+            </a:r>
+            <a:r>
+              <a:rPr lang="fr-FR" sz="1000" b="0" dirty="0" err="1">
+                <a:sym typeface="Menlo"/>
+              </a:rPr>
+              <a:t>tabName</a:t>
+            </a:r>
+            <a:r>
+              <a:rPr lang="fr-FR" sz="1000" b="0" dirty="0">
+                <a:sym typeface="Menlo"/>
+              </a:rPr>
+              <a:t> = "item1")</a:t>
+            </a:r>
+          </a:p>
+        </p:txBody>
+      </p:sp>
+      <p:sp>
+        <p:nvSpPr>
+          <p:cNvPr id="82" name="Parenthèse ouvrante 81">
+            <a:extLst>
+              <a:ext uri="{FF2B5EF4-FFF2-40B4-BE49-F238E27FC236}">
+                <a16:creationId xmlns:a16="http://schemas.microsoft.com/office/drawing/2014/main" id="{D4D37F46-75FB-9B47-9F70-757734EA81AE}"/>
+              </a:ext>
+            </a:extLst>
+          </p:cNvPr>
+          <p:cNvSpPr/>
+          <p:nvPr/>
+        </p:nvSpPr>
+        <p:spPr>
+          <a:xfrm rot="5400000">
+            <a:off x="12408453" y="1765549"/>
+            <a:ext cx="108964" cy="1536105"/>
+          </a:xfrm>
+          <a:prstGeom prst="leftBracket">
+            <a:avLst/>
+          </a:prstGeom>
+          <a:noFill/>
+          <a:ln w="25400" cap="flat">
+            <a:solidFill>
+              <a:srgbClr val="000000"/>
+            </a:solidFill>
+            <a:prstDash val="solid"/>
+            <a:miter lim="400000"/>
+          </a:ln>
+          <a:effectLst/>
+          <a:sp3d/>
+        </p:spPr>
+        <p:style>
+          <a:lnRef idx="0">
+            <a:scrgbClr r="0" g="0" b="0"/>
+          </a:lnRef>
+          <a:fillRef idx="0">
+            <a:scrgbClr r="0" g="0" b="0"/>
+          </a:fillRef>
+          <a:effectRef idx="0">
+            <a:scrgbClr r="0" g="0" b="0"/>
+          </a:effectRef>
+          <a:fontRef idx="none"/>
+        </p:style>
+        <p:txBody>
+          <a:bodyPr rot="0" spcFirstLastPara="1" vertOverflow="overflow" horzOverflow="overflow" vert="horz" wrap="square" lIns="91439" tIns="45719" rIns="91439" bIns="45719" numCol="1" spcCol="38100" rtlCol="0" anchor="t">
+            <a:noAutofit/>
+          </a:bodyPr>
+          <a:lstStyle/>
+          <a:p>
+            <a:pPr marL="0" marR="0" indent="0" algn="l" defTabSz="914400" rtl="0" fontAlgn="auto" latinLnBrk="1" hangingPunct="0">
+              <a:lnSpc>
+                <a:spcPct val="100000"/>
+              </a:lnSpc>
+              <a:spcBef>
+                <a:spcPts val="0"/>
+              </a:spcBef>
+              <a:spcAft>
+                <a:spcPts val="0"/>
+              </a:spcAft>
+              <a:buClrTx/>
+              <a:buSzTx/>
+              <a:buFontTx/>
+              <a:buNone/>
+              <a:tabLst/>
+            </a:pPr>
+            <a:endParaRPr kumimoji="0" lang="fr-FR" sz="1800" b="0" i="0" u="none" strike="noStrike" cap="none" spc="0" normalizeH="0" baseline="0">
+              <a:ln>
+                <a:noFill/>
+              </a:ln>
+              <a:solidFill>
+                <a:srgbClr val="000000"/>
+              </a:solidFill>
+              <a:effectLst/>
+              <a:uFillTx/>
+            </a:endParaRPr>
+          </a:p>
+        </p:txBody>
+      </p:sp>
+      <p:sp>
+        <p:nvSpPr>
+          <p:cNvPr id="83" name="Parenthèse ouvrante 82">
+            <a:extLst>
+              <a:ext uri="{FF2B5EF4-FFF2-40B4-BE49-F238E27FC236}">
+                <a16:creationId xmlns:a16="http://schemas.microsoft.com/office/drawing/2014/main" id="{09A0E1E7-29A7-D547-A463-CA9F53F0CA2B}"/>
+              </a:ext>
+            </a:extLst>
+          </p:cNvPr>
+          <p:cNvSpPr/>
+          <p:nvPr/>
+        </p:nvSpPr>
+        <p:spPr>
+          <a:xfrm rot="5400000">
+            <a:off x="9748258" y="1765550"/>
+            <a:ext cx="108964" cy="1536105"/>
+          </a:xfrm>
+          <a:prstGeom prst="leftBracket">
+            <a:avLst/>
+          </a:prstGeom>
+          <a:noFill/>
+          <a:ln w="25400" cap="flat">
+            <a:solidFill>
+              <a:srgbClr val="000000"/>
+            </a:solidFill>
+            <a:prstDash val="solid"/>
+            <a:miter lim="400000"/>
+          </a:ln>
+          <a:effectLst/>
+          <a:sp3d/>
+        </p:spPr>
+        <p:style>
+          <a:lnRef idx="0">
+            <a:scrgbClr r="0" g="0" b="0"/>
+          </a:lnRef>
+          <a:fillRef idx="0">
+            <a:scrgbClr r="0" g="0" b="0"/>
+          </a:fillRef>
+          <a:effectRef idx="0">
+            <a:scrgbClr r="0" g="0" b="0"/>
+          </a:effectRef>
+          <a:fontRef idx="none"/>
+        </p:style>
+        <p:txBody>
+          <a:bodyPr rot="0" spcFirstLastPara="1" vertOverflow="overflow" horzOverflow="overflow" vert="horz" wrap="square" lIns="91439" tIns="45719" rIns="91439" bIns="45719" numCol="1" spcCol="38100" rtlCol="0" anchor="t">
+            <a:noAutofit/>
+          </a:bodyPr>
+          <a:lstStyle/>
+          <a:p>
+            <a:pPr marL="0" marR="0" indent="0" algn="l" defTabSz="914400" rtl="0" fontAlgn="auto" latinLnBrk="1" hangingPunct="0">
+              <a:lnSpc>
+                <a:spcPct val="100000"/>
+              </a:lnSpc>
+              <a:spcBef>
+                <a:spcPts val="0"/>
+              </a:spcBef>
+              <a:spcAft>
+                <a:spcPts val="0"/>
+              </a:spcAft>
+              <a:buClrTx/>
+              <a:buSzTx/>
+              <a:buFontTx/>
+              <a:buNone/>
+              <a:tabLst/>
+            </a:pPr>
+            <a:endParaRPr kumimoji="0" lang="fr-FR" sz="1800" b="0" i="0" u="none" strike="noStrike" cap="none" spc="0" normalizeH="0" baseline="0">
+              <a:ln>
+                <a:noFill/>
+              </a:ln>
+              <a:solidFill>
+                <a:srgbClr val="000000"/>
+              </a:solidFill>
+              <a:effectLst/>
+              <a:uFillTx/>
+            </a:endParaRPr>
+          </a:p>
+        </p:txBody>
+      </p:sp>
+      <p:sp>
+        <p:nvSpPr>
+          <p:cNvPr id="18" name="ZoneTexte 17">
+            <a:extLst>
+              <a:ext uri="{FF2B5EF4-FFF2-40B4-BE49-F238E27FC236}">
+                <a16:creationId xmlns:a16="http://schemas.microsoft.com/office/drawing/2014/main" id="{7D74640B-8BCB-554E-90F9-F10D4931C8A4}"/>
+              </a:ext>
+            </a:extLst>
+          </p:cNvPr>
+          <p:cNvSpPr txBox="1"/>
+          <p:nvPr/>
+        </p:nvSpPr>
+        <p:spPr>
+          <a:xfrm>
+            <a:off x="9495805" y="2160404"/>
+            <a:ext cx="526987" cy="320520"/>
+          </a:xfrm>
+          <a:prstGeom prst="rect">
+            <a:avLst/>
+          </a:prstGeom>
+          <a:noFill/>
+          <a:ln w="12700" cap="flat">
+            <a:noFill/>
+            <a:miter lim="400000"/>
+          </a:ln>
+          <a:effectLst/>
+          <a:sp3d/>
+        </p:spPr>
+        <p:style>
+          <a:lnRef idx="0">
+            <a:scrgbClr r="0" g="0" b="0"/>
+          </a:lnRef>
+          <a:fillRef idx="0">
+            <a:scrgbClr r="0" g="0" b="0"/>
+          </a:fillRef>
+          <a:effectRef idx="0">
+            <a:scrgbClr r="0" g="0" b="0"/>
+          </a:effectRef>
+          <a:fontRef idx="none"/>
+        </p:style>
+        <p:txBody>
+          <a:bodyPr rot="0" spcFirstLastPara="1" vertOverflow="overflow" horzOverflow="overflow" vert="horz" wrap="none" lIns="54570" tIns="54570" rIns="54570" bIns="54570" numCol="1" spcCol="38100" rtlCol="0" anchor="ctr">
+            <a:spAutoFit/>
+          </a:bodyPr>
+          <a:lstStyle/>
+          <a:p>
+            <a:pPr marL="0" marR="0" indent="0" algn="l" defTabSz="584200" rtl="0" fontAlgn="auto" latinLnBrk="0" hangingPunct="0">
+              <a:lnSpc>
+                <a:spcPct val="100000"/>
+              </a:lnSpc>
+              <a:spcBef>
+                <a:spcPts val="200"/>
+              </a:spcBef>
+              <a:spcAft>
+                <a:spcPts val="0"/>
+              </a:spcAft>
+              <a:buClrTx/>
+              <a:buSzTx/>
+              <a:buFontTx/>
+              <a:buNone/>
+              <a:tabLst/>
+            </a:pPr>
+            <a:r>
+              <a:rPr kumimoji="0" lang="fr-FR" sz="1200" b="1" i="0" u="none" strike="noStrike" cap="none" spc="0" normalizeH="0" baseline="0" dirty="0" err="1">
+                <a:ln>
+                  <a:noFill/>
+                </a:ln>
+                <a:solidFill>
+                  <a:srgbClr val="4C4C4C"/>
+                </a:solidFill>
+                <a:effectLst/>
+                <a:uFillTx/>
+                <a:latin typeface="Source Sans Pro"/>
+                <a:ea typeface="Source Sans Pro"/>
+                <a:cs typeface="Source Sans Pro"/>
+                <a:sym typeface="Source Sans Pro"/>
+              </a:rPr>
+              <a:t>Left</a:t>
+            </a:r>
+            <a:r>
+              <a:rPr lang="fr-FR" dirty="0" err="1"/>
+              <a:t>Ui</a:t>
+            </a:r>
+            <a:endParaRPr kumimoji="0" lang="fr-FR" sz="1200" b="1" i="0" u="none" strike="noStrike" cap="none" spc="0" normalizeH="0" baseline="0" dirty="0">
+              <a:ln>
+                <a:noFill/>
+              </a:ln>
+              <a:solidFill>
+                <a:srgbClr val="4C4C4C"/>
+              </a:solidFill>
+              <a:effectLst/>
+              <a:uFillTx/>
+              <a:latin typeface="Source Sans Pro"/>
+              <a:ea typeface="Source Sans Pro"/>
+              <a:cs typeface="Source Sans Pro"/>
+              <a:sym typeface="Source Sans Pro"/>
+            </a:endParaRPr>
+          </a:p>
+        </p:txBody>
+      </p:sp>
+      <p:sp>
+        <p:nvSpPr>
+          <p:cNvPr id="85" name="ZoneTexte 84">
+            <a:extLst>
+              <a:ext uri="{FF2B5EF4-FFF2-40B4-BE49-F238E27FC236}">
+                <a16:creationId xmlns:a16="http://schemas.microsoft.com/office/drawing/2014/main" id="{2AE9A81C-66FB-2842-B0C9-FFB63AA2144C}"/>
+              </a:ext>
+            </a:extLst>
+          </p:cNvPr>
+          <p:cNvSpPr txBox="1"/>
+          <p:nvPr/>
+        </p:nvSpPr>
+        <p:spPr>
+          <a:xfrm>
+            <a:off x="12243596" y="2148210"/>
+            <a:ext cx="586298" cy="320520"/>
+          </a:xfrm>
+          <a:prstGeom prst="rect">
+            <a:avLst/>
+          </a:prstGeom>
+          <a:noFill/>
+          <a:ln w="12700" cap="flat">
+            <a:noFill/>
+            <a:miter lim="400000"/>
+          </a:ln>
+          <a:effectLst/>
+          <a:sp3d/>
+        </p:spPr>
+        <p:style>
+          <a:lnRef idx="0">
+            <a:scrgbClr r="0" g="0" b="0"/>
+          </a:lnRef>
+          <a:fillRef idx="0">
+            <a:scrgbClr r="0" g="0" b="0"/>
+          </a:fillRef>
+          <a:effectRef idx="0">
+            <a:scrgbClr r="0" g="0" b="0"/>
+          </a:effectRef>
+          <a:fontRef idx="none"/>
+        </p:style>
+        <p:txBody>
+          <a:bodyPr rot="0" spcFirstLastPara="1" vertOverflow="overflow" horzOverflow="overflow" vert="horz" wrap="none" lIns="54570" tIns="54570" rIns="54570" bIns="54570" numCol="1" spcCol="38100" rtlCol="0" anchor="ctr">
+            <a:spAutoFit/>
+          </a:bodyPr>
+          <a:lstStyle/>
+          <a:p>
+            <a:pPr marL="0" marR="0" indent="0" algn="l" defTabSz="584200" rtl="0" fontAlgn="auto" latinLnBrk="0" hangingPunct="0">
+              <a:lnSpc>
+                <a:spcPct val="100000"/>
+              </a:lnSpc>
+              <a:spcBef>
+                <a:spcPts val="200"/>
+              </a:spcBef>
+              <a:spcAft>
+                <a:spcPts val="0"/>
+              </a:spcAft>
+              <a:buClrTx/>
+              <a:buSzTx/>
+              <a:buFontTx/>
+              <a:buNone/>
+              <a:tabLst/>
+            </a:pPr>
+            <a:r>
+              <a:rPr lang="fr-FR" dirty="0" err="1"/>
+              <a:t>rightUi</a:t>
+            </a:r>
+            <a:endParaRPr kumimoji="0" lang="fr-FR" sz="1200" b="1" i="0" u="none" strike="noStrike" cap="none" spc="0" normalizeH="0" baseline="0" dirty="0">
+              <a:ln>
+                <a:noFill/>
+              </a:ln>
+              <a:solidFill>
+                <a:srgbClr val="4C4C4C"/>
+              </a:solidFill>
+              <a:effectLst/>
+              <a:uFillTx/>
+              <a:latin typeface="Source Sans Pro"/>
+              <a:ea typeface="Source Sans Pro"/>
+              <a:cs typeface="Source Sans Pro"/>
+              <a:sym typeface="Source Sans Pro"/>
+            </a:endParaRPr>
+          </a:p>
+        </p:txBody>
+      </p:sp>
+      <p:sp>
+        <p:nvSpPr>
+          <p:cNvPr id="86" name="ZoneTexte 85">
+            <a:extLst>
+              <a:ext uri="{FF2B5EF4-FFF2-40B4-BE49-F238E27FC236}">
+                <a16:creationId xmlns:a16="http://schemas.microsoft.com/office/drawing/2014/main" id="{9366C804-3405-ED45-890F-488EC8E6D997}"/>
+              </a:ext>
+            </a:extLst>
+          </p:cNvPr>
+          <p:cNvSpPr txBox="1"/>
+          <p:nvPr/>
+        </p:nvSpPr>
+        <p:spPr>
+          <a:xfrm>
+            <a:off x="4491332" y="5103071"/>
+            <a:ext cx="1838795" cy="505186"/>
+          </a:xfrm>
+          <a:prstGeom prst="rect">
+            <a:avLst/>
+          </a:prstGeom>
+          <a:noFill/>
+          <a:ln w="12700" cap="flat">
+            <a:noFill/>
+            <a:miter lim="400000"/>
+          </a:ln>
+          <a:effectLst/>
+          <a:sp3d/>
+        </p:spPr>
+        <p:style>
+          <a:lnRef idx="0">
+            <a:scrgbClr r="0" g="0" b="0"/>
+          </a:lnRef>
+          <a:fillRef idx="0">
+            <a:scrgbClr r="0" g="0" b="0"/>
+          </a:fillRef>
+          <a:effectRef idx="0">
+            <a:scrgbClr r="0" g="0" b="0"/>
+          </a:effectRef>
+          <a:fontRef idx="none"/>
+        </p:style>
+        <p:txBody>
+          <a:bodyPr rot="0" spcFirstLastPara="1" vertOverflow="overflow" horzOverflow="overflow" vert="horz" wrap="square" lIns="54570" tIns="54570" rIns="54570" bIns="54570" numCol="1" spcCol="38100" rtlCol="0" anchor="ctr">
+            <a:spAutoFit/>
+          </a:bodyPr>
+          <a:lstStyle/>
+          <a:p>
+            <a:pPr marL="0" marR="0" indent="0" algn="l" defTabSz="584200" rtl="0" fontAlgn="auto" latinLnBrk="0" hangingPunct="0">
+              <a:lnSpc>
+                <a:spcPct val="100000"/>
+              </a:lnSpc>
+              <a:spcBef>
+                <a:spcPts val="200"/>
+              </a:spcBef>
+              <a:spcAft>
+                <a:spcPts val="0"/>
+              </a:spcAft>
+              <a:buClrTx/>
+              <a:buSzTx/>
+              <a:buFontTx/>
+              <a:buNone/>
+              <a:tabLst/>
+            </a:pPr>
+            <a:r>
+              <a:rPr kumimoji="0" lang="fr-FR" sz="1200" b="1" i="0" u="none" strike="noStrike" cap="none" spc="0" normalizeH="0" baseline="0" dirty="0">
+                <a:ln>
+                  <a:noFill/>
+                </a:ln>
+                <a:solidFill>
+                  <a:srgbClr val="4C4C4C"/>
+                </a:solidFill>
+                <a:effectLst/>
+                <a:uFillTx/>
+                <a:latin typeface="Source Sans Pro"/>
+                <a:ea typeface="Source Sans Pro"/>
+                <a:cs typeface="Source Sans Pro"/>
+                <a:sym typeface="Source Sans Pro"/>
+              </a:rPr>
+              <a:t>Put </a:t>
+            </a:r>
+            <a:r>
+              <a:rPr kumimoji="0" lang="fr-FR" sz="1200" b="1" i="0" u="none" strike="noStrike" cap="none" spc="0" normalizeH="0" baseline="0" dirty="0" err="1">
+                <a:ln>
+                  <a:noFill/>
+                </a:ln>
+                <a:solidFill>
+                  <a:srgbClr val="4C4C4C"/>
+                </a:solidFill>
+                <a:effectLst/>
+                <a:uFillTx/>
+                <a:latin typeface="Source Sans Pro"/>
+                <a:ea typeface="Source Sans Pro"/>
+                <a:cs typeface="Source Sans Pro"/>
+                <a:sym typeface="Source Sans Pro"/>
+              </a:rPr>
+              <a:t>this</a:t>
+            </a:r>
+            <a:r>
+              <a:rPr kumimoji="0" lang="fr-FR" sz="1200" b="1" i="0" u="none" strike="noStrike" cap="none" spc="0" normalizeH="0" baseline="0" dirty="0">
+                <a:ln>
+                  <a:noFill/>
+                </a:ln>
+                <a:solidFill>
+                  <a:srgbClr val="4C4C4C"/>
+                </a:solidFill>
+                <a:effectLst/>
+                <a:uFillTx/>
+                <a:latin typeface="Source Sans Pro"/>
+                <a:ea typeface="Source Sans Pro"/>
+                <a:cs typeface="Source Sans Pro"/>
+                <a:sym typeface="Source Sans Pro"/>
+              </a:rPr>
+              <a:t> item in the bs4SidebarMenu … </a:t>
+            </a:r>
+            <a:r>
+              <a:rPr kumimoji="0" lang="fr-FR" sz="1200" b="1" i="0" u="none" strike="noStrike" cap="none" spc="0" normalizeH="0" baseline="0" dirty="0" err="1">
+                <a:ln>
+                  <a:noFill/>
+                </a:ln>
+                <a:solidFill>
+                  <a:srgbClr val="4C4C4C"/>
+                </a:solidFill>
+                <a:effectLst/>
+                <a:uFillTx/>
+                <a:latin typeface="Source Sans Pro"/>
+                <a:ea typeface="Source Sans Pro"/>
+                <a:cs typeface="Source Sans Pro"/>
+                <a:sym typeface="Source Sans Pro"/>
+              </a:rPr>
+              <a:t>arg</a:t>
+            </a:r>
+            <a:r>
+              <a:rPr kumimoji="0" lang="fr-FR" sz="1200" b="1" i="0" u="none" strike="noStrike" cap="none" spc="0" normalizeH="0" baseline="0" dirty="0">
+                <a:ln>
+                  <a:noFill/>
+                </a:ln>
+                <a:solidFill>
+                  <a:srgbClr val="4C4C4C"/>
+                </a:solidFill>
+                <a:effectLst/>
+                <a:uFillTx/>
+                <a:latin typeface="Source Sans Pro"/>
+                <a:ea typeface="Source Sans Pro"/>
+                <a:cs typeface="Source Sans Pro"/>
+                <a:sym typeface="Source Sans Pro"/>
+              </a:rPr>
+              <a:t> </a:t>
+            </a:r>
+          </a:p>
+        </p:txBody>
+      </p:sp>
+      <p:sp>
+        <p:nvSpPr>
+          <p:cNvPr id="95" name="ggplot(mpg, aes(hwy, cty)) +…">
+            <a:extLst>
+              <a:ext uri="{FF2B5EF4-FFF2-40B4-BE49-F238E27FC236}">
+                <a16:creationId xmlns:a16="http://schemas.microsoft.com/office/drawing/2014/main" id="{56AA5CFC-0843-644E-ACA4-85B0AB2DC17D}"/>
+              </a:ext>
+            </a:extLst>
+          </p:cNvPr>
+          <p:cNvSpPr txBox="1"/>
+          <p:nvPr/>
+        </p:nvSpPr>
+        <p:spPr>
+          <a:xfrm>
+            <a:off x="4390325" y="6104876"/>
+            <a:ext cx="2023860" cy="417982"/>
+          </a:xfrm>
+          <a:prstGeom prst="rect">
+            <a:avLst/>
+          </a:prstGeom>
+          <a:solidFill>
+            <a:srgbClr val="FFFFFF"/>
+          </a:solidFill>
+          <a:ln w="12700">
+            <a:solidFill>
+              <a:srgbClr val="A6AAA9"/>
+            </a:solidFill>
+            <a:miter lim="400000"/>
+          </a:ln>
+          <a:extLst>
+            <a:ext uri="{C572A759-6A51-4108-AA02-DFA0A04FC94B}">
+              <ma14:wrappingTextBoxFlag xmlns:ma14="http://schemas.microsoft.com/office/mac/drawingml/2011/main" xmlns:a14="http://schemas.microsoft.com/office/drawing/2010/main" xmlns:m="http://schemas.openxmlformats.org/officeDocument/2006/math" xmlns="" val="1"/>
+            </a:ext>
+          </a:extLst>
+        </p:spPr>
+        <p:txBody>
+          <a:bodyPr wrap="square" lIns="54570" tIns="54570" rIns="54570" bIns="54570" anchor="ctr">
+            <a:spAutoFit/>
+          </a:bodyPr>
+          <a:lstStyle/>
+          <a:p>
+            <a:pPr>
+              <a:spcBef>
+                <a:spcPts val="0"/>
+              </a:spcBef>
+              <a:defRPr b="0">
+                <a:solidFill>
+                  <a:srgbClr val="000000"/>
+                </a:solidFill>
+                <a:latin typeface="Menlo"/>
+                <a:ea typeface="Menlo"/>
+                <a:cs typeface="Menlo"/>
+                <a:sym typeface="Menlo"/>
+              </a:defRPr>
+            </a:pPr>
+            <a:r>
+              <a:rPr lang="fr-FR" sz="1000" b="0" dirty="0">
+                <a:sym typeface="Menlo"/>
+              </a:rPr>
+              <a:t>bs4SidebarMenuItem("Item ", </a:t>
+            </a:r>
+            <a:r>
+              <a:rPr lang="fr-FR" sz="1000" b="0" dirty="0" err="1">
+                <a:sym typeface="Menlo"/>
+              </a:rPr>
+              <a:t>tabName</a:t>
+            </a:r>
+            <a:r>
+              <a:rPr lang="fr-FR" sz="1000" b="0" dirty="0">
+                <a:sym typeface="Menlo"/>
+              </a:rPr>
+              <a:t> = "item", ...)</a:t>
+            </a:r>
+          </a:p>
+        </p:txBody>
+      </p:sp>
+      <p:sp>
+        <p:nvSpPr>
+          <p:cNvPr id="96" name="ZoneTexte 95">
+            <a:extLst>
+              <a:ext uri="{FF2B5EF4-FFF2-40B4-BE49-F238E27FC236}">
+                <a16:creationId xmlns:a16="http://schemas.microsoft.com/office/drawing/2014/main" id="{96C3CD22-F685-0943-B72B-101A17848B93}"/>
+              </a:ext>
+            </a:extLst>
+          </p:cNvPr>
+          <p:cNvSpPr txBox="1"/>
+          <p:nvPr/>
+        </p:nvSpPr>
+        <p:spPr>
+          <a:xfrm>
+            <a:off x="4518116" y="6504505"/>
+            <a:ext cx="2391928" cy="689852"/>
+          </a:xfrm>
+          <a:prstGeom prst="rect">
+            <a:avLst/>
+          </a:prstGeom>
+          <a:noFill/>
+          <a:ln w="12700" cap="flat">
+            <a:noFill/>
+            <a:miter lim="400000"/>
+          </a:ln>
+          <a:effectLst/>
+          <a:sp3d/>
+        </p:spPr>
+        <p:style>
+          <a:lnRef idx="0">
+            <a:scrgbClr r="0" g="0" b="0"/>
+          </a:lnRef>
+          <a:fillRef idx="0">
+            <a:scrgbClr r="0" g="0" b="0"/>
+          </a:fillRef>
+          <a:effectRef idx="0">
+            <a:scrgbClr r="0" g="0" b="0"/>
+          </a:effectRef>
+          <a:fontRef idx="none"/>
+        </p:style>
+        <p:txBody>
+          <a:bodyPr rot="0" spcFirstLastPara="1" vertOverflow="overflow" horzOverflow="overflow" vert="horz" wrap="square" lIns="54570" tIns="54570" rIns="54570" bIns="54570" numCol="1" spcCol="38100" rtlCol="0" anchor="ctr">
+            <a:spAutoFit/>
+          </a:bodyPr>
+          <a:lstStyle/>
+          <a:p>
+            <a:r>
+              <a:rPr kumimoji="0" lang="fr-FR" sz="1200" b="1" i="0" u="none" strike="noStrike" cap="none" spc="0" normalizeH="0" baseline="0" dirty="0">
+                <a:ln>
+                  <a:noFill/>
+                </a:ln>
+                <a:solidFill>
+                  <a:srgbClr val="4C4C4C"/>
+                </a:solidFill>
+                <a:effectLst/>
+                <a:uFillTx/>
+                <a:latin typeface="Source Sans Pro"/>
+                <a:ea typeface="Source Sans Pro"/>
+                <a:cs typeface="Source Sans Pro"/>
+                <a:sym typeface="Source Sans Pro"/>
+              </a:rPr>
+              <a:t>bs4SidebarMenuItem </a:t>
+            </a:r>
+            <a:r>
+              <a:rPr kumimoji="0" lang="fr-FR" sz="1200" b="1" i="0" u="none" strike="noStrike" cap="none" spc="0" normalizeH="0" baseline="0" dirty="0" err="1">
+                <a:ln>
+                  <a:noFill/>
+                </a:ln>
+                <a:solidFill>
+                  <a:srgbClr val="4C4C4C"/>
+                </a:solidFill>
+                <a:effectLst/>
+                <a:uFillTx/>
+                <a:latin typeface="Source Sans Pro"/>
+                <a:ea typeface="Source Sans Pro"/>
+                <a:cs typeface="Source Sans Pro"/>
+                <a:sym typeface="Source Sans Pro"/>
+              </a:rPr>
+              <a:t>can</a:t>
+            </a:r>
+            <a:r>
+              <a:rPr kumimoji="0" lang="fr-FR" sz="1200" b="1" i="0" u="none" strike="noStrike" cap="none" spc="0" normalizeH="0" baseline="0" dirty="0">
+                <a:ln>
+                  <a:noFill/>
+                </a:ln>
+                <a:solidFill>
+                  <a:srgbClr val="4C4C4C"/>
+                </a:solidFill>
+                <a:effectLst/>
+                <a:uFillTx/>
+                <a:latin typeface="Source Sans Pro"/>
+                <a:ea typeface="Source Sans Pro"/>
+                <a:cs typeface="Source Sans Pro"/>
+                <a:sym typeface="Source Sans Pro"/>
+              </a:rPr>
+              <a:t> </a:t>
+            </a:r>
+            <a:r>
+              <a:rPr kumimoji="0" lang="fr-FR" sz="1200" b="1" i="0" u="none" strike="noStrike" cap="none" spc="0" normalizeH="0" baseline="0" dirty="0" err="1">
+                <a:ln>
+                  <a:noFill/>
+                </a:ln>
+                <a:solidFill>
+                  <a:srgbClr val="4C4C4C"/>
+                </a:solidFill>
+                <a:effectLst/>
+                <a:uFillTx/>
+                <a:latin typeface="Source Sans Pro"/>
+                <a:ea typeface="Source Sans Pro"/>
+                <a:cs typeface="Source Sans Pro"/>
+                <a:sym typeface="Source Sans Pro"/>
+              </a:rPr>
+              <a:t>contain</a:t>
+            </a:r>
+            <a:r>
               <a:rPr lang="fr-FR" dirty="0"/>
-              <a:t>bs4ValueBox(…)</a:t>
-            </a:r>
+              <a:t> bs4SidebarMenuSubItem. </a:t>
+            </a:r>
+            <a:r>
+              <a:rPr lang="fr-FR" dirty="0" err="1"/>
+              <a:t>Pass</a:t>
+            </a:r>
+            <a:r>
+              <a:rPr lang="fr-FR" dirty="0"/>
+              <a:t> </a:t>
+            </a:r>
+            <a:r>
+              <a:rPr lang="fr-FR" dirty="0" err="1"/>
+              <a:t>them</a:t>
+            </a:r>
+            <a:r>
+              <a:rPr lang="fr-FR" dirty="0"/>
+              <a:t> in …</a:t>
+            </a:r>
+            <a:endParaRPr kumimoji="0" lang="fr-FR" sz="1200" b="1" i="0" u="none" strike="noStrike" cap="none" spc="0" normalizeH="0" baseline="0" dirty="0">
+              <a:ln>
+                <a:noFill/>
+              </a:ln>
+              <a:solidFill>
+                <a:srgbClr val="4C4C4C"/>
+              </a:solidFill>
+              <a:effectLst/>
+              <a:uFillTx/>
+              <a:latin typeface="Source Sans Pro"/>
+              <a:ea typeface="Source Sans Pro"/>
+              <a:cs typeface="Source Sans Pro"/>
+              <a:sym typeface="Source Sans Pro"/>
+            </a:endParaRPr>
+          </a:p>
+        </p:txBody>
+      </p:sp>
+      <p:sp>
+        <p:nvSpPr>
+          <p:cNvPr id="20" name="Rectangle 19">
+            <a:extLst>
+              <a:ext uri="{FF2B5EF4-FFF2-40B4-BE49-F238E27FC236}">
+                <a16:creationId xmlns:a16="http://schemas.microsoft.com/office/drawing/2014/main" id="{07699ADB-4C87-2048-8240-39D909FDB556}"/>
+              </a:ext>
+            </a:extLst>
+          </p:cNvPr>
+          <p:cNvSpPr/>
+          <p:nvPr/>
+        </p:nvSpPr>
+        <p:spPr>
+          <a:xfrm>
+            <a:off x="8803251" y="3192402"/>
+            <a:ext cx="3090538" cy="3173878"/>
+          </a:xfrm>
+          <a:prstGeom prst="rect">
+            <a:avLst/>
+          </a:prstGeom>
+          <a:solidFill>
+            <a:schemeClr val="accent2">
+              <a:lumMod val="40000"/>
+              <a:lumOff val="60000"/>
+              <a:alpha val="39000"/>
+            </a:schemeClr>
+          </a:solidFill>
+          <a:ln w="12700" cap="flat">
+            <a:noFill/>
+            <a:miter lim="400000"/>
+          </a:ln>
+          <a:effectLst>
+            <a:outerShdw blurRad="38100" dist="25400" dir="5400000" rotWithShape="0">
+              <a:srgbClr val="000000">
+                <a:alpha val="50000"/>
+              </a:srgbClr>
+            </a:outerShdw>
+          </a:effectLst>
+          <a:sp3d/>
+        </p:spPr>
+        <p:style>
+          <a:lnRef idx="0">
+            <a:scrgbClr r="0" g="0" b="0"/>
+          </a:lnRef>
+          <a:fillRef idx="0">
+            <a:scrgbClr r="0" g="0" b="0"/>
+          </a:fillRef>
+          <a:effectRef idx="0">
+            <a:scrgbClr r="0" g="0" b="0"/>
+          </a:effectRef>
+          <a:fontRef idx="none"/>
+        </p:style>
+        <p:txBody>
+          <a:bodyPr rot="0" spcFirstLastPara="1" vertOverflow="overflow" horzOverflow="overflow" vert="horz" wrap="square" lIns="54570" tIns="54570" rIns="54570" bIns="54570" numCol="1" spcCol="38100" rtlCol="0" anchor="ctr">
+            <a:spAutoFit/>
+          </a:bodyPr>
+          <a:lstStyle/>
+          <a:p>
+            <a:pPr marL="0" marR="0" indent="0" algn="l" defTabSz="584200" rtl="0" fontAlgn="auto" latinLnBrk="0" hangingPunct="0">
+              <a:lnSpc>
+                <a:spcPct val="80000"/>
+              </a:lnSpc>
+              <a:spcBef>
+                <a:spcPts val="0"/>
+              </a:spcBef>
+              <a:spcAft>
+                <a:spcPts val="0"/>
+              </a:spcAft>
+              <a:buClrTx/>
+              <a:buSzTx/>
+              <a:buFontTx/>
+              <a:buNone/>
+              <a:tabLst/>
+            </a:pPr>
+            <a:endParaRPr kumimoji="0" lang="fr-FR" sz="1200" b="0" i="0" u="none" strike="noStrike" cap="none" spc="0" normalizeH="0" baseline="0">
+              <a:ln>
+                <a:noFill/>
+              </a:ln>
+              <a:solidFill>
+                <a:srgbClr val="000000"/>
+              </a:solidFill>
+              <a:effectLst/>
+              <a:uFillTx/>
+              <a:latin typeface="Source Sans Pro"/>
+              <a:ea typeface="Source Sans Pro"/>
+              <a:cs typeface="Source Sans Pro"/>
+              <a:sym typeface="Source Sans Pro"/>
+            </a:endParaRPr>
+          </a:p>
+        </p:txBody>
+      </p:sp>
+      <p:sp>
+        <p:nvSpPr>
+          <p:cNvPr id="102" name="Rectangle 101">
+            <a:extLst>
+              <a:ext uri="{FF2B5EF4-FFF2-40B4-BE49-F238E27FC236}">
+                <a16:creationId xmlns:a16="http://schemas.microsoft.com/office/drawing/2014/main" id="{0E1FB36C-3A73-F945-A52B-45B06E243F50}"/>
+              </a:ext>
+            </a:extLst>
+          </p:cNvPr>
+          <p:cNvSpPr/>
+          <p:nvPr/>
+        </p:nvSpPr>
+        <p:spPr>
+          <a:xfrm>
+            <a:off x="4458296" y="3254044"/>
+            <a:ext cx="1953650" cy="257893"/>
+          </a:xfrm>
+          <a:prstGeom prst="rect">
+            <a:avLst/>
+          </a:prstGeom>
+          <a:solidFill>
+            <a:srgbClr val="FFC000">
+              <a:alpha val="41000"/>
+            </a:srgbClr>
+          </a:solidFill>
+          <a:ln w="12700" cap="flat">
+            <a:noFill/>
+            <a:miter lim="400000"/>
+          </a:ln>
+          <a:effectLst>
+            <a:outerShdw blurRad="38100" dist="25400" dir="5400000" rotWithShape="0">
+              <a:srgbClr val="000000">
+                <a:alpha val="50000"/>
+              </a:srgbClr>
+            </a:outerShdw>
+          </a:effectLst>
+          <a:sp3d/>
+        </p:spPr>
+        <p:style>
+          <a:lnRef idx="0">
+            <a:scrgbClr r="0" g="0" b="0"/>
+          </a:lnRef>
+          <a:fillRef idx="0">
+            <a:scrgbClr r="0" g="0" b="0"/>
+          </a:fillRef>
+          <a:effectRef idx="0">
+            <a:scrgbClr r="0" g="0" b="0"/>
+          </a:effectRef>
+          <a:fontRef idx="none"/>
+        </p:style>
+        <p:txBody>
+          <a:bodyPr rot="0" spcFirstLastPara="1" vertOverflow="overflow" horzOverflow="overflow" vert="horz" wrap="square" lIns="54570" tIns="54570" rIns="54570" bIns="54570" numCol="1" spcCol="38100" rtlCol="0" anchor="ctr">
+            <a:spAutoFit/>
+          </a:bodyPr>
+          <a:lstStyle/>
+          <a:p>
+            <a:pPr marL="0" marR="0" indent="0" algn="l" defTabSz="584200" rtl="0" fontAlgn="auto" latinLnBrk="0" hangingPunct="0">
+              <a:lnSpc>
+                <a:spcPct val="80000"/>
+              </a:lnSpc>
+              <a:spcBef>
+                <a:spcPts val="0"/>
+              </a:spcBef>
+              <a:spcAft>
+                <a:spcPts val="0"/>
+              </a:spcAft>
+              <a:buClrTx/>
+              <a:buSzTx/>
+              <a:buFontTx/>
+              <a:buNone/>
+              <a:tabLst/>
+            </a:pPr>
+            <a:endParaRPr kumimoji="0" lang="fr-FR" sz="1200" b="0" i="0" u="none" strike="noStrike" cap="none" spc="0" normalizeH="0" baseline="0">
+              <a:ln>
+                <a:noFill/>
+              </a:ln>
+              <a:solidFill>
+                <a:srgbClr val="000000"/>
+              </a:solidFill>
+              <a:effectLst/>
+              <a:uFillTx/>
+              <a:latin typeface="Source Sans Pro"/>
+              <a:ea typeface="Source Sans Pro"/>
+              <a:cs typeface="Source Sans Pro"/>
+              <a:sym typeface="Source Sans Pro"/>
+            </a:endParaRPr>
+          </a:p>
+        </p:txBody>
+      </p:sp>
+      <p:sp>
+        <p:nvSpPr>
+          <p:cNvPr id="103" name="Rectangle 102">
+            <a:extLst>
+              <a:ext uri="{FF2B5EF4-FFF2-40B4-BE49-F238E27FC236}">
+                <a16:creationId xmlns:a16="http://schemas.microsoft.com/office/drawing/2014/main" id="{1AA5C792-EA98-0549-9B0A-A8B8F62ACDB5}"/>
+              </a:ext>
+            </a:extLst>
+          </p:cNvPr>
+          <p:cNvSpPr/>
+          <p:nvPr/>
+        </p:nvSpPr>
+        <p:spPr>
+          <a:xfrm>
+            <a:off x="4404675" y="4667188"/>
+            <a:ext cx="2049124" cy="422255"/>
+          </a:xfrm>
+          <a:prstGeom prst="rect">
+            <a:avLst/>
+          </a:prstGeom>
+          <a:solidFill>
+            <a:schemeClr val="accent4">
+              <a:lumMod val="60000"/>
+              <a:lumOff val="40000"/>
+              <a:alpha val="41000"/>
+            </a:schemeClr>
+          </a:solidFill>
+          <a:ln w="12700" cap="flat">
+            <a:noFill/>
+            <a:miter lim="400000"/>
+          </a:ln>
+          <a:effectLst>
+            <a:outerShdw blurRad="38100" dist="25400" dir="5400000" rotWithShape="0">
+              <a:srgbClr val="000000">
+                <a:alpha val="50000"/>
+              </a:srgbClr>
+            </a:outerShdw>
+          </a:effectLst>
+          <a:sp3d/>
+        </p:spPr>
+        <p:style>
+          <a:lnRef idx="0">
+            <a:scrgbClr r="0" g="0" b="0"/>
+          </a:lnRef>
+          <a:fillRef idx="0">
+            <a:scrgbClr r="0" g="0" b="0"/>
+          </a:fillRef>
+          <a:effectRef idx="0">
+            <a:scrgbClr r="0" g="0" b="0"/>
+          </a:effectRef>
+          <a:fontRef idx="none"/>
+        </p:style>
+        <p:txBody>
+          <a:bodyPr rot="0" spcFirstLastPara="1" vertOverflow="overflow" horzOverflow="overflow" vert="horz" wrap="square" lIns="54570" tIns="54570" rIns="54570" bIns="54570" numCol="1" spcCol="38100" rtlCol="0" anchor="ctr">
+            <a:spAutoFit/>
+          </a:bodyPr>
+          <a:lstStyle/>
+          <a:p>
+            <a:pPr marL="0" marR="0" indent="0" algn="l" defTabSz="584200" rtl="0" fontAlgn="auto" latinLnBrk="0" hangingPunct="0">
+              <a:lnSpc>
+                <a:spcPct val="80000"/>
+              </a:lnSpc>
+              <a:spcBef>
+                <a:spcPts val="0"/>
+              </a:spcBef>
+              <a:spcAft>
+                <a:spcPts val="0"/>
+              </a:spcAft>
+              <a:buClrTx/>
+              <a:buSzTx/>
+              <a:buFontTx/>
+              <a:buNone/>
+              <a:tabLst/>
+            </a:pPr>
+            <a:endParaRPr kumimoji="0" lang="fr-FR" sz="1200" b="0" i="0" u="none" strike="noStrike" cap="none" spc="0" normalizeH="0" baseline="0">
+              <a:ln>
+                <a:noFill/>
+              </a:ln>
+              <a:solidFill>
+                <a:srgbClr val="000000"/>
+              </a:solidFill>
+              <a:effectLst/>
+              <a:uFillTx/>
+              <a:latin typeface="Source Sans Pro"/>
+              <a:ea typeface="Source Sans Pro"/>
+              <a:cs typeface="Source Sans Pro"/>
+              <a:sym typeface="Source Sans Pro"/>
+            </a:endParaRPr>
+          </a:p>
+        </p:txBody>
+      </p:sp>
+      <p:sp>
+        <p:nvSpPr>
+          <p:cNvPr id="104" name="Rectangle 103">
+            <a:extLst>
+              <a:ext uri="{FF2B5EF4-FFF2-40B4-BE49-F238E27FC236}">
+                <a16:creationId xmlns:a16="http://schemas.microsoft.com/office/drawing/2014/main" id="{550CD5C6-4ABE-BC4F-9A38-9C4D28DA1A31}"/>
+              </a:ext>
+            </a:extLst>
+          </p:cNvPr>
+          <p:cNvSpPr/>
+          <p:nvPr/>
+        </p:nvSpPr>
+        <p:spPr>
+          <a:xfrm>
+            <a:off x="7344279" y="5976979"/>
+            <a:ext cx="1322772" cy="248528"/>
+          </a:xfrm>
+          <a:prstGeom prst="rect">
+            <a:avLst/>
+          </a:prstGeom>
+          <a:solidFill>
+            <a:schemeClr val="accent5">
+              <a:lumMod val="60000"/>
+              <a:lumOff val="40000"/>
+              <a:alpha val="41000"/>
+            </a:schemeClr>
+          </a:solidFill>
+          <a:ln w="12700" cap="flat">
+            <a:noFill/>
+            <a:miter lim="400000"/>
+          </a:ln>
+          <a:effectLst>
+            <a:outerShdw blurRad="38100" dist="25400" dir="5400000" rotWithShape="0">
+              <a:srgbClr val="000000">
+                <a:alpha val="50000"/>
+              </a:srgbClr>
+            </a:outerShdw>
+          </a:effectLst>
+          <a:sp3d/>
+        </p:spPr>
+        <p:style>
+          <a:lnRef idx="0">
+            <a:scrgbClr r="0" g="0" b="0"/>
+          </a:lnRef>
+          <a:fillRef idx="0">
+            <a:scrgbClr r="0" g="0" b="0"/>
+          </a:fillRef>
+          <a:effectRef idx="0">
+            <a:scrgbClr r="0" g="0" b="0"/>
+          </a:effectRef>
+          <a:fontRef idx="none"/>
+        </p:style>
+        <p:txBody>
+          <a:bodyPr rot="0" spcFirstLastPara="1" vertOverflow="overflow" horzOverflow="overflow" vert="horz" wrap="square" lIns="54570" tIns="54570" rIns="54570" bIns="54570" numCol="1" spcCol="38100" rtlCol="0" anchor="ctr">
+            <a:spAutoFit/>
+          </a:bodyPr>
+          <a:lstStyle/>
+          <a:p>
+            <a:pPr marL="0" marR="0" indent="0" algn="l" defTabSz="584200" rtl="0" fontAlgn="auto" latinLnBrk="0" hangingPunct="0">
+              <a:lnSpc>
+                <a:spcPct val="80000"/>
+              </a:lnSpc>
+              <a:spcBef>
+                <a:spcPts val="0"/>
+              </a:spcBef>
+              <a:spcAft>
+                <a:spcPts val="0"/>
+              </a:spcAft>
+              <a:buClrTx/>
+              <a:buSzTx/>
+              <a:buFontTx/>
+              <a:buNone/>
+              <a:tabLst/>
+            </a:pPr>
+            <a:endParaRPr kumimoji="0" lang="fr-FR" sz="1200" b="0" i="0" u="none" strike="noStrike" cap="none" spc="0" normalizeH="0" baseline="0">
+              <a:ln>
+                <a:noFill/>
+              </a:ln>
+              <a:solidFill>
+                <a:srgbClr val="000000"/>
+              </a:solidFill>
+              <a:effectLst/>
+              <a:uFillTx/>
+              <a:latin typeface="Source Sans Pro"/>
+              <a:ea typeface="Source Sans Pro"/>
+              <a:cs typeface="Source Sans Pro"/>
+              <a:sym typeface="Source Sans Pro"/>
+            </a:endParaRPr>
+          </a:p>
+        </p:txBody>
+      </p:sp>
+      <p:sp>
+        <p:nvSpPr>
+          <p:cNvPr id="105" name="Rectangle 104">
+            <a:extLst>
+              <a:ext uri="{FF2B5EF4-FFF2-40B4-BE49-F238E27FC236}">
+                <a16:creationId xmlns:a16="http://schemas.microsoft.com/office/drawing/2014/main" id="{A30987F4-4E98-034F-B00A-E849B61B5650}"/>
+              </a:ext>
+            </a:extLst>
+          </p:cNvPr>
+          <p:cNvSpPr/>
+          <p:nvPr/>
+        </p:nvSpPr>
+        <p:spPr>
+          <a:xfrm>
+            <a:off x="4398082" y="6110174"/>
+            <a:ext cx="2049037" cy="408763"/>
+          </a:xfrm>
+          <a:prstGeom prst="rect">
+            <a:avLst/>
+          </a:prstGeom>
+          <a:solidFill>
+            <a:schemeClr val="accent5">
+              <a:lumMod val="60000"/>
+              <a:lumOff val="40000"/>
+              <a:alpha val="41000"/>
+            </a:schemeClr>
+          </a:solidFill>
+          <a:ln w="12700" cap="flat">
+            <a:noFill/>
+            <a:miter lim="400000"/>
+          </a:ln>
+          <a:effectLst>
+            <a:outerShdw blurRad="38100" dist="25400" dir="5400000" rotWithShape="0">
+              <a:srgbClr val="000000">
+                <a:alpha val="50000"/>
+              </a:srgbClr>
+            </a:outerShdw>
+          </a:effectLst>
+          <a:sp3d/>
+        </p:spPr>
+        <p:style>
+          <a:lnRef idx="0">
+            <a:scrgbClr r="0" g="0" b="0"/>
+          </a:lnRef>
+          <a:fillRef idx="0">
+            <a:scrgbClr r="0" g="0" b="0"/>
+          </a:fillRef>
+          <a:effectRef idx="0">
+            <a:scrgbClr r="0" g="0" b="0"/>
+          </a:effectRef>
+          <a:fontRef idx="none"/>
+        </p:style>
+        <p:txBody>
+          <a:bodyPr rot="0" spcFirstLastPara="1" vertOverflow="overflow" horzOverflow="overflow" vert="horz" wrap="square" lIns="54570" tIns="54570" rIns="54570" bIns="54570" numCol="1" spcCol="38100" rtlCol="0" anchor="ctr">
+            <a:spAutoFit/>
+          </a:bodyPr>
+          <a:lstStyle/>
+          <a:p>
+            <a:pPr marL="0" marR="0" indent="0" algn="l" defTabSz="584200" rtl="0" fontAlgn="auto" latinLnBrk="0" hangingPunct="0">
+              <a:lnSpc>
+                <a:spcPct val="80000"/>
+              </a:lnSpc>
+              <a:spcBef>
+                <a:spcPts val="0"/>
+              </a:spcBef>
+              <a:spcAft>
+                <a:spcPts val="0"/>
+              </a:spcAft>
+              <a:buClrTx/>
+              <a:buSzTx/>
+              <a:buFontTx/>
+              <a:buNone/>
+              <a:tabLst/>
+            </a:pPr>
+            <a:endParaRPr kumimoji="0" lang="fr-FR" sz="1200" b="0" i="0" u="none" strike="noStrike" cap="none" spc="0" normalizeH="0" baseline="0">
+              <a:ln>
+                <a:noFill/>
+              </a:ln>
+              <a:solidFill>
+                <a:srgbClr val="000000"/>
+              </a:solidFill>
+              <a:effectLst/>
+              <a:uFillTx/>
+              <a:latin typeface="Source Sans Pro"/>
+              <a:ea typeface="Source Sans Pro"/>
+              <a:cs typeface="Source Sans Pro"/>
+              <a:sym typeface="Source Sans Pro"/>
+            </a:endParaRPr>
+          </a:p>
+        </p:txBody>
+      </p:sp>
+      <p:sp>
+        <p:nvSpPr>
+          <p:cNvPr id="106" name="ggplot(mpg, aes(hwy, cty)) +…">
+            <a:extLst>
+              <a:ext uri="{FF2B5EF4-FFF2-40B4-BE49-F238E27FC236}">
+                <a16:creationId xmlns:a16="http://schemas.microsoft.com/office/drawing/2014/main" id="{C7B74841-4FF4-1643-B712-723C6E2B3574}"/>
+              </a:ext>
+            </a:extLst>
+          </p:cNvPr>
+          <p:cNvSpPr txBox="1"/>
+          <p:nvPr/>
+        </p:nvSpPr>
+        <p:spPr>
+          <a:xfrm>
+            <a:off x="9454252" y="3301528"/>
+            <a:ext cx="1460000" cy="264094"/>
+          </a:xfrm>
+          <a:prstGeom prst="rect">
+            <a:avLst/>
+          </a:prstGeom>
+          <a:solidFill>
+            <a:srgbClr val="FFFFFF"/>
+          </a:solidFill>
+          <a:ln w="12700">
+            <a:solidFill>
+              <a:srgbClr val="A6AAA9"/>
+            </a:solidFill>
+            <a:miter lim="400000"/>
+          </a:ln>
+          <a:extLst>
+            <a:ext uri="{C572A759-6A51-4108-AA02-DFA0A04FC94B}">
+              <ma14:wrappingTextBoxFlag xmlns:ma14="http://schemas.microsoft.com/office/mac/drawingml/2011/main" xmlns:a14="http://schemas.microsoft.com/office/drawing/2010/main" xmlns:m="http://schemas.openxmlformats.org/officeDocument/2006/math" xmlns="" val="1"/>
+            </a:ext>
+          </a:extLst>
+        </p:spPr>
+        <p:txBody>
+          <a:bodyPr wrap="square" lIns="54570" tIns="54570" rIns="54570" bIns="54570" anchor="ctr">
+            <a:spAutoFit/>
+          </a:bodyPr>
+          <a:lstStyle/>
+          <a:p>
+            <a:pPr>
+              <a:spcBef>
+                <a:spcPts val="0"/>
+              </a:spcBef>
+              <a:defRPr b="0">
+                <a:solidFill>
+                  <a:srgbClr val="000000"/>
+                </a:solidFill>
+                <a:latin typeface="Menlo"/>
+                <a:ea typeface="Menlo"/>
+                <a:cs typeface="Menlo"/>
+                <a:sym typeface="Menlo"/>
+              </a:defRPr>
+            </a:pPr>
+            <a:r>
+              <a:rPr lang="fr-FR" sz="1000" b="0" dirty="0">
+                <a:sym typeface="Menlo"/>
+              </a:rPr>
+              <a:t>bs4DashBody(...)</a:t>
+            </a:r>
+          </a:p>
+        </p:txBody>
+      </p:sp>
+      <p:sp>
+        <p:nvSpPr>
+          <p:cNvPr id="107" name="ggplot(mpg, aes(hwy, cty)) +…">
+            <a:extLst>
+              <a:ext uri="{FF2B5EF4-FFF2-40B4-BE49-F238E27FC236}">
+                <a16:creationId xmlns:a16="http://schemas.microsoft.com/office/drawing/2014/main" id="{B7989DE8-1751-2E4E-A1E5-5261A5032EEF}"/>
+              </a:ext>
+            </a:extLst>
+          </p:cNvPr>
+          <p:cNvSpPr txBox="1"/>
+          <p:nvPr/>
+        </p:nvSpPr>
+        <p:spPr>
+          <a:xfrm>
+            <a:off x="9454252" y="4060729"/>
+            <a:ext cx="1460000" cy="264094"/>
+          </a:xfrm>
+          <a:prstGeom prst="rect">
+            <a:avLst/>
+          </a:prstGeom>
+          <a:solidFill>
+            <a:srgbClr val="FFFFFF"/>
+          </a:solidFill>
+          <a:ln w="12700">
+            <a:solidFill>
+              <a:srgbClr val="A6AAA9"/>
+            </a:solidFill>
+            <a:miter lim="400000"/>
+          </a:ln>
+          <a:extLst>
+            <a:ext uri="{C572A759-6A51-4108-AA02-DFA0A04FC94B}">
+              <ma14:wrappingTextBoxFlag xmlns:ma14="http://schemas.microsoft.com/office/mac/drawingml/2011/main" xmlns:a14="http://schemas.microsoft.com/office/drawing/2010/main" xmlns:m="http://schemas.openxmlformats.org/officeDocument/2006/math" xmlns="" val="1"/>
+            </a:ext>
+          </a:extLst>
+        </p:spPr>
+        <p:txBody>
+          <a:bodyPr wrap="square" lIns="54570" tIns="54570" rIns="54570" bIns="54570" anchor="ctr">
+            <a:spAutoFit/>
+          </a:bodyPr>
+          <a:lstStyle/>
+          <a:p>
+            <a:pPr>
+              <a:spcBef>
+                <a:spcPts val="0"/>
+              </a:spcBef>
+              <a:defRPr b="0">
+                <a:solidFill>
+                  <a:srgbClr val="000000"/>
+                </a:solidFill>
+                <a:latin typeface="Menlo"/>
+                <a:ea typeface="Menlo"/>
+                <a:cs typeface="Menlo"/>
+                <a:sym typeface="Menlo"/>
+              </a:defRPr>
+            </a:pPr>
+            <a:r>
+              <a:rPr lang="fr-FR" sz="1000" b="0" dirty="0">
+                <a:sym typeface="Menlo"/>
+              </a:rPr>
+              <a:t>bs4TabItems(...)</a:t>
+            </a:r>
+          </a:p>
+        </p:txBody>
+      </p:sp>
+      <p:sp>
+        <p:nvSpPr>
+          <p:cNvPr id="108" name="ggplot(mpg, aes(hwy, cty)) +…">
+            <a:extLst>
+              <a:ext uri="{FF2B5EF4-FFF2-40B4-BE49-F238E27FC236}">
+                <a16:creationId xmlns:a16="http://schemas.microsoft.com/office/drawing/2014/main" id="{26FE95CB-0AFA-8D48-8903-606831198F2C}"/>
+              </a:ext>
+            </a:extLst>
+          </p:cNvPr>
+          <p:cNvSpPr txBox="1"/>
+          <p:nvPr/>
+        </p:nvSpPr>
+        <p:spPr>
+          <a:xfrm>
+            <a:off x="9064167" y="4831239"/>
+            <a:ext cx="2568706" cy="264094"/>
+          </a:xfrm>
+          <a:prstGeom prst="rect">
+            <a:avLst/>
+          </a:prstGeom>
+          <a:solidFill>
+            <a:srgbClr val="FFFFFF"/>
+          </a:solidFill>
+          <a:ln w="12700">
+            <a:solidFill>
+              <a:srgbClr val="A6AAA9"/>
+            </a:solidFill>
+            <a:miter lim="400000"/>
+          </a:ln>
+          <a:extLst>
+            <a:ext uri="{C572A759-6A51-4108-AA02-DFA0A04FC94B}">
+              <ma14:wrappingTextBoxFlag xmlns:ma14="http://schemas.microsoft.com/office/mac/drawingml/2011/main" xmlns:a14="http://schemas.microsoft.com/office/drawing/2010/main" xmlns:m="http://schemas.openxmlformats.org/officeDocument/2006/math" xmlns="" val="1"/>
+            </a:ext>
+          </a:extLst>
+        </p:spPr>
+        <p:txBody>
+          <a:bodyPr wrap="square" lIns="54570" tIns="54570" rIns="54570" bIns="54570" anchor="ctr">
+            <a:spAutoFit/>
+          </a:bodyPr>
+          <a:lstStyle/>
+          <a:p>
+            <a:pPr>
+              <a:spcBef>
+                <a:spcPts val="0"/>
+              </a:spcBef>
+              <a:defRPr b="0">
+                <a:solidFill>
+                  <a:srgbClr val="000000"/>
+                </a:solidFill>
+                <a:latin typeface="Menlo"/>
+                <a:ea typeface="Menlo"/>
+                <a:cs typeface="Menlo"/>
+                <a:sym typeface="Menlo"/>
+              </a:defRPr>
+            </a:pPr>
+            <a:r>
+              <a:rPr lang="fr-FR" sz="1000" b="0" dirty="0">
+                <a:sym typeface="Menlo"/>
+              </a:rPr>
+              <a:t>bs4TabItem(</a:t>
+            </a:r>
+            <a:r>
+              <a:rPr lang="fr-FR" sz="1000" dirty="0" err="1">
+                <a:sym typeface="Menlo"/>
+              </a:rPr>
+              <a:t>tabName</a:t>
+            </a:r>
+            <a:r>
+              <a:rPr lang="fr-FR" sz="1000" b="0" dirty="0">
+                <a:sym typeface="Menlo"/>
+              </a:rPr>
+              <a:t> = NULL, ...)</a:t>
+            </a:r>
+          </a:p>
+        </p:txBody>
+      </p:sp>
+      <p:cxnSp>
+        <p:nvCxnSpPr>
+          <p:cNvPr id="22" name="Connecteur droit avec flèche 21">
+            <a:extLst>
+              <a:ext uri="{FF2B5EF4-FFF2-40B4-BE49-F238E27FC236}">
+                <a16:creationId xmlns:a16="http://schemas.microsoft.com/office/drawing/2014/main" id="{1437459A-AA47-3047-96C0-7B3354629D04}"/>
+              </a:ext>
+            </a:extLst>
+          </p:cNvPr>
+          <p:cNvCxnSpPr>
+            <a:cxnSpLocks/>
+          </p:cNvCxnSpPr>
+          <p:nvPr/>
+        </p:nvCxnSpPr>
+        <p:spPr>
+          <a:xfrm flipV="1">
+            <a:off x="10188184" y="3606262"/>
+            <a:ext cx="0" cy="419133"/>
+          </a:xfrm>
+          <a:prstGeom prst="straightConnector1">
+            <a:avLst/>
+          </a:prstGeom>
+          <a:noFill/>
+          <a:ln w="25400" cap="flat">
+            <a:solidFill>
+              <a:srgbClr val="000000"/>
+            </a:solidFill>
+            <a:prstDash val="solid"/>
+            <a:miter lim="400000"/>
+            <a:tailEnd type="triangle"/>
+          </a:ln>
+          <a:effectLst/>
+          <a:sp3d/>
+        </p:spPr>
+        <p:style>
+          <a:lnRef idx="0">
+            <a:scrgbClr r="0" g="0" b="0"/>
+          </a:lnRef>
+          <a:fillRef idx="0">
+            <a:scrgbClr r="0" g="0" b="0"/>
+          </a:fillRef>
+          <a:effectRef idx="0">
+            <a:scrgbClr r="0" g="0" b="0"/>
+          </a:effectRef>
+          <a:fontRef idx="none"/>
+        </p:style>
+      </p:cxnSp>
+      <p:cxnSp>
+        <p:nvCxnSpPr>
+          <p:cNvPr id="109" name="Connecteur droit avec flèche 108">
+            <a:extLst>
+              <a:ext uri="{FF2B5EF4-FFF2-40B4-BE49-F238E27FC236}">
+                <a16:creationId xmlns:a16="http://schemas.microsoft.com/office/drawing/2014/main" id="{09515F53-481C-144D-83A9-29C475618D34}"/>
+              </a:ext>
+            </a:extLst>
+          </p:cNvPr>
+          <p:cNvCxnSpPr>
+            <a:cxnSpLocks/>
+          </p:cNvCxnSpPr>
+          <p:nvPr/>
+        </p:nvCxnSpPr>
+        <p:spPr>
+          <a:xfrm flipV="1">
+            <a:off x="10188306" y="4334983"/>
+            <a:ext cx="0" cy="454518"/>
+          </a:xfrm>
+          <a:prstGeom prst="straightConnector1">
+            <a:avLst/>
+          </a:prstGeom>
+          <a:noFill/>
+          <a:ln w="25400" cap="flat">
+            <a:solidFill>
+              <a:srgbClr val="000000"/>
+            </a:solidFill>
+            <a:prstDash val="solid"/>
+            <a:miter lim="400000"/>
+            <a:tailEnd type="triangle"/>
+          </a:ln>
+          <a:effectLst/>
+          <a:sp3d/>
+        </p:spPr>
+        <p:style>
+          <a:lnRef idx="0">
+            <a:scrgbClr r="0" g="0" b="0"/>
+          </a:lnRef>
+          <a:fillRef idx="0">
+            <a:scrgbClr r="0" g="0" b="0"/>
+          </a:fillRef>
+          <a:effectRef idx="0">
+            <a:scrgbClr r="0" g="0" b="0"/>
+          </a:effectRef>
+          <a:fontRef idx="none"/>
+        </p:style>
+      </p:cxnSp>
+      <p:cxnSp>
+        <p:nvCxnSpPr>
+          <p:cNvPr id="110" name="Connecteur droit avec flèche 109">
+            <a:extLst>
+              <a:ext uri="{FF2B5EF4-FFF2-40B4-BE49-F238E27FC236}">
+                <a16:creationId xmlns:a16="http://schemas.microsoft.com/office/drawing/2014/main" id="{EA706236-76AA-4D4C-9624-3C515F46E725}"/>
+              </a:ext>
+            </a:extLst>
+          </p:cNvPr>
+          <p:cNvCxnSpPr>
+            <a:cxnSpLocks/>
+          </p:cNvCxnSpPr>
+          <p:nvPr/>
+        </p:nvCxnSpPr>
+        <p:spPr>
+          <a:xfrm flipV="1">
+            <a:off x="5350489" y="4137561"/>
+            <a:ext cx="0" cy="419133"/>
+          </a:xfrm>
+          <a:prstGeom prst="straightConnector1">
+            <a:avLst/>
+          </a:prstGeom>
+          <a:noFill/>
+          <a:ln w="25400" cap="flat">
+            <a:solidFill>
+              <a:srgbClr val="000000"/>
+            </a:solidFill>
+            <a:prstDash val="solid"/>
+            <a:miter lim="400000"/>
+            <a:tailEnd type="triangle"/>
+          </a:ln>
+          <a:effectLst/>
+          <a:sp3d/>
+        </p:spPr>
+        <p:style>
+          <a:lnRef idx="0">
+            <a:scrgbClr r="0" g="0" b="0"/>
+          </a:lnRef>
+          <a:fillRef idx="0">
+            <a:scrgbClr r="0" g="0" b="0"/>
+          </a:fillRef>
+          <a:effectRef idx="0">
+            <a:scrgbClr r="0" g="0" b="0"/>
+          </a:effectRef>
+          <a:fontRef idx="none"/>
+        </p:style>
+      </p:cxnSp>
+      <p:cxnSp>
+        <p:nvCxnSpPr>
+          <p:cNvPr id="111" name="Connecteur droit avec flèche 110">
+            <a:extLst>
+              <a:ext uri="{FF2B5EF4-FFF2-40B4-BE49-F238E27FC236}">
+                <a16:creationId xmlns:a16="http://schemas.microsoft.com/office/drawing/2014/main" id="{D8F2AB30-EF31-D546-8653-476A0EC25F53}"/>
+              </a:ext>
+            </a:extLst>
+          </p:cNvPr>
+          <p:cNvCxnSpPr>
+            <a:cxnSpLocks/>
+          </p:cNvCxnSpPr>
+          <p:nvPr/>
+        </p:nvCxnSpPr>
+        <p:spPr>
+          <a:xfrm flipV="1">
+            <a:off x="5363514" y="5626750"/>
+            <a:ext cx="0" cy="419133"/>
+          </a:xfrm>
+          <a:prstGeom prst="straightConnector1">
+            <a:avLst/>
+          </a:prstGeom>
+          <a:noFill/>
+          <a:ln w="25400" cap="flat">
+            <a:solidFill>
+              <a:srgbClr val="000000"/>
+            </a:solidFill>
+            <a:prstDash val="solid"/>
+            <a:miter lim="400000"/>
+            <a:tailEnd type="triangle"/>
+          </a:ln>
+          <a:effectLst/>
+          <a:sp3d/>
+        </p:spPr>
+        <p:style>
+          <a:lnRef idx="0">
+            <a:scrgbClr r="0" g="0" b="0"/>
+          </a:lnRef>
+          <a:fillRef idx="0">
+            <a:scrgbClr r="0" g="0" b="0"/>
+          </a:fillRef>
+          <a:effectRef idx="0">
+            <a:scrgbClr r="0" g="0" b="0"/>
+          </a:effectRef>
+          <a:fontRef idx="none"/>
+        </p:style>
+      </p:cxnSp>
+      <p:cxnSp>
+        <p:nvCxnSpPr>
+          <p:cNvPr id="112" name="Connecteur droit avec flèche 111">
+            <a:extLst>
+              <a:ext uri="{FF2B5EF4-FFF2-40B4-BE49-F238E27FC236}">
+                <a16:creationId xmlns:a16="http://schemas.microsoft.com/office/drawing/2014/main" id="{1613A73E-A449-CF44-B1B3-D21BFA5C4912}"/>
+              </a:ext>
+            </a:extLst>
+          </p:cNvPr>
+          <p:cNvCxnSpPr>
+            <a:cxnSpLocks/>
+          </p:cNvCxnSpPr>
+          <p:nvPr/>
+        </p:nvCxnSpPr>
+        <p:spPr>
+          <a:xfrm flipV="1">
+            <a:off x="5350489" y="2723663"/>
+            <a:ext cx="0" cy="419133"/>
+          </a:xfrm>
+          <a:prstGeom prst="straightConnector1">
+            <a:avLst/>
+          </a:prstGeom>
+          <a:noFill/>
+          <a:ln w="25400" cap="flat">
+            <a:solidFill>
+              <a:srgbClr val="000000"/>
+            </a:solidFill>
+            <a:prstDash val="solid"/>
+            <a:miter lim="400000"/>
+            <a:tailEnd type="triangle"/>
+          </a:ln>
+          <a:effectLst/>
+          <a:sp3d/>
+        </p:spPr>
+        <p:style>
+          <a:lnRef idx="0">
+            <a:scrgbClr r="0" g="0" b="0"/>
+          </a:lnRef>
+          <a:fillRef idx="0">
+            <a:scrgbClr r="0" g="0" b="0"/>
+          </a:fillRef>
+          <a:effectRef idx="0">
+            <a:scrgbClr r="0" g="0" b="0"/>
+          </a:effectRef>
+          <a:fontRef idx="none"/>
+        </p:style>
+      </p:cxnSp>
+      <p:sp>
+        <p:nvSpPr>
+          <p:cNvPr id="113" name="ZoneTexte 112">
+            <a:extLst>
+              <a:ext uri="{FF2B5EF4-FFF2-40B4-BE49-F238E27FC236}">
+                <a16:creationId xmlns:a16="http://schemas.microsoft.com/office/drawing/2014/main" id="{CD1552A5-9169-654C-B9D8-32EBF7EC3476}"/>
+              </a:ext>
+            </a:extLst>
+          </p:cNvPr>
+          <p:cNvSpPr txBox="1"/>
+          <p:nvPr/>
+        </p:nvSpPr>
+        <p:spPr>
+          <a:xfrm>
+            <a:off x="7917162" y="8023711"/>
+            <a:ext cx="1838795" cy="505186"/>
+          </a:xfrm>
+          <a:prstGeom prst="rect">
+            <a:avLst/>
+          </a:prstGeom>
+          <a:noFill/>
+          <a:ln w="12700" cap="flat">
+            <a:noFill/>
+            <a:miter lim="400000"/>
+          </a:ln>
+          <a:effectLst/>
+          <a:sp3d/>
+        </p:spPr>
+        <p:style>
+          <a:lnRef idx="0">
+            <a:scrgbClr r="0" g="0" b="0"/>
+          </a:lnRef>
+          <a:fillRef idx="0">
+            <a:scrgbClr r="0" g="0" b="0"/>
+          </a:fillRef>
+          <a:effectRef idx="0">
+            <a:scrgbClr r="0" g="0" b="0"/>
+          </a:effectRef>
+          <a:fontRef idx="none"/>
+        </p:style>
+        <p:txBody>
+          <a:bodyPr rot="0" spcFirstLastPara="1" vertOverflow="overflow" horzOverflow="overflow" vert="horz" wrap="square" lIns="54570" tIns="54570" rIns="54570" bIns="54570" numCol="1" spcCol="38100" rtlCol="0" anchor="ctr">
+            <a:spAutoFit/>
+          </a:bodyPr>
+          <a:lstStyle/>
+          <a:p>
+            <a:pPr marL="0" marR="0" indent="0" algn="l" defTabSz="584200" rtl="0" fontAlgn="auto" latinLnBrk="0" hangingPunct="0">
+              <a:lnSpc>
+                <a:spcPct val="100000"/>
+              </a:lnSpc>
+              <a:spcBef>
+                <a:spcPts val="200"/>
+              </a:spcBef>
+              <a:spcAft>
+                <a:spcPts val="0"/>
+              </a:spcAft>
+              <a:buClrTx/>
+              <a:buSzTx/>
+              <a:buFontTx/>
+              <a:buNone/>
+              <a:tabLst/>
+            </a:pPr>
+            <a:r>
+              <a:rPr kumimoji="0" lang="fr-FR" sz="1200" b="0" i="0" u="none" strike="noStrike" cap="none" spc="0" normalizeH="0" baseline="0" dirty="0" err="1">
+                <a:ln>
+                  <a:noFill/>
+                </a:ln>
+                <a:solidFill>
+                  <a:schemeClr val="bg2">
+                    <a:lumMod val="10000"/>
+                  </a:schemeClr>
+                </a:solidFill>
+                <a:effectLst/>
+                <a:uFillTx/>
+                <a:latin typeface="Source Sans Pro"/>
+                <a:ea typeface="Source Sans Pro"/>
+                <a:cs typeface="Source Sans Pro"/>
+                <a:sym typeface="Source Sans Pro"/>
+              </a:rPr>
+              <a:t>Both</a:t>
+            </a:r>
+            <a:r>
+              <a:rPr kumimoji="0" lang="fr-FR" sz="1200" b="0" i="0" u="none" strike="noStrike" cap="none" spc="0" normalizeH="0" baseline="0" dirty="0">
+                <a:ln>
+                  <a:noFill/>
+                </a:ln>
+                <a:solidFill>
+                  <a:schemeClr val="bg2">
+                    <a:lumMod val="10000"/>
+                  </a:schemeClr>
+                </a:solidFill>
+                <a:effectLst/>
+                <a:uFillTx/>
+                <a:latin typeface="Source Sans Pro"/>
+                <a:ea typeface="Source Sans Pro"/>
+                <a:cs typeface="Source Sans Pro"/>
+                <a:sym typeface="Source Sans Pro"/>
+              </a:rPr>
+              <a:t> </a:t>
+            </a:r>
+            <a:r>
+              <a:rPr kumimoji="0" lang="fr-FR" sz="1200" b="0" i="0" u="none" strike="noStrike" cap="none" spc="0" normalizeH="0" baseline="0" dirty="0" err="1">
+                <a:ln>
+                  <a:noFill/>
+                </a:ln>
+                <a:solidFill>
+                  <a:schemeClr val="bg2">
+                    <a:lumMod val="10000"/>
+                  </a:schemeClr>
+                </a:solidFill>
+                <a:effectLst/>
+                <a:uFillTx/>
+                <a:latin typeface="Source Sans Pro"/>
+                <a:ea typeface="Source Sans Pro"/>
+                <a:cs typeface="Source Sans Pro"/>
+                <a:sym typeface="Source Sans Pro"/>
+              </a:rPr>
+              <a:t>sidebars</a:t>
+            </a:r>
+            <a:r>
+              <a:rPr kumimoji="0" lang="fr-FR" sz="1200" b="0" i="0" u="none" strike="noStrike" cap="none" spc="0" normalizeH="0" baseline="0" dirty="0">
+                <a:ln>
+                  <a:noFill/>
+                </a:ln>
+                <a:solidFill>
+                  <a:schemeClr val="bg2">
+                    <a:lumMod val="10000"/>
+                  </a:schemeClr>
+                </a:solidFill>
+                <a:effectLst/>
+                <a:uFillTx/>
+                <a:latin typeface="Source Sans Pro"/>
+                <a:ea typeface="Source Sans Pro"/>
+                <a:cs typeface="Source Sans Pro"/>
+                <a:sym typeface="Source Sans Pro"/>
+              </a:rPr>
+              <a:t> </a:t>
+            </a:r>
+            <a:r>
+              <a:rPr kumimoji="0" lang="fr-FR" sz="1200" b="0" i="0" u="none" strike="noStrike" cap="none" spc="0" normalizeH="0" baseline="0" dirty="0" err="1">
+                <a:ln>
+                  <a:noFill/>
+                </a:ln>
+                <a:solidFill>
+                  <a:schemeClr val="bg2">
+                    <a:lumMod val="10000"/>
+                  </a:schemeClr>
+                </a:solidFill>
+                <a:effectLst/>
+                <a:uFillTx/>
+                <a:latin typeface="Source Sans Pro"/>
+                <a:ea typeface="Source Sans Pro"/>
+                <a:cs typeface="Source Sans Pro"/>
+                <a:sym typeface="Source Sans Pro"/>
+              </a:rPr>
+              <a:t>can</a:t>
+            </a:r>
+            <a:r>
+              <a:rPr kumimoji="0" lang="fr-FR" sz="1200" b="0" i="0" u="none" strike="noStrike" cap="none" spc="0" normalizeH="0" baseline="0" dirty="0">
+                <a:ln>
+                  <a:noFill/>
+                </a:ln>
+                <a:solidFill>
+                  <a:schemeClr val="bg2">
+                    <a:lumMod val="10000"/>
+                  </a:schemeClr>
+                </a:solidFill>
+                <a:effectLst/>
+                <a:uFillTx/>
+                <a:latin typeface="Source Sans Pro"/>
+                <a:ea typeface="Source Sans Pro"/>
+                <a:cs typeface="Source Sans Pro"/>
+                <a:sym typeface="Source Sans Pro"/>
+              </a:rPr>
+              <a:t> have a light skin.</a:t>
+            </a:r>
+          </a:p>
+        </p:txBody>
+      </p:sp>
+      <p:sp>
+        <p:nvSpPr>
+          <p:cNvPr id="29" name="ZoneTexte 28">
+            <a:extLst>
+              <a:ext uri="{FF2B5EF4-FFF2-40B4-BE49-F238E27FC236}">
+                <a16:creationId xmlns:a16="http://schemas.microsoft.com/office/drawing/2014/main" id="{A324FADB-7FB3-5647-B727-B0829BED29C5}"/>
+              </a:ext>
+            </a:extLst>
+          </p:cNvPr>
+          <p:cNvSpPr txBox="1"/>
+          <p:nvPr/>
+        </p:nvSpPr>
+        <p:spPr>
+          <a:xfrm>
+            <a:off x="6357856" y="1979234"/>
+            <a:ext cx="636095" cy="628296"/>
+          </a:xfrm>
+          <a:prstGeom prst="rect">
+            <a:avLst/>
+          </a:prstGeom>
+          <a:noFill/>
+          <a:ln w="12700" cap="flat">
+            <a:noFill/>
+            <a:miter lim="400000"/>
+          </a:ln>
+          <a:effectLst/>
+          <a:sp3d/>
+        </p:spPr>
+        <p:style>
+          <a:lnRef idx="0">
+            <a:scrgbClr r="0" g="0" b="0"/>
+          </a:lnRef>
+          <a:fillRef idx="0">
+            <a:scrgbClr r="0" g="0" b="0"/>
+          </a:fillRef>
+          <a:effectRef idx="0">
+            <a:scrgbClr r="0" g="0" b="0"/>
+          </a:effectRef>
+          <a:fontRef idx="none"/>
+        </p:style>
+        <p:txBody>
+          <a:bodyPr rot="0" spcFirstLastPara="1" vertOverflow="overflow" horzOverflow="overflow" vert="horz" wrap="square" lIns="54570" tIns="54570" rIns="54570" bIns="54570" numCol="1" spcCol="38100" rtlCol="0" anchor="ctr">
+            <a:spAutoFit/>
+          </a:bodyPr>
+          <a:lstStyle/>
+          <a:p>
+            <a:pPr marL="0" marR="0" indent="0" algn="l" defTabSz="584200" rtl="0" fontAlgn="auto" latinLnBrk="0" hangingPunct="0">
+              <a:lnSpc>
+                <a:spcPct val="100000"/>
+              </a:lnSpc>
+              <a:spcBef>
+                <a:spcPts val="200"/>
+              </a:spcBef>
+              <a:spcAft>
+                <a:spcPts val="0"/>
+              </a:spcAft>
+              <a:buClrTx/>
+              <a:buSzTx/>
+              <a:buFontTx/>
+              <a:buNone/>
+              <a:tabLst/>
+            </a:pPr>
+            <a:r>
+              <a:rPr kumimoji="0" lang="fr-FR" sz="3200" b="1" i="0" u="none" strike="noStrike" cap="none" spc="0" normalizeH="0" baseline="0" dirty="0">
+                <a:ln>
+                  <a:noFill/>
+                </a:ln>
+                <a:solidFill>
+                  <a:srgbClr val="4C4C4C"/>
+                </a:solidFill>
+                <a:effectLst/>
+                <a:uFillTx/>
+                <a:latin typeface="Source Sans Pro"/>
+                <a:ea typeface="Source Sans Pro"/>
+                <a:cs typeface="Source Sans Pro"/>
+                <a:sym typeface="Source Sans Pro"/>
+              </a:rPr>
+              <a:t>(2)</a:t>
+            </a:r>
+          </a:p>
+        </p:txBody>
+      </p:sp>
+      <p:sp>
+        <p:nvSpPr>
+          <p:cNvPr id="114" name="ZoneTexte 113">
+            <a:extLst>
+              <a:ext uri="{FF2B5EF4-FFF2-40B4-BE49-F238E27FC236}">
+                <a16:creationId xmlns:a16="http://schemas.microsoft.com/office/drawing/2014/main" id="{36332C1B-4A3D-1642-B44D-92DCEDC4D11C}"/>
+              </a:ext>
+            </a:extLst>
+          </p:cNvPr>
+          <p:cNvSpPr txBox="1"/>
+          <p:nvPr/>
+        </p:nvSpPr>
+        <p:spPr>
+          <a:xfrm>
+            <a:off x="8450319" y="1419660"/>
+            <a:ext cx="636095" cy="628296"/>
+          </a:xfrm>
+          <a:prstGeom prst="rect">
+            <a:avLst/>
+          </a:prstGeom>
+          <a:noFill/>
+          <a:ln w="12700" cap="flat">
+            <a:noFill/>
+            <a:miter lim="400000"/>
+          </a:ln>
+          <a:effectLst/>
+          <a:sp3d/>
+        </p:spPr>
+        <p:style>
+          <a:lnRef idx="0">
+            <a:scrgbClr r="0" g="0" b="0"/>
+          </a:lnRef>
+          <a:fillRef idx="0">
+            <a:scrgbClr r="0" g="0" b="0"/>
+          </a:fillRef>
+          <a:effectRef idx="0">
+            <a:scrgbClr r="0" g="0" b="0"/>
+          </a:effectRef>
+          <a:fontRef idx="none"/>
+        </p:style>
+        <p:txBody>
+          <a:bodyPr rot="0" spcFirstLastPara="1" vertOverflow="overflow" horzOverflow="overflow" vert="horz" wrap="square" lIns="54570" tIns="54570" rIns="54570" bIns="54570" numCol="1" spcCol="38100" rtlCol="0" anchor="ctr">
+            <a:spAutoFit/>
+          </a:bodyPr>
+          <a:lstStyle/>
+          <a:p>
+            <a:pPr marL="0" marR="0" indent="0" algn="l" defTabSz="584200" rtl="0" fontAlgn="auto" latinLnBrk="0" hangingPunct="0">
+              <a:lnSpc>
+                <a:spcPct val="100000"/>
+              </a:lnSpc>
+              <a:spcBef>
+                <a:spcPts val="200"/>
+              </a:spcBef>
+              <a:spcAft>
+                <a:spcPts val="0"/>
+              </a:spcAft>
+              <a:buClrTx/>
+              <a:buSzTx/>
+              <a:buFontTx/>
+              <a:buNone/>
+              <a:tabLst/>
+            </a:pPr>
+            <a:r>
+              <a:rPr kumimoji="0" lang="fr-FR" sz="3200" b="1" i="0" u="none" strike="noStrike" cap="none" spc="0" normalizeH="0" baseline="0" dirty="0">
+                <a:ln>
+                  <a:noFill/>
+                </a:ln>
+                <a:solidFill>
+                  <a:srgbClr val="4C4C4C"/>
+                </a:solidFill>
+                <a:effectLst/>
+                <a:uFillTx/>
+                <a:latin typeface="Source Sans Pro"/>
+                <a:ea typeface="Source Sans Pro"/>
+                <a:cs typeface="Source Sans Pro"/>
+                <a:sym typeface="Source Sans Pro"/>
+              </a:rPr>
+              <a:t>(1)</a:t>
+            </a:r>
+          </a:p>
+        </p:txBody>
+      </p:sp>
+      <p:sp>
+        <p:nvSpPr>
+          <p:cNvPr id="115" name="ZoneTexte 114">
+            <a:extLst>
+              <a:ext uri="{FF2B5EF4-FFF2-40B4-BE49-F238E27FC236}">
+                <a16:creationId xmlns:a16="http://schemas.microsoft.com/office/drawing/2014/main" id="{0506E772-2844-4D42-9E34-8E027954B9FC}"/>
+              </a:ext>
+            </a:extLst>
+          </p:cNvPr>
+          <p:cNvSpPr txBox="1"/>
+          <p:nvPr/>
+        </p:nvSpPr>
+        <p:spPr>
+          <a:xfrm>
+            <a:off x="12297584" y="4131119"/>
+            <a:ext cx="636095" cy="628296"/>
+          </a:xfrm>
+          <a:prstGeom prst="rect">
+            <a:avLst/>
+          </a:prstGeom>
+          <a:noFill/>
+          <a:ln w="12700" cap="flat">
+            <a:noFill/>
+            <a:miter lim="400000"/>
+          </a:ln>
+          <a:effectLst/>
+          <a:sp3d/>
+        </p:spPr>
+        <p:style>
+          <a:lnRef idx="0">
+            <a:scrgbClr r="0" g="0" b="0"/>
+          </a:lnRef>
+          <a:fillRef idx="0">
+            <a:scrgbClr r="0" g="0" b="0"/>
+          </a:fillRef>
+          <a:effectRef idx="0">
+            <a:scrgbClr r="0" g="0" b="0"/>
+          </a:effectRef>
+          <a:fontRef idx="none"/>
+        </p:style>
+        <p:txBody>
+          <a:bodyPr rot="0" spcFirstLastPara="1" vertOverflow="overflow" horzOverflow="overflow" vert="horz" wrap="square" lIns="54570" tIns="54570" rIns="54570" bIns="54570" numCol="1" spcCol="38100" rtlCol="0" anchor="ctr">
+            <a:spAutoFit/>
+          </a:bodyPr>
+          <a:lstStyle/>
+          <a:p>
+            <a:pPr marL="0" marR="0" indent="0" algn="l" defTabSz="584200" rtl="0" fontAlgn="auto" latinLnBrk="0" hangingPunct="0">
+              <a:lnSpc>
+                <a:spcPct val="100000"/>
+              </a:lnSpc>
+              <a:spcBef>
+                <a:spcPts val="200"/>
+              </a:spcBef>
+              <a:spcAft>
+                <a:spcPts val="0"/>
+              </a:spcAft>
+              <a:buClrTx/>
+              <a:buSzTx/>
+              <a:buFontTx/>
+              <a:buNone/>
+              <a:tabLst/>
+            </a:pPr>
+            <a:r>
+              <a:rPr kumimoji="0" lang="fr-FR" sz="3200" b="1" i="0" u="none" strike="noStrike" cap="none" spc="0" normalizeH="0" baseline="0" dirty="0">
+                <a:ln>
+                  <a:noFill/>
+                </a:ln>
+                <a:solidFill>
+                  <a:schemeClr val="bg1"/>
+                </a:solidFill>
+                <a:effectLst/>
+                <a:uFillTx/>
+                <a:latin typeface="Source Sans Pro"/>
+                <a:ea typeface="Source Sans Pro"/>
+                <a:cs typeface="Source Sans Pro"/>
+                <a:sym typeface="Source Sans Pro"/>
+              </a:rPr>
+              <a:t>(3)</a:t>
+            </a:r>
+          </a:p>
+        </p:txBody>
+      </p:sp>
+      <p:sp>
+        <p:nvSpPr>
+          <p:cNvPr id="116" name="ZoneTexte 115">
+            <a:extLst>
+              <a:ext uri="{FF2B5EF4-FFF2-40B4-BE49-F238E27FC236}">
+                <a16:creationId xmlns:a16="http://schemas.microsoft.com/office/drawing/2014/main" id="{B65D1BC6-A441-E54B-9CB8-2C6CCB59F546}"/>
+              </a:ext>
+            </a:extLst>
+          </p:cNvPr>
+          <p:cNvSpPr txBox="1"/>
+          <p:nvPr/>
+        </p:nvSpPr>
+        <p:spPr>
+          <a:xfrm>
+            <a:off x="10007365" y="5750729"/>
+            <a:ext cx="636095" cy="628296"/>
+          </a:xfrm>
+          <a:prstGeom prst="rect">
+            <a:avLst/>
+          </a:prstGeom>
+          <a:noFill/>
+          <a:ln w="12700" cap="flat">
+            <a:noFill/>
+            <a:miter lim="400000"/>
+          </a:ln>
+          <a:effectLst/>
+          <a:sp3d/>
+        </p:spPr>
+        <p:style>
+          <a:lnRef idx="0">
+            <a:scrgbClr r="0" g="0" b="0"/>
+          </a:lnRef>
+          <a:fillRef idx="0">
+            <a:scrgbClr r="0" g="0" b="0"/>
+          </a:fillRef>
+          <a:effectRef idx="0">
+            <a:scrgbClr r="0" g="0" b="0"/>
+          </a:effectRef>
+          <a:fontRef idx="none"/>
+        </p:style>
+        <p:txBody>
+          <a:bodyPr rot="0" spcFirstLastPara="1" vertOverflow="overflow" horzOverflow="overflow" vert="horz" wrap="square" lIns="54570" tIns="54570" rIns="54570" bIns="54570" numCol="1" spcCol="38100" rtlCol="0" anchor="ctr">
+            <a:spAutoFit/>
+          </a:bodyPr>
+          <a:lstStyle/>
+          <a:p>
+            <a:pPr marL="0" marR="0" indent="0" algn="l" defTabSz="584200" rtl="0" fontAlgn="auto" latinLnBrk="0" hangingPunct="0">
+              <a:lnSpc>
+                <a:spcPct val="100000"/>
+              </a:lnSpc>
+              <a:spcBef>
+                <a:spcPts val="200"/>
+              </a:spcBef>
+              <a:spcAft>
+                <a:spcPts val="0"/>
+              </a:spcAft>
+              <a:buClrTx/>
+              <a:buSzTx/>
+              <a:buFontTx/>
+              <a:buNone/>
+              <a:tabLst/>
+            </a:pPr>
+            <a:r>
+              <a:rPr kumimoji="0" lang="fr-FR" sz="3200" b="1" i="0" u="none" strike="noStrike" cap="none" spc="0" normalizeH="0" baseline="0" dirty="0">
+                <a:ln>
+                  <a:noFill/>
+                </a:ln>
+                <a:solidFill>
+                  <a:srgbClr val="4C4C4C"/>
+                </a:solidFill>
+                <a:effectLst/>
+                <a:uFillTx/>
+                <a:latin typeface="Source Sans Pro"/>
+                <a:ea typeface="Source Sans Pro"/>
+                <a:cs typeface="Source Sans Pro"/>
+                <a:sym typeface="Source Sans Pro"/>
+              </a:rPr>
+              <a:t>(4)</a:t>
+            </a:r>
+          </a:p>
+        </p:txBody>
+      </p:sp>
+      <p:sp>
+        <p:nvSpPr>
+          <p:cNvPr id="30" name="ZoneTexte 29">
+            <a:extLst>
+              <a:ext uri="{FF2B5EF4-FFF2-40B4-BE49-F238E27FC236}">
+                <a16:creationId xmlns:a16="http://schemas.microsoft.com/office/drawing/2014/main" id="{87B20D7F-9C5C-2949-A446-BC677C412724}"/>
+              </a:ext>
+            </a:extLst>
+          </p:cNvPr>
+          <p:cNvSpPr txBox="1"/>
+          <p:nvPr/>
+        </p:nvSpPr>
+        <p:spPr>
+          <a:xfrm>
+            <a:off x="4398082" y="1556610"/>
+            <a:ext cx="2055717" cy="505186"/>
+          </a:xfrm>
+          <a:prstGeom prst="rect">
+            <a:avLst/>
+          </a:prstGeom>
+          <a:noFill/>
+          <a:ln w="12700" cap="flat">
+            <a:noFill/>
+            <a:miter lim="400000"/>
+          </a:ln>
+          <a:effectLst/>
+          <a:sp3d/>
+        </p:spPr>
+        <p:style>
+          <a:lnRef idx="0">
+            <a:scrgbClr r="0" g="0" b="0"/>
+          </a:lnRef>
+          <a:fillRef idx="0">
+            <a:scrgbClr r="0" g="0" b="0"/>
+          </a:fillRef>
+          <a:effectRef idx="0">
+            <a:scrgbClr r="0" g="0" b="0"/>
+          </a:effectRef>
+          <a:fontRef idx="none"/>
+        </p:style>
+        <p:txBody>
+          <a:bodyPr rot="0" spcFirstLastPara="1" vertOverflow="overflow" horzOverflow="overflow" vert="horz" wrap="square" lIns="54570" tIns="54570" rIns="54570" bIns="54570" numCol="1" spcCol="38100" rtlCol="0" anchor="ctr">
+            <a:spAutoFit/>
+          </a:bodyPr>
+          <a:lstStyle/>
+          <a:p>
+            <a:pPr marL="0" marR="0" indent="0" algn="l" defTabSz="584200" rtl="0" fontAlgn="auto" latinLnBrk="0" hangingPunct="0">
+              <a:lnSpc>
+                <a:spcPct val="100000"/>
+              </a:lnSpc>
+              <a:spcBef>
+                <a:spcPts val="200"/>
+              </a:spcBef>
+              <a:spcAft>
+                <a:spcPts val="0"/>
+              </a:spcAft>
+              <a:buClrTx/>
+              <a:buSzTx/>
+              <a:buFontTx/>
+              <a:buNone/>
+              <a:tabLst/>
+            </a:pPr>
+            <a:r>
+              <a:rPr kumimoji="0" lang="fr-FR" sz="1200" b="0" i="0" u="none" strike="noStrike" cap="none" spc="0" normalizeH="0" baseline="0" dirty="0">
+                <a:ln>
+                  <a:noFill/>
+                </a:ln>
+                <a:solidFill>
+                  <a:schemeClr val="bg2">
+                    <a:lumMod val="10000"/>
+                  </a:schemeClr>
+                </a:solidFill>
+                <a:effectLst/>
+                <a:uFillTx/>
+                <a:latin typeface="Source Sans Pro"/>
+                <a:ea typeface="Source Sans Pro"/>
+                <a:cs typeface="Source Sans Pro"/>
+                <a:sym typeface="Source Sans Pro"/>
+              </a:rPr>
+              <a:t>bs4Dash has the </a:t>
+            </a:r>
+            <a:r>
+              <a:rPr kumimoji="0" lang="fr-FR" sz="1200" b="0" i="0" u="none" strike="noStrike" cap="none" spc="0" normalizeH="0" baseline="0" dirty="0" err="1">
+                <a:ln>
+                  <a:noFill/>
+                </a:ln>
+                <a:solidFill>
+                  <a:schemeClr val="bg2">
+                    <a:lumMod val="10000"/>
+                  </a:schemeClr>
+                </a:solidFill>
+                <a:effectLst/>
+                <a:uFillTx/>
+                <a:latin typeface="Source Sans Pro"/>
+                <a:ea typeface="Source Sans Pro"/>
+                <a:cs typeface="Source Sans Pro"/>
+                <a:sym typeface="Source Sans Pro"/>
+              </a:rPr>
+              <a:t>same</a:t>
+            </a:r>
+            <a:r>
+              <a:rPr kumimoji="0" lang="fr-FR" sz="1200" b="0" i="0" u="none" strike="noStrike" cap="none" spc="0" normalizeH="0" baseline="0" dirty="0">
+                <a:ln>
+                  <a:noFill/>
+                </a:ln>
+                <a:solidFill>
+                  <a:schemeClr val="bg2">
+                    <a:lumMod val="10000"/>
+                  </a:schemeClr>
+                </a:solidFill>
+                <a:effectLst/>
+                <a:uFillTx/>
+                <a:latin typeface="Source Sans Pro"/>
+                <a:ea typeface="Source Sans Pro"/>
+                <a:cs typeface="Source Sans Pro"/>
+                <a:sym typeface="Source Sans Pro"/>
+              </a:rPr>
+              <a:t> structure as </a:t>
+            </a:r>
+            <a:r>
+              <a:rPr kumimoji="0" lang="fr-FR" sz="1200" b="0" i="0" u="none" strike="noStrike" cap="none" spc="0" normalizeH="0" baseline="0" dirty="0" err="1">
+                <a:ln>
+                  <a:noFill/>
+                </a:ln>
+                <a:solidFill>
+                  <a:schemeClr val="bg2">
+                    <a:lumMod val="10000"/>
+                  </a:schemeClr>
+                </a:solidFill>
+                <a:effectLst/>
+                <a:uFillTx/>
+                <a:latin typeface="Source Sans Pro"/>
+                <a:ea typeface="Source Sans Pro"/>
+                <a:cs typeface="Source Sans Pro"/>
+                <a:sym typeface="Source Sans Pro"/>
+              </a:rPr>
+              <a:t>shinydashboard</a:t>
+            </a:r>
+            <a:endParaRPr kumimoji="0" lang="fr-FR" sz="1200" b="0" i="0" u="none" strike="noStrike" cap="none" spc="0" normalizeH="0" baseline="0" dirty="0">
+              <a:ln>
+                <a:noFill/>
+              </a:ln>
+              <a:solidFill>
+                <a:schemeClr val="bg2">
+                  <a:lumMod val="10000"/>
+                </a:schemeClr>
+              </a:solidFill>
+              <a:effectLst/>
+              <a:uFillTx/>
+              <a:latin typeface="Source Sans Pro"/>
+              <a:ea typeface="Source Sans Pro"/>
+              <a:cs typeface="Source Sans Pro"/>
+              <a:sym typeface="Source Sans Pro"/>
+            </a:endParaRPr>
+          </a:p>
+        </p:txBody>
+      </p:sp>
+      <p:sp>
+        <p:nvSpPr>
+          <p:cNvPr id="119" name="Rectangle">
+            <a:extLst>
+              <a:ext uri="{FF2B5EF4-FFF2-40B4-BE49-F238E27FC236}">
+                <a16:creationId xmlns:a16="http://schemas.microsoft.com/office/drawing/2014/main" id="{E9FB5A7C-F7E5-004E-918D-33D8DDDB8CBA}"/>
+              </a:ext>
+            </a:extLst>
+          </p:cNvPr>
+          <p:cNvSpPr/>
+          <p:nvPr/>
+        </p:nvSpPr>
+        <p:spPr>
+          <a:xfrm>
+            <a:off x="292175" y="3048153"/>
+            <a:ext cx="2806700" cy="372247"/>
+          </a:xfrm>
+          <a:prstGeom prst="rect">
+            <a:avLst/>
+          </a:prstGeom>
+          <a:gradFill flip="none" rotWithShape="1">
+            <a:gsLst>
+              <a:gs pos="0">
+                <a:srgbClr val="FFFFFF">
+                  <a:alpha val="32629"/>
+                </a:srgbClr>
+              </a:gs>
+              <a:gs pos="100000">
+                <a:schemeClr val="accent1">
+                  <a:lumMod val="60000"/>
+                  <a:lumOff val="40000"/>
+                  <a:alpha val="39000"/>
+                </a:schemeClr>
+              </a:gs>
+            </a:gsLst>
+            <a:lin ang="16200000" scaled="0"/>
+          </a:gradFill>
+          <a:ln w="12700" cap="flat">
+            <a:noFill/>
+            <a:miter lim="400000"/>
+          </a:ln>
+          <a:effectLst/>
+        </p:spPr>
+        <p:txBody>
+          <a:bodyPr wrap="square" lIns="54570" tIns="54570" rIns="54570" bIns="54570" numCol="1" anchor="ctr">
+            <a:noAutofit/>
+          </a:bodyPr>
+          <a:lstStyle/>
+          <a:p>
+            <a:pPr>
+              <a:lnSpc>
+                <a:spcPct val="80000"/>
+              </a:lnSpc>
+              <a:spcBef>
+                <a:spcPts val="0"/>
+              </a:spcBef>
+              <a:defRPr b="0">
+                <a:solidFill>
+                  <a:srgbClr val="000000"/>
+                </a:solidFill>
+              </a:defRPr>
+            </a:pPr>
+            <a:endParaRPr/>
+          </a:p>
+        </p:txBody>
+      </p:sp>
+      <p:sp>
+        <p:nvSpPr>
+          <p:cNvPr id="31" name="ZoneTexte 30">
+            <a:extLst>
+              <a:ext uri="{FF2B5EF4-FFF2-40B4-BE49-F238E27FC236}">
+                <a16:creationId xmlns:a16="http://schemas.microsoft.com/office/drawing/2014/main" id="{9D3A33A8-704E-AA40-AB7B-8403BF506455}"/>
+              </a:ext>
+            </a:extLst>
+          </p:cNvPr>
+          <p:cNvSpPr txBox="1"/>
+          <p:nvPr/>
+        </p:nvSpPr>
+        <p:spPr>
+          <a:xfrm>
+            <a:off x="9084618" y="5122918"/>
+            <a:ext cx="2700749" cy="505186"/>
+          </a:xfrm>
+          <a:prstGeom prst="rect">
+            <a:avLst/>
+          </a:prstGeom>
+          <a:noFill/>
+          <a:ln w="12700" cap="flat">
+            <a:noFill/>
+            <a:miter lim="400000"/>
+          </a:ln>
+          <a:effectLst/>
+          <a:sp3d/>
+        </p:spPr>
+        <p:style>
+          <a:lnRef idx="0">
+            <a:scrgbClr r="0" g="0" b="0"/>
+          </a:lnRef>
+          <a:fillRef idx="0">
+            <a:scrgbClr r="0" g="0" b="0"/>
+          </a:fillRef>
+          <a:effectRef idx="0">
+            <a:scrgbClr r="0" g="0" b="0"/>
+          </a:effectRef>
+          <a:fontRef idx="none"/>
+        </p:style>
+        <p:txBody>
+          <a:bodyPr rot="0" spcFirstLastPara="1" vertOverflow="overflow" horzOverflow="overflow" vert="horz" wrap="square" lIns="54570" tIns="54570" rIns="54570" bIns="54570" numCol="1" spcCol="38100" rtlCol="0" anchor="ctr">
+            <a:spAutoFit/>
+          </a:bodyPr>
+          <a:lstStyle/>
+          <a:p>
+            <a:pPr marL="0" marR="0" indent="0" algn="l" defTabSz="584200" rtl="0" fontAlgn="auto" latinLnBrk="0" hangingPunct="0">
+              <a:lnSpc>
+                <a:spcPct val="100000"/>
+              </a:lnSpc>
+              <a:spcBef>
+                <a:spcPts val="200"/>
+              </a:spcBef>
+              <a:spcAft>
+                <a:spcPts val="0"/>
+              </a:spcAft>
+              <a:buClrTx/>
+              <a:buSzTx/>
+              <a:buFontTx/>
+              <a:buNone/>
+              <a:tabLst/>
+            </a:pPr>
+            <a:r>
+              <a:rPr kumimoji="0" lang="fr-FR" sz="1200" i="0" u="none" strike="noStrike" cap="none" spc="0" normalizeH="0" baseline="0" dirty="0">
+                <a:ln>
+                  <a:noFill/>
+                </a:ln>
+                <a:solidFill>
+                  <a:srgbClr val="FF0000"/>
+                </a:solidFill>
+                <a:effectLst/>
+                <a:uFillTx/>
+                <a:latin typeface="Source Sans Pro"/>
+                <a:ea typeface="Source Sans Pro"/>
+                <a:cs typeface="Source Sans Pro"/>
+                <a:sym typeface="Source Sans Pro"/>
+              </a:rPr>
+              <a:t>The </a:t>
+            </a:r>
+            <a:r>
+              <a:rPr kumimoji="0" lang="fr-FR" sz="1200" i="0" u="none" strike="noStrike" cap="none" spc="0" normalizeH="0" baseline="0" dirty="0" err="1">
+                <a:ln>
+                  <a:noFill/>
+                </a:ln>
+                <a:solidFill>
+                  <a:srgbClr val="FF0000"/>
+                </a:solidFill>
+                <a:effectLst/>
+                <a:uFillTx/>
+                <a:latin typeface="Source Sans Pro"/>
+                <a:ea typeface="Source Sans Pro"/>
+                <a:cs typeface="Source Sans Pro"/>
+                <a:sym typeface="Source Sans Pro"/>
+              </a:rPr>
+              <a:t>tabName</a:t>
+            </a:r>
+            <a:r>
+              <a:rPr kumimoji="0" lang="fr-FR" sz="1200" i="0" u="none" strike="noStrike" cap="none" spc="0" normalizeH="0" baseline="0" dirty="0">
+                <a:ln>
+                  <a:noFill/>
+                </a:ln>
+                <a:solidFill>
+                  <a:srgbClr val="FF0000"/>
+                </a:solidFill>
+                <a:effectLst/>
+                <a:uFillTx/>
+                <a:latin typeface="Source Sans Pro"/>
+                <a:ea typeface="Source Sans Pro"/>
+                <a:cs typeface="Source Sans Pro"/>
+                <a:sym typeface="Source Sans Pro"/>
+              </a:rPr>
+              <a:t> must correspond to the </a:t>
+            </a:r>
+            <a:r>
+              <a:rPr kumimoji="0" lang="fr-FR" sz="1200" i="0" u="none" strike="noStrike" cap="none" spc="0" normalizeH="0" baseline="0" dirty="0" err="1">
+                <a:ln>
+                  <a:noFill/>
+                </a:ln>
+                <a:solidFill>
+                  <a:srgbClr val="FF0000"/>
+                </a:solidFill>
+                <a:effectLst/>
+                <a:uFillTx/>
+                <a:latin typeface="Source Sans Pro"/>
+                <a:ea typeface="Source Sans Pro"/>
+                <a:cs typeface="Source Sans Pro"/>
+                <a:sym typeface="Source Sans Pro"/>
+              </a:rPr>
+              <a:t>related</a:t>
+            </a:r>
+            <a:r>
+              <a:rPr kumimoji="0" lang="fr-FR" sz="1200" i="0" u="none" strike="noStrike" cap="none" spc="0" normalizeH="0" baseline="0" dirty="0">
+                <a:ln>
+                  <a:noFill/>
+                </a:ln>
+                <a:solidFill>
+                  <a:srgbClr val="FF0000"/>
+                </a:solidFill>
+                <a:effectLst/>
+                <a:uFillTx/>
+                <a:latin typeface="Source Sans Pro"/>
+                <a:ea typeface="Source Sans Pro"/>
+                <a:cs typeface="Source Sans Pro"/>
+                <a:sym typeface="Source Sans Pro"/>
+              </a:rPr>
+              <a:t> item in the </a:t>
+            </a:r>
+            <a:r>
+              <a:rPr kumimoji="0" lang="fr-FR" sz="1200" i="0" u="none" strike="noStrike" cap="none" spc="0" normalizeH="0" baseline="0" dirty="0" err="1">
+                <a:ln>
+                  <a:noFill/>
+                </a:ln>
+                <a:solidFill>
+                  <a:srgbClr val="FF0000"/>
+                </a:solidFill>
+                <a:effectLst/>
+                <a:uFillTx/>
+                <a:latin typeface="Source Sans Pro"/>
+                <a:ea typeface="Source Sans Pro"/>
+                <a:cs typeface="Source Sans Pro"/>
+                <a:sym typeface="Source Sans Pro"/>
+              </a:rPr>
+              <a:t>sidebar</a:t>
+            </a:r>
+            <a:endParaRPr kumimoji="0" lang="fr-FR" sz="1200" i="0" u="none" strike="noStrike" cap="none" spc="0" normalizeH="0" baseline="0" dirty="0">
+              <a:ln>
+                <a:noFill/>
+              </a:ln>
+              <a:solidFill>
+                <a:srgbClr val="FF0000"/>
+              </a:solidFill>
+              <a:effectLst/>
+              <a:uFillTx/>
+              <a:latin typeface="Source Sans Pro"/>
+              <a:ea typeface="Source Sans Pro"/>
+              <a:cs typeface="Source Sans Pro"/>
+              <a:sym typeface="Source Sans Pro"/>
+            </a:endParaRPr>
           </a:p>
         </p:txBody>
       </p:sp>
@@ -9459,7 +12103,7 @@
         </p:nvSpPr>
         <p:spPr>
           <a:xfrm>
-            <a:off x="258957" y="6665560"/>
+            <a:off x="258957" y="5210045"/>
             <a:ext cx="1633460" cy="340029"/>
           </a:xfrm>
           <a:prstGeom prst="rect">
@@ -9470,7 +12114,7 @@
           </a:ln>
           <a:extLst>
             <a:ext uri="{C572A759-6A51-4108-AA02-DFA0A04FC94B}">
-              <ma14:wrappingTextBoxFlag xmlns="" xmlns:m="http://schemas.openxmlformats.org/officeDocument/2006/math" xmlns:a14="http://schemas.microsoft.com/office/drawing/2010/main" xmlns:ma14="http://schemas.microsoft.com/office/mac/drawingml/2011/main" val="1"/>
+              <ma14:wrappingTextBoxFlag xmlns:ma14="http://schemas.microsoft.com/office/mac/drawingml/2011/main" xmlns:a14="http://schemas.microsoft.com/office/drawing/2010/main" xmlns:m="http://schemas.openxmlformats.org/officeDocument/2006/math" xmlns="" val="1"/>
             </a:ext>
           </a:extLst>
         </p:spPr>
@@ -9519,7 +12163,7 @@
         </p:nvSpPr>
         <p:spPr>
           <a:xfrm>
-            <a:off x="267608" y="6619675"/>
+            <a:off x="267608" y="5164160"/>
             <a:ext cx="3079672" cy="0"/>
           </a:xfrm>
           <a:prstGeom prst="line">
@@ -9567,8 +12211,8 @@
         </p:nvSpPr>
         <p:spPr>
           <a:xfrm>
-            <a:off x="4276483" y="898674"/>
-            <a:ext cx="4118291" cy="9660477"/>
+            <a:off x="4276483" y="3822403"/>
+            <a:ext cx="4118291" cy="6736747"/>
           </a:xfrm>
           <a:prstGeom prst="rect">
             <a:avLst/>
@@ -9667,8 +12311,8 @@
         </p:nvSpPr>
         <p:spPr>
           <a:xfrm>
-            <a:off x="4973548" y="431603"/>
-            <a:ext cx="2603277" cy="340029"/>
+            <a:off x="4233794" y="3358585"/>
+            <a:ext cx="3709349" cy="340029"/>
           </a:xfrm>
           <a:prstGeom prst="rect">
             <a:avLst/>
@@ -9678,7 +12322,7 @@
           </a:ln>
           <a:extLst>
             <a:ext uri="{C572A759-6A51-4108-AA02-DFA0A04FC94B}">
-              <ma14:wrappingTextBoxFlag xmlns="" xmlns:m="http://schemas.openxmlformats.org/officeDocument/2006/math" xmlns:a14="http://schemas.microsoft.com/office/drawing/2010/main" xmlns:ma14="http://schemas.microsoft.com/office/mac/drawingml/2011/main" val="1"/>
+              <ma14:wrappingTextBoxFlag xmlns:ma14="http://schemas.microsoft.com/office/mac/drawingml/2011/main" xmlns:a14="http://schemas.microsoft.com/office/drawing/2010/main" xmlns:m="http://schemas.openxmlformats.org/officeDocument/2006/math" xmlns="" val="1"/>
             </a:ext>
           </a:extLst>
         </p:spPr>
@@ -9708,6 +12352,10 @@
             <a:r>
               <a:rPr lang="fr-FR" dirty="0" err="1"/>
               <a:t>Elements</a:t>
+            </a:r>
+            <a:r>
+              <a:rPr lang="fr-FR" dirty="0"/>
+              <a:t> (not all)</a:t>
             </a:r>
             <a:endParaRPr dirty="0"/>
           </a:p>
@@ -9727,7 +12375,7 @@
         </p:nvSpPr>
         <p:spPr>
           <a:xfrm flipV="1">
-            <a:off x="4032642" y="343513"/>
+            <a:off x="4219349" y="3256306"/>
             <a:ext cx="4118291" cy="0"/>
           </a:xfrm>
           <a:prstGeom prst="line">
@@ -9757,69 +12405,6 @@
                 </a:solidFill>
               </a:defRPr>
             </a:pPr>
-            <a:endParaRPr dirty="0"/>
-          </a:p>
-        </p:txBody>
-      </p:sp>
-      <p:sp>
-        <p:nvSpPr>
-          <p:cNvPr id="63" name="ggplot(mpg, aes(hwy, cty)) +…">
-            <a:extLst>
-              <a:ext uri="{FF2B5EF4-FFF2-40B4-BE49-F238E27FC236}">
-                <a16:creationId xmlns:a16="http://schemas.microsoft.com/office/drawing/2014/main" id="{43152250-0383-FB43-9E33-332DF7284F57}"/>
-              </a:ext>
-            </a:extLst>
-          </p:cNvPr>
-          <p:cNvSpPr txBox="1"/>
-          <p:nvPr/>
-        </p:nvSpPr>
-        <p:spPr>
-          <a:xfrm>
-            <a:off x="617469" y="7186159"/>
-            <a:ext cx="2700979" cy="294872"/>
-          </a:xfrm>
-          <a:prstGeom prst="rect">
-            <a:avLst/>
-          </a:prstGeom>
-          <a:solidFill>
-            <a:srgbClr val="FFFFFF"/>
-          </a:solidFill>
-          <a:ln w="12700">
-            <a:solidFill>
-              <a:srgbClr val="A6AAA9"/>
-            </a:solidFill>
-            <a:miter lim="400000"/>
-          </a:ln>
-          <a:extLst>
-            <a:ext uri="{C572A759-6A51-4108-AA02-DFA0A04FC94B}">
-              <ma14:wrappingTextBoxFlag xmlns="" xmlns:m="http://schemas.openxmlformats.org/officeDocument/2006/math" xmlns:a14="http://schemas.microsoft.com/office/drawing/2010/main" xmlns:ma14="http://schemas.microsoft.com/office/mac/drawingml/2011/main" val="1"/>
-            </a:ext>
-          </a:extLst>
-        </p:spPr>
-        <p:txBody>
-          <a:bodyPr wrap="square" lIns="54570" tIns="54570" rIns="54570" bIns="54570" anchor="ctr">
-            <a:spAutoFit/>
-          </a:bodyPr>
-          <a:lstStyle/>
-          <a:p>
-            <a:pPr>
-              <a:spcBef>
-                <a:spcPts val="0"/>
-              </a:spcBef>
-              <a:defRPr b="0">
-                <a:solidFill>
-                  <a:srgbClr val="000000"/>
-                </a:solidFill>
-                <a:latin typeface="Menlo"/>
-                <a:ea typeface="Menlo"/>
-                <a:cs typeface="Menlo"/>
-                <a:sym typeface="Menlo"/>
-              </a:defRPr>
-            </a:pPr>
-            <a:r>
-              <a:rPr lang="fr-FR" dirty="0"/>
-              <a:t>bs4UserCard()</a:t>
-            </a:r>
             <a:endParaRPr dirty="0"/>
           </a:p>
         </p:txBody>
@@ -9838,8 +12423,8 @@
         </p:nvSpPr>
         <p:spPr>
           <a:xfrm>
-            <a:off x="4975731" y="1001533"/>
-            <a:ext cx="2700979" cy="848870"/>
+            <a:off x="4991948" y="4071785"/>
+            <a:ext cx="2143527" cy="848870"/>
           </a:xfrm>
           <a:prstGeom prst="rect">
             <a:avLst/>
@@ -9855,7 +12440,7 @@
           </a:ln>
           <a:extLst>
             <a:ext uri="{C572A759-6A51-4108-AA02-DFA0A04FC94B}">
-              <ma14:wrappingTextBoxFlag xmlns="" xmlns:m="http://schemas.openxmlformats.org/officeDocument/2006/math" xmlns:a14="http://schemas.microsoft.com/office/drawing/2010/main" xmlns:ma14="http://schemas.microsoft.com/office/mac/drawingml/2011/main" val="1"/>
+              <ma14:wrappingTextBoxFlag xmlns:ma14="http://schemas.microsoft.com/office/mac/drawingml/2011/main" xmlns:a14="http://schemas.microsoft.com/office/drawing/2010/main" xmlns:m="http://schemas.openxmlformats.org/officeDocument/2006/math" xmlns="" val="1"/>
             </a:ext>
           </a:extLst>
         </p:spPr>
@@ -9977,8 +12562,8 @@
         </p:nvSpPr>
         <p:spPr>
           <a:xfrm>
-            <a:off x="5024761" y="6497801"/>
-            <a:ext cx="2700979" cy="664204"/>
+            <a:off x="5024762" y="6747182"/>
+            <a:ext cx="2094496" cy="664204"/>
           </a:xfrm>
           <a:prstGeom prst="rect">
             <a:avLst/>
@@ -9994,7 +12579,7 @@
           </a:ln>
           <a:extLst>
             <a:ext uri="{C572A759-6A51-4108-AA02-DFA0A04FC94B}">
-              <ma14:wrappingTextBoxFlag xmlns="" xmlns:m="http://schemas.openxmlformats.org/officeDocument/2006/math" xmlns:a14="http://schemas.microsoft.com/office/drawing/2010/main" xmlns:ma14="http://schemas.microsoft.com/office/mac/drawingml/2011/main" val="1"/>
+              <ma14:wrappingTextBoxFlag xmlns:ma14="http://schemas.microsoft.com/office/mac/drawingml/2011/main" xmlns:a14="http://schemas.microsoft.com/office/drawing/2010/main" xmlns:m="http://schemas.openxmlformats.org/officeDocument/2006/math" xmlns="" val="1"/>
             </a:ext>
           </a:extLst>
         </p:spPr>
@@ -10102,7 +12687,7 @@
           </a:ln>
           <a:extLst>
             <a:ext uri="{C572A759-6A51-4108-AA02-DFA0A04FC94B}">
-              <ma14:wrappingTextBoxFlag xmlns="" xmlns:m="http://schemas.openxmlformats.org/officeDocument/2006/math" xmlns:a14="http://schemas.microsoft.com/office/drawing/2010/main" xmlns:ma14="http://schemas.microsoft.com/office/mac/drawingml/2011/main" val="1"/>
+              <ma14:wrappingTextBoxFlag xmlns:ma14="http://schemas.microsoft.com/office/mac/drawingml/2011/main" xmlns:a14="http://schemas.microsoft.com/office/drawing/2010/main" xmlns:m="http://schemas.openxmlformats.org/officeDocument/2006/math" xmlns="" val="1"/>
             </a:ext>
           </a:extLst>
         </p:spPr>
@@ -10151,8 +12736,8 @@
         </p:nvSpPr>
         <p:spPr>
           <a:xfrm>
-            <a:off x="258957" y="898675"/>
-            <a:ext cx="3438881" cy="3856206"/>
+            <a:off x="258957" y="898674"/>
+            <a:ext cx="3438881" cy="4071529"/>
           </a:xfrm>
           <a:prstGeom prst="rect">
             <a:avLst/>
@@ -10201,8 +12786,8 @@
         </p:nvSpPr>
         <p:spPr>
           <a:xfrm>
-            <a:off x="486097" y="1082171"/>
-            <a:ext cx="2700979" cy="294872"/>
+            <a:off x="1155867" y="1082195"/>
+            <a:ext cx="1297644" cy="294872"/>
           </a:xfrm>
           <a:prstGeom prst="rect">
             <a:avLst/>
@@ -10218,7 +12803,7 @@
           </a:ln>
           <a:extLst>
             <a:ext uri="{C572A759-6A51-4108-AA02-DFA0A04FC94B}">
-              <ma14:wrappingTextBoxFlag xmlns="" xmlns:m="http://schemas.openxmlformats.org/officeDocument/2006/math" xmlns:a14="http://schemas.microsoft.com/office/drawing/2010/main" xmlns:ma14="http://schemas.microsoft.com/office/mac/drawingml/2011/main" val="1"/>
+              <ma14:wrappingTextBoxFlag xmlns:ma14="http://schemas.microsoft.com/office/mac/drawingml/2011/main" xmlns:a14="http://schemas.microsoft.com/office/drawing/2010/main" xmlns:m="http://schemas.openxmlformats.org/officeDocument/2006/math" xmlns="" val="1"/>
             </a:ext>
           </a:extLst>
         </p:spPr>
@@ -10264,13 +12849,13 @@
         </p:nvSpPr>
         <p:spPr>
           <a:xfrm>
-            <a:off x="14518584" y="6553222"/>
+            <a:off x="11456364" y="1685683"/>
             <a:ext cx="1390895" cy="257939"/>
           </a:xfrm>
           <a:prstGeom prst="wedgeRectCallout">
             <a:avLst>
-              <a:gd name="adj1" fmla="val -72478"/>
-              <a:gd name="adj2" fmla="val 19807"/>
+              <a:gd name="adj1" fmla="val 20999"/>
+              <a:gd name="adj2" fmla="val 119511"/>
             </a:avLst>
           </a:prstGeom>
           <a:blipFill rotWithShape="1">
@@ -10360,10 +12945,10 @@
       </p:sp>
       <p:sp>
         <p:nvSpPr>
-          <p:cNvPr id="79" name="Bulle rectangulaire 78">
+          <p:cNvPr id="80" name="Bulle rectangulaire 79">
             <a:extLst>
               <a:ext uri="{FF2B5EF4-FFF2-40B4-BE49-F238E27FC236}">
-                <a16:creationId xmlns:a16="http://schemas.microsoft.com/office/drawing/2014/main" id="{B064F78D-846E-EB48-920B-3A88A3E223DA}"/>
+                <a16:creationId xmlns:a16="http://schemas.microsoft.com/office/drawing/2014/main" id="{0AD2443A-435C-6748-ACF3-A019837FD8B9}"/>
               </a:ext>
             </a:extLst>
           </p:cNvPr>
@@ -10372,13 +12957,13 @@
         </p:nvSpPr>
         <p:spPr>
           <a:xfrm>
-            <a:off x="14464513" y="7653963"/>
-            <a:ext cx="1499036" cy="257939"/>
+            <a:off x="9730934" y="1289989"/>
+            <a:ext cx="943667" cy="257939"/>
           </a:xfrm>
           <a:prstGeom prst="wedgeRectCallout">
             <a:avLst>
-              <a:gd name="adj1" fmla="val -37505"/>
-              <a:gd name="adj2" fmla="val -143452"/>
+              <a:gd name="adj1" fmla="val -21001"/>
+              <a:gd name="adj2" fmla="val 119511"/>
             </a:avLst>
           </a:prstGeom>
           <a:blipFill rotWithShape="1">
@@ -10439,114 +13024,6 @@
                   <a:schemeClr val="bg1"/>
                 </a:solidFill>
               </a:rPr>
-              <a:t>verticalProgress</a:t>
-            </a:r>
-            <a:r>
-              <a:rPr lang="fr-FR" dirty="0">
-                <a:solidFill>
-                  <a:schemeClr val="bg1"/>
-                </a:solidFill>
-              </a:rPr>
-              <a:t>()</a:t>
-            </a:r>
-            <a:endParaRPr kumimoji="0" lang="fr-FR" sz="1200" i="0" u="none" strike="noStrike" cap="none" spc="0" normalizeH="0" baseline="0" dirty="0">
-              <a:ln>
-                <a:noFill/>
-              </a:ln>
-              <a:solidFill>
-                <a:schemeClr val="bg1"/>
-              </a:solidFill>
-              <a:effectLst/>
-              <a:uFillTx/>
-              <a:latin typeface="Source Sans Pro"/>
-              <a:ea typeface="Source Sans Pro"/>
-              <a:cs typeface="Source Sans Pro"/>
-              <a:sym typeface="Source Sans Pro"/>
-            </a:endParaRPr>
-          </a:p>
-        </p:txBody>
-      </p:sp>
-      <p:sp>
-        <p:nvSpPr>
-          <p:cNvPr id="80" name="Bulle rectangulaire 79">
-            <a:extLst>
-              <a:ext uri="{FF2B5EF4-FFF2-40B4-BE49-F238E27FC236}">
-                <a16:creationId xmlns:a16="http://schemas.microsoft.com/office/drawing/2014/main" id="{0AD2443A-435C-6748-ACF3-A019837FD8B9}"/>
-              </a:ext>
-            </a:extLst>
-          </p:cNvPr>
-          <p:cNvSpPr/>
-          <p:nvPr/>
-        </p:nvSpPr>
-        <p:spPr>
-          <a:xfrm>
-            <a:off x="14323685" y="5728912"/>
-            <a:ext cx="943667" cy="257939"/>
-          </a:xfrm>
-          <a:prstGeom prst="wedgeRectCallout">
-            <a:avLst>
-              <a:gd name="adj1" fmla="val -72478"/>
-              <a:gd name="adj2" fmla="val 19807"/>
-            </a:avLst>
-          </a:prstGeom>
-          <a:blipFill rotWithShape="1">
-            <a:blip r:embed="rId4"/>
-            <a:srcRect/>
-            <a:tile tx="0" ty="0" sx="100000" sy="100000" flip="none" algn="tl"/>
-          </a:blipFill>
-          <a:ln w="12700" cap="flat">
-            <a:noFill/>
-            <a:miter lim="400000"/>
-          </a:ln>
-          <a:effectLst>
-            <a:outerShdw blurRad="38100" dist="25400" dir="5400000" rotWithShape="0">
-              <a:srgbClr val="000000">
-                <a:alpha val="50000"/>
-              </a:srgbClr>
-            </a:outerShdw>
-          </a:effectLst>
-          <a:sp3d/>
-        </p:spPr>
-        <p:style>
-          <a:lnRef idx="0">
-            <a:scrgbClr r="0" g="0" b="0"/>
-          </a:lnRef>
-          <a:fillRef idx="0">
-            <a:scrgbClr r="0" g="0" b="0"/>
-          </a:fillRef>
-          <a:effectRef idx="0">
-            <a:scrgbClr r="0" g="0" b="0"/>
-          </a:effectRef>
-          <a:fontRef idx="none"/>
-        </p:style>
-        <p:txBody>
-          <a:bodyPr rot="0" spcFirstLastPara="1" vertOverflow="overflow" horzOverflow="overflow" vert="horz" wrap="square" lIns="54570" tIns="54570" rIns="54570" bIns="54570" numCol="1" spcCol="38100" rtlCol="0" anchor="ctr">
-            <a:spAutoFit/>
-          </a:bodyPr>
-          <a:lstStyle/>
-          <a:p>
-            <a:pPr marL="0" marR="0" indent="0" algn="l" defTabSz="584200" rtl="0" fontAlgn="auto" latinLnBrk="0" hangingPunct="0">
-              <a:lnSpc>
-                <a:spcPct val="80000"/>
-              </a:lnSpc>
-              <a:spcBef>
-                <a:spcPts val="0"/>
-              </a:spcBef>
-              <a:spcAft>
-                <a:spcPts val="0"/>
-              </a:spcAft>
-              <a:buClrTx/>
-              <a:buSzTx/>
-              <a:buFontTx/>
-              <a:buNone/>
-              <a:tabLst/>
-            </a:pPr>
-            <a:r>
-              <a:rPr lang="fr-FR" dirty="0" err="1">
-                <a:solidFill>
-                  <a:schemeClr val="bg1"/>
-                </a:solidFill>
-              </a:rPr>
               <a:t>starBlock</a:t>
             </a:r>
             <a:r>
@@ -10602,7 +13079,7 @@
         </p:blipFill>
         <p:spPr>
           <a:xfrm>
-            <a:off x="306380" y="1489651"/>
+            <a:off x="339630" y="1572776"/>
             <a:ext cx="3276600" cy="1310640"/>
           </a:xfrm>
           <a:prstGeom prst="rect">
@@ -10638,7 +13115,7 @@
         </p:blipFill>
         <p:spPr>
           <a:xfrm>
-            <a:off x="422301" y="4002184"/>
+            <a:off x="1155867" y="4269188"/>
             <a:ext cx="1361440" cy="553720"/>
           </a:xfrm>
           <a:prstGeom prst="rect">
@@ -10660,8 +13137,8 @@
         </p:nvSpPr>
         <p:spPr>
           <a:xfrm>
-            <a:off x="486097" y="3527532"/>
-            <a:ext cx="2700979" cy="294872"/>
+            <a:off x="1046377" y="3826141"/>
+            <a:ext cx="1635031" cy="294872"/>
           </a:xfrm>
           <a:prstGeom prst="rect">
             <a:avLst/>
@@ -10677,7 +13154,7 @@
           </a:ln>
           <a:extLst>
             <a:ext uri="{C572A759-6A51-4108-AA02-DFA0A04FC94B}">
-              <ma14:wrappingTextBoxFlag xmlns="" xmlns:m="http://schemas.openxmlformats.org/officeDocument/2006/math" xmlns:a14="http://schemas.microsoft.com/office/drawing/2010/main" xmlns:ma14="http://schemas.microsoft.com/office/mac/drawingml/2011/main" val="1"/>
+              <ma14:wrappingTextBoxFlag xmlns:ma14="http://schemas.microsoft.com/office/mac/drawingml/2011/main" xmlns:a14="http://schemas.microsoft.com/office/drawing/2010/main" xmlns:m="http://schemas.openxmlformats.org/officeDocument/2006/math" xmlns="" val="1"/>
             </a:ext>
           </a:extLst>
         </p:spPr>
@@ -10723,7 +13200,7 @@
         </p:nvSpPr>
         <p:spPr>
           <a:xfrm>
-            <a:off x="351364" y="2913325"/>
+            <a:off x="351364" y="3162703"/>
             <a:ext cx="3025059" cy="505186"/>
           </a:xfrm>
           <a:prstGeom prst="rect">
@@ -10999,141 +13476,6 @@
       </p:sp>
       <p:pic>
         <p:nvPicPr>
-          <p:cNvPr id="29" name="Image 28">
-            <a:extLst>
-              <a:ext uri="{FF2B5EF4-FFF2-40B4-BE49-F238E27FC236}">
-                <a16:creationId xmlns:a16="http://schemas.microsoft.com/office/drawing/2014/main" id="{A3C00A7C-841B-974C-82EA-5FE3799101A4}"/>
-              </a:ext>
-            </a:extLst>
-          </p:cNvPr>
-          <p:cNvPicPr>
-            <a:picLocks noChangeAspect="1"/>
-          </p:cNvPicPr>
-          <p:nvPr/>
-        </p:nvPicPr>
-        <p:blipFill>
-          <a:blip r:embed="rId7">
-            <a:extLst>
-              <a:ext uri="{28A0092B-C50C-407E-A947-70E740481C1C}">
-                <a14:useLocalDpi xmlns:a14="http://schemas.microsoft.com/office/drawing/2010/main" val="0"/>
-              </a:ext>
-            </a:extLst>
-          </a:blip>
-          <a:stretch>
-            <a:fillRect/>
-          </a:stretch>
-        </p:blipFill>
-        <p:spPr>
-          <a:xfrm>
-            <a:off x="486097" y="7562710"/>
-            <a:ext cx="2960370" cy="848995"/>
-          </a:xfrm>
-          <a:prstGeom prst="rect">
-            <a:avLst/>
-          </a:prstGeom>
-        </p:spPr>
-      </p:pic>
-      <p:pic>
-        <p:nvPicPr>
-          <p:cNvPr id="31" name="Image 30" descr="Une image contenant capture d’écran&#10;&#10;Description générée automatiquement">
-            <a:extLst>
-              <a:ext uri="{FF2B5EF4-FFF2-40B4-BE49-F238E27FC236}">
-                <a16:creationId xmlns:a16="http://schemas.microsoft.com/office/drawing/2014/main" id="{8AB66460-60F7-5A4E-937E-8BFF2B22759B}"/>
-              </a:ext>
-            </a:extLst>
-          </p:cNvPr>
-          <p:cNvPicPr>
-            <a:picLocks noChangeAspect="1"/>
-          </p:cNvPicPr>
-          <p:nvPr/>
-        </p:nvPicPr>
-        <p:blipFill>
-          <a:blip r:embed="rId8">
-            <a:extLst>
-              <a:ext uri="{28A0092B-C50C-407E-A947-70E740481C1C}">
-                <a14:useLocalDpi xmlns:a14="http://schemas.microsoft.com/office/drawing/2010/main" val="0"/>
-              </a:ext>
-            </a:extLst>
-          </a:blip>
-          <a:stretch>
-            <a:fillRect/>
-          </a:stretch>
-        </p:blipFill>
-        <p:spPr>
-          <a:xfrm>
-            <a:off x="422301" y="9010519"/>
-            <a:ext cx="2960370" cy="1404620"/>
-          </a:xfrm>
-          <a:prstGeom prst="rect">
-            <a:avLst/>
-          </a:prstGeom>
-        </p:spPr>
-      </p:pic>
-      <p:sp>
-        <p:nvSpPr>
-          <p:cNvPr id="85" name="ggplot(mpg, aes(hwy, cty)) +…">
-            <a:extLst>
-              <a:ext uri="{FF2B5EF4-FFF2-40B4-BE49-F238E27FC236}">
-                <a16:creationId xmlns:a16="http://schemas.microsoft.com/office/drawing/2014/main" id="{B0CDCD5C-11E7-304C-A99C-6E409D296EF1}"/>
-              </a:ext>
-            </a:extLst>
-          </p:cNvPr>
-          <p:cNvSpPr txBox="1"/>
-          <p:nvPr/>
-        </p:nvSpPr>
-        <p:spPr>
-          <a:xfrm>
-            <a:off x="523021" y="8592275"/>
-            <a:ext cx="2700979" cy="294872"/>
-          </a:xfrm>
-          <a:prstGeom prst="rect">
-            <a:avLst/>
-          </a:prstGeom>
-          <a:solidFill>
-            <a:srgbClr val="FFFFFF"/>
-          </a:solidFill>
-          <a:ln w="12700">
-            <a:solidFill>
-              <a:srgbClr val="A6AAA9"/>
-            </a:solidFill>
-            <a:miter lim="400000"/>
-          </a:ln>
-          <a:extLst>
-            <a:ext uri="{C572A759-6A51-4108-AA02-DFA0A04FC94B}">
-              <ma14:wrappingTextBoxFlag xmlns="" xmlns:m="http://schemas.openxmlformats.org/officeDocument/2006/math" xmlns:a14="http://schemas.microsoft.com/office/drawing/2010/main" xmlns:ma14="http://schemas.microsoft.com/office/mac/drawingml/2011/main" val="1"/>
-            </a:ext>
-          </a:extLst>
-        </p:spPr>
-        <p:txBody>
-          <a:bodyPr wrap="square" lIns="54570" tIns="54570" rIns="54570" bIns="54570" anchor="ctr">
-            <a:spAutoFit/>
-          </a:bodyPr>
-          <a:lstStyle/>
-          <a:p>
-            <a:pPr>
-              <a:spcBef>
-                <a:spcPts val="0"/>
-              </a:spcBef>
-              <a:defRPr b="0">
-                <a:solidFill>
-                  <a:srgbClr val="000000"/>
-                </a:solidFill>
-                <a:latin typeface="Menlo"/>
-                <a:ea typeface="Menlo"/>
-                <a:cs typeface="Menlo"/>
-                <a:sym typeface="Menlo"/>
-              </a:defRPr>
-            </a:pPr>
-            <a:r>
-              <a:rPr lang="fr-FR" dirty="0"/>
-              <a:t>bs4SocialCard()</a:t>
-            </a:r>
-            <a:endParaRPr dirty="0"/>
-          </a:p>
-        </p:txBody>
-      </p:sp>
-      <p:pic>
-        <p:nvPicPr>
           <p:cNvPr id="33" name="Image 32" descr="Une image contenant capture d’écran&#10;&#10;Description générée automatiquement">
             <a:extLst>
               <a:ext uri="{FF2B5EF4-FFF2-40B4-BE49-F238E27FC236}">
@@ -11146,22 +13488,21 @@
           </p:cNvPicPr>
           <p:nvPr/>
         </p:nvPicPr>
-        <p:blipFill>
-          <a:blip r:embed="rId9">
+        <p:blipFill rotWithShape="1">
+          <a:blip r:embed="rId7">
             <a:extLst>
               <a:ext uri="{28A0092B-C50C-407E-A947-70E740481C1C}">
                 <a14:useLocalDpi xmlns:a14="http://schemas.microsoft.com/office/drawing/2010/main" val="0"/>
               </a:ext>
             </a:extLst>
           </a:blip>
-          <a:stretch>
-            <a:fillRect/>
-          </a:stretch>
+          <a:srcRect b="67350"/>
+          <a:stretch/>
         </p:blipFill>
         <p:spPr>
           <a:xfrm>
-            <a:off x="4649820" y="2017812"/>
-            <a:ext cx="3352800" cy="4251960"/>
+            <a:off x="4666037" y="5088064"/>
+            <a:ext cx="3352800" cy="1388278"/>
           </a:xfrm>
           <a:prstGeom prst="rect">
             <a:avLst/>
@@ -11182,7 +13523,7 @@
         </p:nvSpPr>
         <p:spPr>
           <a:xfrm>
-            <a:off x="5552211" y="3036948"/>
+            <a:off x="5568428" y="6107200"/>
             <a:ext cx="1445949" cy="257939"/>
           </a:xfrm>
           <a:prstGeom prst="wedgeRectCallout">
@@ -11276,114 +13617,6 @@
           </a:p>
         </p:txBody>
       </p:sp>
-      <p:sp>
-        <p:nvSpPr>
-          <p:cNvPr id="87" name="Bulle rectangulaire 86">
-            <a:extLst>
-              <a:ext uri="{FF2B5EF4-FFF2-40B4-BE49-F238E27FC236}">
-                <a16:creationId xmlns:a16="http://schemas.microsoft.com/office/drawing/2014/main" id="{2934526F-604F-8942-9C89-9FF7CD9F574F}"/>
-              </a:ext>
-            </a:extLst>
-          </p:cNvPr>
-          <p:cNvSpPr/>
-          <p:nvPr/>
-        </p:nvSpPr>
-        <p:spPr>
-          <a:xfrm>
-            <a:off x="6192729" y="6104352"/>
-            <a:ext cx="1445949" cy="257939"/>
-          </a:xfrm>
-          <a:prstGeom prst="wedgeRectCallout">
-            <a:avLst>
-              <a:gd name="adj1" fmla="val -21342"/>
-              <a:gd name="adj2" fmla="val -115343"/>
-            </a:avLst>
-          </a:prstGeom>
-          <a:blipFill rotWithShape="1">
-            <a:blip r:embed="rId4"/>
-            <a:srcRect/>
-            <a:tile tx="0" ty="0" sx="100000" sy="100000" flip="none" algn="tl"/>
-          </a:blipFill>
-          <a:ln w="12700" cap="flat">
-            <a:noFill/>
-            <a:miter lim="400000"/>
-          </a:ln>
-          <a:effectLst>
-            <a:outerShdw blurRad="38100" dist="25400" dir="5400000" rotWithShape="0">
-              <a:srgbClr val="000000">
-                <a:alpha val="50000"/>
-              </a:srgbClr>
-            </a:outerShdw>
-          </a:effectLst>
-          <a:sp3d/>
-        </p:spPr>
-        <p:style>
-          <a:lnRef idx="0">
-            <a:scrgbClr r="0" g="0" b="0"/>
-          </a:lnRef>
-          <a:fillRef idx="0">
-            <a:scrgbClr r="0" g="0" b="0"/>
-          </a:fillRef>
-          <a:effectRef idx="0">
-            <a:scrgbClr r="0" g="0" b="0"/>
-          </a:effectRef>
-          <a:fontRef idx="none"/>
-        </p:style>
-        <p:txBody>
-          <a:bodyPr rot="0" spcFirstLastPara="1" vertOverflow="overflow" horzOverflow="overflow" vert="horz" wrap="square" lIns="54570" tIns="54570" rIns="54570" bIns="54570" numCol="1" spcCol="38100" rtlCol="0" anchor="ctr">
-            <a:spAutoFit/>
-          </a:bodyPr>
-          <a:lstStyle/>
-          <a:p>
-            <a:pPr marL="0" marR="0" indent="0" algn="l" defTabSz="584200" rtl="0" fontAlgn="auto" latinLnBrk="0" hangingPunct="0">
-              <a:lnSpc>
-                <a:spcPct val="80000"/>
-              </a:lnSpc>
-              <a:spcBef>
-                <a:spcPts val="0"/>
-              </a:spcBef>
-              <a:spcAft>
-                <a:spcPts val="0"/>
-              </a:spcAft>
-              <a:buClrTx/>
-              <a:buSzTx/>
-              <a:buFontTx/>
-              <a:buNone/>
-              <a:tabLst/>
-            </a:pPr>
-            <a:r>
-              <a:rPr lang="fr-FR" dirty="0" err="1">
-                <a:solidFill>
-                  <a:schemeClr val="bg1"/>
-                </a:solidFill>
-              </a:rPr>
-              <a:t>userPostMedia</a:t>
-            </a:r>
-            <a:r>
-              <a:rPr lang="fr-FR" dirty="0">
-                <a:solidFill>
-                  <a:schemeClr val="bg1"/>
-                </a:solidFill>
-              </a:rPr>
-              <a:t>()</a:t>
-            </a:r>
-            <a:endParaRPr kumimoji="0" lang="fr-FR" sz="1200" i="0" u="none" strike="noStrike" cap="none" spc="0" normalizeH="0" baseline="0" dirty="0">
-              <a:ln>
-                <a:noFill/>
-              </a:ln>
-              <a:solidFill>
-                <a:schemeClr val="bg1"/>
-              </a:solidFill>
-              <a:effectLst/>
-              <a:uFillTx/>
-              <a:latin typeface="Source Sans Pro"/>
-              <a:ea typeface="Source Sans Pro"/>
-              <a:cs typeface="Source Sans Pro"/>
-              <a:sym typeface="Source Sans Pro"/>
-            </a:endParaRPr>
-          </a:p>
-        </p:txBody>
-      </p:sp>
       <p:pic>
         <p:nvPicPr>
           <p:cNvPr id="35" name="Image 34">
@@ -11399,7 +13632,7 @@
           <p:nvPr/>
         </p:nvPicPr>
         <p:blipFill>
-          <a:blip r:embed="rId10">
+          <a:blip r:embed="rId8">
             <a:extLst>
               <a:ext uri="{28A0092B-C50C-407E-A947-70E740481C1C}">
                 <a14:useLocalDpi xmlns:a14="http://schemas.microsoft.com/office/drawing/2010/main" val="0"/>
@@ -11412,7 +13645,7 @@
         </p:blipFill>
         <p:spPr>
           <a:xfrm>
-            <a:off x="5083461" y="7297515"/>
+            <a:off x="5083461" y="7546896"/>
             <a:ext cx="2202705" cy="2768893"/>
           </a:xfrm>
           <a:prstGeom prst="rect">
@@ -11434,7 +13667,7 @@
         </p:nvSpPr>
         <p:spPr>
           <a:xfrm>
-            <a:off x="6998169" y="7388910"/>
+            <a:off x="6998169" y="7638291"/>
             <a:ext cx="943667" cy="257939"/>
           </a:xfrm>
           <a:prstGeom prst="wedgeRectCallout">
@@ -11542,7 +13775,7 @@
         </p:nvSpPr>
         <p:spPr>
           <a:xfrm>
-            <a:off x="6802310" y="8360216"/>
+            <a:off x="6802310" y="8609597"/>
             <a:ext cx="1535330" cy="257939"/>
           </a:xfrm>
           <a:prstGeom prst="wedgeRectCallout">
@@ -11651,7 +13884,7 @@
           <p:nvPr/>
         </p:nvPicPr>
         <p:blipFill>
-          <a:blip r:embed="rId11">
+          <a:blip r:embed="rId9">
             <a:extLst>
               <a:ext uri="{28A0092B-C50C-407E-A947-70E740481C1C}">
                 <a14:useLocalDpi xmlns:a14="http://schemas.microsoft.com/office/drawing/2010/main" val="0"/>
@@ -11664,7 +13897,7 @@
         </p:blipFill>
         <p:spPr>
           <a:xfrm>
-            <a:off x="9603689" y="1517721"/>
+            <a:off x="9603689" y="4144528"/>
             <a:ext cx="3489960" cy="1280160"/>
           </a:xfrm>
           <a:prstGeom prst="rect">
@@ -11686,8 +13919,8 @@
         </p:nvSpPr>
         <p:spPr>
           <a:xfrm>
-            <a:off x="9946903" y="973456"/>
-            <a:ext cx="2700979" cy="479538"/>
+            <a:off x="10620680" y="3534257"/>
+            <a:ext cx="1398209" cy="479538"/>
           </a:xfrm>
           <a:prstGeom prst="rect">
             <a:avLst/>
@@ -11703,7 +13936,7 @@
           </a:ln>
           <a:extLst>
             <a:ext uri="{C572A759-6A51-4108-AA02-DFA0A04FC94B}">
-              <ma14:wrappingTextBoxFlag xmlns="" xmlns:m="http://schemas.openxmlformats.org/officeDocument/2006/math" xmlns:a14="http://schemas.microsoft.com/office/drawing/2010/main" xmlns:ma14="http://schemas.microsoft.com/office/mac/drawingml/2011/main" val="1"/>
+              <ma14:wrappingTextBoxFlag xmlns:ma14="http://schemas.microsoft.com/office/mac/drawingml/2011/main" xmlns:a14="http://schemas.microsoft.com/office/drawing/2010/main" xmlns:m="http://schemas.openxmlformats.org/officeDocument/2006/math" xmlns="" val="1"/>
             </a:ext>
           </a:extLst>
         </p:spPr>
@@ -11754,210 +13987,6 @@
             <a:r>
               <a:rPr lang="fr-FR" dirty="0" err="1"/>
               <a:t>userMessage</a:t>
-            </a:r>
-            <a:r>
-              <a:rPr lang="fr-FR" dirty="0"/>
-              <a:t>()</a:t>
-            </a:r>
-          </a:p>
-        </p:txBody>
-      </p:sp>
-      <p:pic>
-        <p:nvPicPr>
-          <p:cNvPr id="39" name="Image 38">
-            <a:extLst>
-              <a:ext uri="{FF2B5EF4-FFF2-40B4-BE49-F238E27FC236}">
-                <a16:creationId xmlns:a16="http://schemas.microsoft.com/office/drawing/2014/main" id="{0DE0EA9A-A69F-A54F-8622-1C70F42633A6}"/>
-              </a:ext>
-            </a:extLst>
-          </p:cNvPr>
-          <p:cNvPicPr>
-            <a:picLocks noChangeAspect="1"/>
-          </p:cNvPicPr>
-          <p:nvPr/>
-        </p:nvPicPr>
-        <p:blipFill>
-          <a:blip r:embed="rId12">
-            <a:extLst>
-              <a:ext uri="{28A0092B-C50C-407E-A947-70E740481C1C}">
-                <a14:useLocalDpi xmlns:a14="http://schemas.microsoft.com/office/drawing/2010/main" val="0"/>
-              </a:ext>
-            </a:extLst>
-          </a:blip>
-          <a:stretch>
-            <a:fillRect/>
-          </a:stretch>
-        </p:blipFill>
-        <p:spPr>
-          <a:xfrm>
-            <a:off x="9542729" y="3510698"/>
-            <a:ext cx="3611880" cy="617220"/>
-          </a:xfrm>
-          <a:prstGeom prst="rect">
-            <a:avLst/>
-          </a:prstGeom>
-        </p:spPr>
-      </p:pic>
-      <p:sp>
-        <p:nvSpPr>
-          <p:cNvPr id="91" name="ggplot(mpg, aes(hwy, cty)) +…">
-            <a:extLst>
-              <a:ext uri="{FF2B5EF4-FFF2-40B4-BE49-F238E27FC236}">
-                <a16:creationId xmlns:a16="http://schemas.microsoft.com/office/drawing/2014/main" id="{A9D2DFCB-C2FB-C641-BD25-0F6BC5C66564}"/>
-              </a:ext>
-            </a:extLst>
-          </p:cNvPr>
-          <p:cNvSpPr txBox="1"/>
-          <p:nvPr/>
-        </p:nvSpPr>
-        <p:spPr>
-          <a:xfrm>
-            <a:off x="9747911" y="3019714"/>
-            <a:ext cx="2700979" cy="294872"/>
-          </a:xfrm>
-          <a:prstGeom prst="rect">
-            <a:avLst/>
-          </a:prstGeom>
-          <a:solidFill>
-            <a:srgbClr val="FFFFFF"/>
-          </a:solidFill>
-          <a:ln w="12700">
-            <a:solidFill>
-              <a:srgbClr val="A6AAA9"/>
-            </a:solidFill>
-            <a:miter lim="400000"/>
-          </a:ln>
-          <a:extLst>
-            <a:ext uri="{C572A759-6A51-4108-AA02-DFA0A04FC94B}">
-              <ma14:wrappingTextBoxFlag xmlns="" xmlns:m="http://schemas.openxmlformats.org/officeDocument/2006/math" xmlns:a14="http://schemas.microsoft.com/office/drawing/2010/main" xmlns:ma14="http://schemas.microsoft.com/office/mac/drawingml/2011/main" val="1"/>
-            </a:ext>
-          </a:extLst>
-        </p:spPr>
-        <p:txBody>
-          <a:bodyPr wrap="square" lIns="54570" tIns="54570" rIns="54570" bIns="54570" anchor="ctr">
-            <a:spAutoFit/>
-          </a:bodyPr>
-          <a:lstStyle/>
-          <a:p>
-            <a:pPr>
-              <a:spcBef>
-                <a:spcPts val="0"/>
-              </a:spcBef>
-              <a:defRPr b="0">
-                <a:solidFill>
-                  <a:srgbClr val="000000"/>
-                </a:solidFill>
-                <a:latin typeface="Menlo"/>
-                <a:ea typeface="Menlo"/>
-                <a:cs typeface="Menlo"/>
-                <a:sym typeface="Menlo"/>
-              </a:defRPr>
-            </a:pPr>
-            <a:r>
-              <a:rPr lang="fr-FR" dirty="0" err="1"/>
-              <a:t>descriptionBlock</a:t>
-            </a:r>
-            <a:r>
-              <a:rPr lang="fr-FR" dirty="0"/>
-              <a:t>()</a:t>
-            </a:r>
-          </a:p>
-        </p:txBody>
-      </p:sp>
-      <p:pic>
-        <p:nvPicPr>
-          <p:cNvPr id="41" name="Image 40" descr="Une image contenant capture d’écran&#10;&#10;Description générée automatiquement">
-            <a:extLst>
-              <a:ext uri="{FF2B5EF4-FFF2-40B4-BE49-F238E27FC236}">
-                <a16:creationId xmlns:a16="http://schemas.microsoft.com/office/drawing/2014/main" id="{87C591CC-6541-A841-A29C-9DE4A99CC5D2}"/>
-              </a:ext>
-            </a:extLst>
-          </p:cNvPr>
-          <p:cNvPicPr>
-            <a:picLocks noChangeAspect="1"/>
-          </p:cNvPicPr>
-          <p:nvPr/>
-        </p:nvPicPr>
-        <p:blipFill>
-          <a:blip r:embed="rId13">
-            <a:extLst>
-              <a:ext uri="{28A0092B-C50C-407E-A947-70E740481C1C}">
-                <a14:useLocalDpi xmlns:a14="http://schemas.microsoft.com/office/drawing/2010/main" val="0"/>
-              </a:ext>
-            </a:extLst>
-          </a:blip>
-          <a:stretch>
-            <a:fillRect/>
-          </a:stretch>
-        </p:blipFill>
-        <p:spPr>
-          <a:xfrm>
-            <a:off x="9667189" y="4630069"/>
-            <a:ext cx="3362960" cy="1493520"/>
-          </a:xfrm>
-          <a:prstGeom prst="rect">
-            <a:avLst/>
-          </a:prstGeom>
-        </p:spPr>
-      </p:pic>
-      <p:sp>
-        <p:nvSpPr>
-          <p:cNvPr id="92" name="ggplot(mpg, aes(hwy, cty)) +…">
-            <a:extLst>
-              <a:ext uri="{FF2B5EF4-FFF2-40B4-BE49-F238E27FC236}">
-                <a16:creationId xmlns:a16="http://schemas.microsoft.com/office/drawing/2014/main" id="{1CBD91B7-468B-BE4C-A987-5BFE11F4FA41}"/>
-              </a:ext>
-            </a:extLst>
-          </p:cNvPr>
-          <p:cNvSpPr txBox="1"/>
-          <p:nvPr/>
-        </p:nvSpPr>
-        <p:spPr>
-          <a:xfrm>
-            <a:off x="9867041" y="4229508"/>
-            <a:ext cx="2700979" cy="294872"/>
-          </a:xfrm>
-          <a:prstGeom prst="rect">
-            <a:avLst/>
-          </a:prstGeom>
-          <a:solidFill>
-            <a:srgbClr val="FFFFFF"/>
-          </a:solidFill>
-          <a:ln w="12700">
-            <a:solidFill>
-              <a:srgbClr val="A6AAA9"/>
-            </a:solidFill>
-            <a:miter lim="400000"/>
-          </a:ln>
-          <a:extLst>
-            <a:ext uri="{C572A759-6A51-4108-AA02-DFA0A04FC94B}">
-              <ma14:wrappingTextBoxFlag xmlns="" xmlns:m="http://schemas.openxmlformats.org/officeDocument/2006/math" xmlns:a14="http://schemas.microsoft.com/office/drawing/2010/main" xmlns:ma14="http://schemas.microsoft.com/office/mac/drawingml/2011/main" val="1"/>
-            </a:ext>
-          </a:extLst>
-        </p:spPr>
-        <p:txBody>
-          <a:bodyPr wrap="square" lIns="54570" tIns="54570" rIns="54570" bIns="54570" anchor="ctr">
-            <a:spAutoFit/>
-          </a:bodyPr>
-          <a:lstStyle/>
-          <a:p>
-            <a:pPr>
-              <a:spcBef>
-                <a:spcPts val="0"/>
-              </a:spcBef>
-              <a:defRPr b="0">
-                <a:solidFill>
-                  <a:srgbClr val="000000"/>
-                </a:solidFill>
-                <a:latin typeface="Menlo"/>
-                <a:ea typeface="Menlo"/>
-                <a:cs typeface="Menlo"/>
-                <a:sym typeface="Menlo"/>
-              </a:defRPr>
-            </a:pPr>
-            <a:r>
-              <a:rPr lang="fr-FR" dirty="0" err="1"/>
-              <a:t>cardPad</a:t>
             </a:r>
             <a:r>
               <a:rPr lang="fr-FR" dirty="0"/>
@@ -11981,7 +14010,7 @@
           <p:nvPr/>
         </p:nvPicPr>
         <p:blipFill>
-          <a:blip r:embed="rId14">
+          <a:blip r:embed="rId10">
             <a:extLst>
               <a:ext uri="{28A0092B-C50C-407E-A947-70E740481C1C}">
                 <a14:useLocalDpi xmlns:a14="http://schemas.microsoft.com/office/drawing/2010/main" val="0"/>
@@ -11994,7 +14023,7 @@
         </p:blipFill>
         <p:spPr>
           <a:xfrm>
-            <a:off x="9159813" y="6373386"/>
+            <a:off x="9982225" y="6166566"/>
             <a:ext cx="2825914" cy="4108042"/>
           </a:xfrm>
           <a:prstGeom prst="rect">
@@ -12016,13 +14045,13 @@
         </p:nvSpPr>
         <p:spPr>
           <a:xfrm>
-            <a:off x="10331221" y="6790482"/>
+            <a:off x="11153633" y="6583662"/>
             <a:ext cx="1223353" cy="257939"/>
           </a:xfrm>
           <a:prstGeom prst="wedgeRectCallout">
             <a:avLst>
-              <a:gd name="adj1" fmla="val -39912"/>
-              <a:gd name="adj2" fmla="val 117761"/>
+              <a:gd name="adj1" fmla="val -21226"/>
+              <a:gd name="adj2" fmla="val 123300"/>
             </a:avLst>
           </a:prstGeom>
           <a:blipFill rotWithShape="1">
@@ -12124,7 +14153,7 @@
         </p:nvSpPr>
         <p:spPr>
           <a:xfrm>
-            <a:off x="10118103" y="8629208"/>
+            <a:off x="10940515" y="8422388"/>
             <a:ext cx="1201682" cy="257939"/>
           </a:xfrm>
           <a:prstGeom prst="wedgeRectCallout">
@@ -12232,7 +14261,7 @@
         </p:nvSpPr>
         <p:spPr>
           <a:xfrm>
-            <a:off x="11876314" y="9563605"/>
+            <a:off x="11584342" y="9286863"/>
             <a:ext cx="1499036" cy="257939"/>
           </a:xfrm>
           <a:prstGeom prst="wedgeRectCallout">
@@ -12340,7 +14369,7 @@
         </p:nvSpPr>
         <p:spPr>
           <a:xfrm>
-            <a:off x="9852336" y="10204606"/>
+            <a:off x="10674748" y="9983498"/>
             <a:ext cx="1201682" cy="257939"/>
           </a:xfrm>
           <a:prstGeom prst="wedgeRectCallout">
@@ -12448,7 +14477,7 @@
         </p:nvSpPr>
         <p:spPr>
           <a:xfrm>
-            <a:off x="9852336" y="6420146"/>
+            <a:off x="10674748" y="6213326"/>
             <a:ext cx="1201682" cy="257939"/>
           </a:xfrm>
           <a:prstGeom prst="wedgeRectCallout">
@@ -12556,7 +14585,7 @@
         </p:nvSpPr>
         <p:spPr>
           <a:xfrm>
-            <a:off x="11433013" y="6286360"/>
+            <a:off x="10550246" y="5720808"/>
             <a:ext cx="1569247" cy="294872"/>
           </a:xfrm>
           <a:prstGeom prst="rect">
@@ -12573,7 +14602,7 @@
           </a:ln>
           <a:extLst>
             <a:ext uri="{C572A759-6A51-4108-AA02-DFA0A04FC94B}">
-              <ma14:wrappingTextBoxFlag xmlns="" xmlns:m="http://schemas.openxmlformats.org/officeDocument/2006/math" xmlns:a14="http://schemas.microsoft.com/office/drawing/2010/main" xmlns:ma14="http://schemas.microsoft.com/office/mac/drawingml/2011/main" val="1"/>
+              <ma14:wrappingTextBoxFlag xmlns:ma14="http://schemas.microsoft.com/office/mac/drawingml/2011/main" xmlns:a14="http://schemas.microsoft.com/office/drawing/2010/main" xmlns:m="http://schemas.openxmlformats.org/officeDocument/2006/math" xmlns="" val="1"/>
             </a:ext>
           </a:extLst>
         </p:spPr>
@@ -12614,6 +14643,499 @@
             <a:extLst>
               <a:ext uri="{FF2B5EF4-FFF2-40B4-BE49-F238E27FC236}">
                 <a16:creationId xmlns:a16="http://schemas.microsoft.com/office/drawing/2014/main" id="{05B87013-0862-FF4D-91EA-02DE7215720A}"/>
+              </a:ext>
+            </a:extLst>
+          </p:cNvPr>
+          <p:cNvPicPr>
+            <a:picLocks noChangeAspect="1"/>
+          </p:cNvPicPr>
+          <p:nvPr/>
+        </p:nvPicPr>
+        <p:blipFill>
+          <a:blip r:embed="rId11">
+            <a:extLst>
+              <a:ext uri="{28A0092B-C50C-407E-A947-70E740481C1C}">
+                <a14:useLocalDpi xmlns:a14="http://schemas.microsoft.com/office/drawing/2010/main" val="0"/>
+              </a:ext>
+            </a:extLst>
+          </a:blip>
+          <a:stretch>
+            <a:fillRect/>
+          </a:stretch>
+        </p:blipFill>
+        <p:spPr>
+          <a:xfrm>
+            <a:off x="9603689" y="1768090"/>
+            <a:ext cx="1397000" cy="1320800"/>
+          </a:xfrm>
+          <a:prstGeom prst="rect">
+            <a:avLst/>
+          </a:prstGeom>
+        </p:spPr>
+      </p:pic>
+      <p:pic>
+        <p:nvPicPr>
+          <p:cNvPr id="105" name="Image 104">
+            <a:extLst>
+              <a:ext uri="{FF2B5EF4-FFF2-40B4-BE49-F238E27FC236}">
+                <a16:creationId xmlns:a16="http://schemas.microsoft.com/office/drawing/2014/main" id="{A657B144-A1A2-B544-BD92-2BB7D54AA12C}"/>
+              </a:ext>
+            </a:extLst>
+          </p:cNvPr>
+          <p:cNvPicPr>
+            <a:picLocks noChangeAspect="1"/>
+          </p:cNvPicPr>
+          <p:nvPr/>
+        </p:nvPicPr>
+        <p:blipFill>
+          <a:blip r:embed="rId12">
+            <a:extLst>
+              <a:ext uri="{28A0092B-C50C-407E-A947-70E740481C1C}">
+                <a14:useLocalDpi xmlns:a14="http://schemas.microsoft.com/office/drawing/2010/main" val="0"/>
+              </a:ext>
+            </a:extLst>
+          </a:blip>
+          <a:stretch>
+            <a:fillRect/>
+          </a:stretch>
+        </p:blipFill>
+        <p:spPr>
+          <a:xfrm>
+            <a:off x="11456364" y="2191190"/>
+            <a:ext cx="1384300" cy="457200"/>
+          </a:xfrm>
+          <a:prstGeom prst="rect">
+            <a:avLst/>
+          </a:prstGeom>
+        </p:spPr>
+      </p:pic>
+      <p:sp>
+        <p:nvSpPr>
+          <p:cNvPr id="69" name="Line">
+            <a:extLst>
+              <a:ext uri="{FF2B5EF4-FFF2-40B4-BE49-F238E27FC236}">
+                <a16:creationId xmlns:a16="http://schemas.microsoft.com/office/drawing/2014/main" id="{4D611028-490E-F445-9C7E-D0C8070AE6E6}"/>
+              </a:ext>
+            </a:extLst>
+          </p:cNvPr>
+          <p:cNvSpPr/>
+          <p:nvPr/>
+        </p:nvSpPr>
+        <p:spPr>
+          <a:xfrm>
+            <a:off x="4237799" y="368502"/>
+            <a:ext cx="4088483" cy="1"/>
+          </a:xfrm>
+          <a:prstGeom prst="line">
+            <a:avLst/>
+          </a:prstGeom>
+          <a:ln w="3175">
+            <a:solidFill>
+              <a:srgbClr val="767C85"/>
+            </a:solidFill>
+            <a:miter lim="400000"/>
+          </a:ln>
+        </p:spPr>
+        <p:txBody>
+          <a:bodyPr lIns="54570" tIns="54570" rIns="54570" bIns="54570" anchor="ctr"/>
+          <a:lstStyle/>
+          <a:p>
+            <a:pPr>
+              <a:lnSpc>
+                <a:spcPct val="80000"/>
+              </a:lnSpc>
+              <a:spcBef>
+                <a:spcPts val="600"/>
+              </a:spcBef>
+              <a:defRPr b="0">
+                <a:solidFill>
+                  <a:srgbClr val="000000"/>
+                </a:solidFill>
+              </a:defRPr>
+            </a:pPr>
+            <a:endParaRPr/>
+          </a:p>
+        </p:txBody>
+      </p:sp>
+      <p:sp>
+        <p:nvSpPr>
+          <p:cNvPr id="71" name="Group">
+            <a:extLst>
+              <a:ext uri="{FF2B5EF4-FFF2-40B4-BE49-F238E27FC236}">
+                <a16:creationId xmlns:a16="http://schemas.microsoft.com/office/drawing/2014/main" id="{5693E878-59C2-E44E-B571-BEC386CDB83C}"/>
+              </a:ext>
+            </a:extLst>
+          </p:cNvPr>
+          <p:cNvSpPr/>
+          <p:nvPr/>
+        </p:nvSpPr>
+        <p:spPr>
+          <a:xfrm>
+            <a:off x="4242571" y="869548"/>
+            <a:ext cx="4088483" cy="2225032"/>
+          </a:xfrm>
+          <a:prstGeom prst="rect">
+            <a:avLst/>
+          </a:prstGeom>
+          <a:solidFill>
+            <a:srgbClr val="79B0DC">
+              <a:alpha val="23776"/>
+            </a:srgbClr>
+          </a:solidFill>
+          <a:ln w="12700">
+            <a:miter lim="400000"/>
+          </a:ln>
+        </p:spPr>
+        <p:txBody>
+          <a:bodyPr lIns="54570" tIns="54570" rIns="54570" bIns="54570" anchor="ctr"/>
+          <a:lstStyle/>
+          <a:p>
+            <a:pPr>
+              <a:lnSpc>
+                <a:spcPct val="80000"/>
+              </a:lnSpc>
+              <a:spcBef>
+                <a:spcPts val="0"/>
+              </a:spcBef>
+              <a:defRPr sz="1000" b="0">
+                <a:solidFill>
+                  <a:srgbClr val="000000"/>
+                </a:solidFill>
+              </a:defRPr>
+            </a:pPr>
+            <a:endParaRPr dirty="0"/>
+          </a:p>
+        </p:txBody>
+      </p:sp>
+      <p:pic>
+        <p:nvPicPr>
+          <p:cNvPr id="73" name="Image 72" descr="Une image contenant capture d’écran&#10;&#10;Description générée automatiquement">
+            <a:extLst>
+              <a:ext uri="{FF2B5EF4-FFF2-40B4-BE49-F238E27FC236}">
+                <a16:creationId xmlns:a16="http://schemas.microsoft.com/office/drawing/2014/main" id="{A17AA401-0B60-ED4B-82D3-E1EFED6D0A8B}"/>
+              </a:ext>
+            </a:extLst>
+          </p:cNvPr>
+          <p:cNvPicPr>
+            <a:picLocks noChangeAspect="1"/>
+          </p:cNvPicPr>
+          <p:nvPr/>
+        </p:nvPicPr>
+        <p:blipFill>
+          <a:blip r:embed="rId13">
+            <a:extLst>
+              <a:ext uri="{28A0092B-C50C-407E-A947-70E740481C1C}">
+                <a14:useLocalDpi xmlns:a14="http://schemas.microsoft.com/office/drawing/2010/main" val="0"/>
+              </a:ext>
+            </a:extLst>
+          </a:blip>
+          <a:stretch>
+            <a:fillRect/>
+          </a:stretch>
+        </p:blipFill>
+        <p:spPr>
+          <a:xfrm>
+            <a:off x="4781800" y="1546860"/>
+            <a:ext cx="3012440" cy="1447800"/>
+          </a:xfrm>
+          <a:prstGeom prst="rect">
+            <a:avLst/>
+          </a:prstGeom>
+        </p:spPr>
+      </p:pic>
+      <p:sp>
+        <p:nvSpPr>
+          <p:cNvPr id="74" name="Basics">
+            <a:extLst>
+              <a:ext uri="{FF2B5EF4-FFF2-40B4-BE49-F238E27FC236}">
+                <a16:creationId xmlns:a16="http://schemas.microsoft.com/office/drawing/2014/main" id="{BB9AA1DC-E7F5-FA4B-A06C-1479BCB6B446}"/>
+              </a:ext>
+            </a:extLst>
+          </p:cNvPr>
+          <p:cNvSpPr txBox="1"/>
+          <p:nvPr/>
+        </p:nvSpPr>
+        <p:spPr>
+          <a:xfrm>
+            <a:off x="4250423" y="442195"/>
+            <a:ext cx="2268250" cy="340029"/>
+          </a:xfrm>
+          <a:prstGeom prst="rect">
+            <a:avLst/>
+          </a:prstGeom>
+          <a:ln w="12700">
+            <a:miter lim="400000"/>
+          </a:ln>
+          <a:extLst>
+            <a:ext uri="{C572A759-6A51-4108-AA02-DFA0A04FC94B}">
+              <ma14:wrappingTextBoxFlag xmlns:ma14="http://schemas.microsoft.com/office/mac/drawingml/2011/main" xmlns:a14="http://schemas.microsoft.com/office/drawing/2010/main" xmlns:m="http://schemas.openxmlformats.org/officeDocument/2006/math" xmlns="" val="1"/>
+            </a:ext>
+          </a:extLst>
+        </p:spPr>
+        <p:txBody>
+          <a:bodyPr wrap="none" lIns="12700" tIns="12700" rIns="12700" bIns="12700" anchor="ctr">
+            <a:spAutoFit/>
+          </a:bodyPr>
+          <a:lstStyle/>
+          <a:p>
+            <a:pPr lvl="1" indent="0">
+              <a:lnSpc>
+                <a:spcPct val="80000"/>
+              </a:lnSpc>
+              <a:spcBef>
+                <a:spcPts val="0"/>
+              </a:spcBef>
+              <a:defRPr sz="2500" b="0">
+                <a:solidFill>
+                  <a:srgbClr val="628DB5"/>
+                </a:solidFill>
+              </a:defRPr>
+            </a:pPr>
+            <a:r>
+              <a:rPr lang="fr-FR" dirty="0"/>
+              <a:t>Info/Value Boxes</a:t>
+            </a:r>
+            <a:endParaRPr dirty="0"/>
+          </a:p>
+        </p:txBody>
+      </p:sp>
+      <p:sp>
+        <p:nvSpPr>
+          <p:cNvPr id="75" name="ggplot(mpg, aes(hwy, cty)) +…">
+            <a:extLst>
+              <a:ext uri="{FF2B5EF4-FFF2-40B4-BE49-F238E27FC236}">
+                <a16:creationId xmlns:a16="http://schemas.microsoft.com/office/drawing/2014/main" id="{DCBE4D23-1614-8542-BA59-DB6D965939C8}"/>
+              </a:ext>
+            </a:extLst>
+          </p:cNvPr>
+          <p:cNvSpPr txBox="1"/>
+          <p:nvPr/>
+        </p:nvSpPr>
+        <p:spPr>
+          <a:xfrm>
+            <a:off x="5540259" y="931812"/>
+            <a:ext cx="1503956" cy="479538"/>
+          </a:xfrm>
+          <a:prstGeom prst="rect">
+            <a:avLst/>
+          </a:prstGeom>
+          <a:solidFill>
+            <a:srgbClr val="FFFFFF"/>
+          </a:solidFill>
+          <a:ln w="12700">
+            <a:solidFill>
+              <a:srgbClr val="A6AAA9"/>
+            </a:solidFill>
+            <a:miter lim="400000"/>
+          </a:ln>
+          <a:extLst>
+            <a:ext uri="{C572A759-6A51-4108-AA02-DFA0A04FC94B}">
+              <ma14:wrappingTextBoxFlag xmlns:ma14="http://schemas.microsoft.com/office/mac/drawingml/2011/main" xmlns:a14="http://schemas.microsoft.com/office/drawing/2010/main" xmlns:m="http://schemas.openxmlformats.org/officeDocument/2006/math" xmlns="" val="1"/>
+            </a:ext>
+          </a:extLst>
+        </p:spPr>
+        <p:txBody>
+          <a:bodyPr wrap="square" lIns="54570" tIns="54570" rIns="54570" bIns="54570" anchor="ctr">
+            <a:spAutoFit/>
+          </a:bodyPr>
+          <a:lstStyle/>
+          <a:p>
+            <a:pPr>
+              <a:spcBef>
+                <a:spcPts val="0"/>
+              </a:spcBef>
+              <a:defRPr b="0">
+                <a:solidFill>
+                  <a:srgbClr val="000000"/>
+                </a:solidFill>
+                <a:latin typeface="Menlo"/>
+                <a:ea typeface="Menlo"/>
+                <a:cs typeface="Menlo"/>
+                <a:sym typeface="Menlo"/>
+              </a:defRPr>
+            </a:pPr>
+            <a:r>
+              <a:rPr lang="fr-FR" dirty="0"/>
+              <a:t>bs4InfoBox(…)</a:t>
+            </a:r>
+          </a:p>
+          <a:p>
+            <a:pPr>
+              <a:spcBef>
+                <a:spcPts val="0"/>
+              </a:spcBef>
+              <a:defRPr b="0">
+                <a:solidFill>
+                  <a:srgbClr val="000000"/>
+                </a:solidFill>
+                <a:latin typeface="Menlo"/>
+                <a:ea typeface="Menlo"/>
+                <a:cs typeface="Menlo"/>
+                <a:sym typeface="Menlo"/>
+              </a:defRPr>
+            </a:pPr>
+            <a:r>
+              <a:rPr lang="fr-FR" dirty="0"/>
+              <a:t>bs4ValueBox(…)</a:t>
+            </a:r>
+          </a:p>
+        </p:txBody>
+      </p:sp>
+      <p:sp>
+        <p:nvSpPr>
+          <p:cNvPr id="77" name="Group">
+            <a:extLst>
+              <a:ext uri="{FF2B5EF4-FFF2-40B4-BE49-F238E27FC236}">
+                <a16:creationId xmlns:a16="http://schemas.microsoft.com/office/drawing/2014/main" id="{FDA9186C-4C1C-4C45-B3ED-B0F64E8389E3}"/>
+              </a:ext>
+            </a:extLst>
+          </p:cNvPr>
+          <p:cNvSpPr/>
+          <p:nvPr/>
+        </p:nvSpPr>
+        <p:spPr>
+          <a:xfrm>
+            <a:off x="282832" y="5720808"/>
+            <a:ext cx="3438880" cy="4838325"/>
+          </a:xfrm>
+          <a:prstGeom prst="rect">
+            <a:avLst/>
+          </a:prstGeom>
+          <a:solidFill>
+            <a:srgbClr val="79B0DC">
+              <a:alpha val="23776"/>
+            </a:srgbClr>
+          </a:solidFill>
+          <a:ln w="12700">
+            <a:miter lim="400000"/>
+          </a:ln>
+        </p:spPr>
+        <p:txBody>
+          <a:bodyPr lIns="54570" tIns="54570" rIns="54570" bIns="54570" anchor="ctr"/>
+          <a:lstStyle/>
+          <a:p>
+            <a:pPr>
+              <a:lnSpc>
+                <a:spcPct val="80000"/>
+              </a:lnSpc>
+              <a:spcBef>
+                <a:spcPts val="0"/>
+              </a:spcBef>
+              <a:defRPr sz="1000" b="0">
+                <a:solidFill>
+                  <a:srgbClr val="000000"/>
+                </a:solidFill>
+              </a:defRPr>
+            </a:pPr>
+            <a:endParaRPr dirty="0"/>
+          </a:p>
+        </p:txBody>
+      </p:sp>
+      <p:sp>
+        <p:nvSpPr>
+          <p:cNvPr id="78" name="ggplot(mpg, aes(hwy, cty)) +…">
+            <a:extLst>
+              <a:ext uri="{FF2B5EF4-FFF2-40B4-BE49-F238E27FC236}">
+                <a16:creationId xmlns:a16="http://schemas.microsoft.com/office/drawing/2014/main" id="{AD4C506F-9D81-1245-9344-640957EE1C23}"/>
+              </a:ext>
+            </a:extLst>
+          </p:cNvPr>
+          <p:cNvSpPr txBox="1"/>
+          <p:nvPr/>
+        </p:nvSpPr>
+        <p:spPr>
+          <a:xfrm>
+            <a:off x="1226063" y="6883324"/>
+            <a:ext cx="1352845" cy="294872"/>
+          </a:xfrm>
+          <a:prstGeom prst="rect">
+            <a:avLst/>
+          </a:prstGeom>
+          <a:solidFill>
+            <a:srgbClr val="FFFFFF"/>
+          </a:solidFill>
+          <a:ln w="12700">
+            <a:solidFill>
+              <a:srgbClr val="A6AAA9"/>
+            </a:solidFill>
+            <a:miter lim="400000"/>
+          </a:ln>
+          <a:extLst>
+            <a:ext uri="{C572A759-6A51-4108-AA02-DFA0A04FC94B}">
+              <ma14:wrappingTextBoxFlag xmlns:ma14="http://schemas.microsoft.com/office/mac/drawingml/2011/main" xmlns:a14="http://schemas.microsoft.com/office/drawing/2010/main" xmlns:m="http://schemas.openxmlformats.org/officeDocument/2006/math" xmlns="" val="1"/>
+            </a:ext>
+          </a:extLst>
+        </p:spPr>
+        <p:txBody>
+          <a:bodyPr wrap="square" lIns="54570" tIns="54570" rIns="54570" bIns="54570" anchor="ctr">
+            <a:spAutoFit/>
+          </a:bodyPr>
+          <a:lstStyle/>
+          <a:p>
+            <a:pPr>
+              <a:spcBef>
+                <a:spcPts val="0"/>
+              </a:spcBef>
+              <a:defRPr b="0">
+                <a:solidFill>
+                  <a:srgbClr val="000000"/>
+                </a:solidFill>
+                <a:latin typeface="Menlo"/>
+                <a:ea typeface="Menlo"/>
+                <a:cs typeface="Menlo"/>
+                <a:sym typeface="Menlo"/>
+              </a:defRPr>
+            </a:pPr>
+            <a:r>
+              <a:rPr lang="fr-FR" dirty="0"/>
+              <a:t>bs4UserCard()</a:t>
+            </a:r>
+            <a:endParaRPr dirty="0"/>
+          </a:p>
+        </p:txBody>
+      </p:sp>
+      <p:pic>
+        <p:nvPicPr>
+          <p:cNvPr id="81" name="Image 80">
+            <a:extLst>
+              <a:ext uri="{FF2B5EF4-FFF2-40B4-BE49-F238E27FC236}">
+                <a16:creationId xmlns:a16="http://schemas.microsoft.com/office/drawing/2014/main" id="{D8A90AB4-7DCC-3444-AFC4-669349B6FB1E}"/>
+              </a:ext>
+            </a:extLst>
+          </p:cNvPr>
+          <p:cNvPicPr>
+            <a:picLocks noChangeAspect="1"/>
+          </p:cNvPicPr>
+          <p:nvPr/>
+        </p:nvPicPr>
+        <p:blipFill>
+          <a:blip r:embed="rId14">
+            <a:extLst>
+              <a:ext uri="{28A0092B-C50C-407E-A947-70E740481C1C}">
+                <a14:useLocalDpi xmlns:a14="http://schemas.microsoft.com/office/drawing/2010/main" val="0"/>
+              </a:ext>
+            </a:extLst>
+          </a:blip>
+          <a:stretch>
+            <a:fillRect/>
+          </a:stretch>
+        </p:blipFill>
+        <p:spPr>
+          <a:xfrm>
+            <a:off x="486097" y="7387355"/>
+            <a:ext cx="2960370" cy="848995"/>
+          </a:xfrm>
+          <a:prstGeom prst="rect">
+            <a:avLst/>
+          </a:prstGeom>
+        </p:spPr>
+      </p:pic>
+      <p:pic>
+        <p:nvPicPr>
+          <p:cNvPr id="82" name="Image 81" descr="Une image contenant capture d’écran&#10;&#10;Description générée automatiquement">
+            <a:extLst>
+              <a:ext uri="{FF2B5EF4-FFF2-40B4-BE49-F238E27FC236}">
+                <a16:creationId xmlns:a16="http://schemas.microsoft.com/office/drawing/2014/main" id="{188FF81B-141C-5A4C-8200-BEC32C911636}"/>
               </a:ext>
             </a:extLst>
           </p:cNvPr>
@@ -12636,8 +15158,8 @@
         </p:blipFill>
         <p:spPr>
           <a:xfrm>
-            <a:off x="14323685" y="8592275"/>
-            <a:ext cx="1397000" cy="1320800"/>
+            <a:off x="522087" y="8939166"/>
+            <a:ext cx="2960370" cy="1404620"/>
           </a:xfrm>
           <a:prstGeom prst="rect">
             <a:avLst/>
@@ -12646,10 +15168,10 @@
       </p:pic>
       <p:sp>
         <p:nvSpPr>
-          <p:cNvPr id="99" name="Basics">
+          <p:cNvPr id="84" name="ggplot(mpg, aes(hwy, cty)) +…">
             <a:extLst>
               <a:ext uri="{FF2B5EF4-FFF2-40B4-BE49-F238E27FC236}">
-                <a16:creationId xmlns:a16="http://schemas.microsoft.com/office/drawing/2014/main" id="{81CF0995-1731-C94C-8B2A-3CBB834D9844}"/>
+                <a16:creationId xmlns:a16="http://schemas.microsoft.com/office/drawing/2014/main" id="{7954271C-8E3B-A74A-90BE-6BB28603A5F6}"/>
               </a:ext>
             </a:extLst>
           </p:cNvPr>
@@ -12658,218 +15180,389 @@
         </p:nvSpPr>
         <p:spPr>
           <a:xfrm>
-            <a:off x="258957" y="5018625"/>
-            <a:ext cx="1633460" cy="340029"/>
-          </a:xfrm>
-          <a:prstGeom prst="rect">
-            <a:avLst/>
-          </a:prstGeom>
-          <a:ln w="12700">
-            <a:miter lim="400000"/>
-          </a:ln>
-          <a:extLst>
-            <a:ext uri="{C572A759-6A51-4108-AA02-DFA0A04FC94B}">
-              <ma14:wrappingTextBoxFlag xmlns="" xmlns:m="http://schemas.openxmlformats.org/officeDocument/2006/math" xmlns:a14="http://schemas.microsoft.com/office/drawing/2010/main" xmlns:ma14="http://schemas.microsoft.com/office/mac/drawingml/2011/main" val="1"/>
-            </a:ext>
-          </a:extLst>
-        </p:spPr>
-        <p:txBody>
-          <a:bodyPr wrap="square" lIns="12700" tIns="12700" rIns="12700" bIns="12700" anchor="ctr">
-            <a:spAutoFit/>
-          </a:bodyPr>
-          <a:lstStyle/>
-          <a:p>
-            <a:pPr lvl="1" indent="0">
-              <a:lnSpc>
-                <a:spcPct val="80000"/>
-              </a:lnSpc>
-              <a:spcBef>
-                <a:spcPts val="0"/>
-              </a:spcBef>
-              <a:defRPr sz="2500" b="0">
-                <a:solidFill>
-                  <a:srgbClr val="628DB5"/>
-                </a:solidFill>
-              </a:defRPr>
-            </a:pPr>
-            <a:r>
-              <a:rPr lang="fr-FR" dirty="0"/>
-              <a:t>Tables</a:t>
-            </a:r>
-            <a:endParaRPr dirty="0"/>
-          </a:p>
-        </p:txBody>
-      </p:sp>
-      <p:sp>
-        <p:nvSpPr>
-          <p:cNvPr id="100" name="Line">
-            <a:extLst>
-              <a:ext uri="{FF2B5EF4-FFF2-40B4-BE49-F238E27FC236}">
-                <a16:creationId xmlns:a16="http://schemas.microsoft.com/office/drawing/2014/main" id="{0E1EE860-4F19-DB4D-A01E-8FC52E973764}"/>
-              </a:ext>
-            </a:extLst>
-          </p:cNvPr>
-          <p:cNvSpPr/>
-          <p:nvPr/>
-        </p:nvSpPr>
-        <p:spPr>
-          <a:xfrm>
-            <a:off x="267608" y="4972740"/>
-            <a:ext cx="3079672" cy="0"/>
-          </a:xfrm>
-          <a:prstGeom prst="line">
-            <a:avLst/>
-          </a:prstGeom>
-          <a:ln w="3175">
-            <a:solidFill>
-              <a:srgbClr val="767C85"/>
-            </a:solidFill>
-            <a:miter lim="400000"/>
-          </a:ln>
-        </p:spPr>
-        <p:txBody>
-          <a:bodyPr lIns="54570" tIns="54570" rIns="54570" bIns="54570" anchor="ctr"/>
-          <a:lstStyle/>
-          <a:p>
-            <a:pPr>
-              <a:lnSpc>
-                <a:spcPct val="80000"/>
-              </a:lnSpc>
-              <a:spcBef>
-                <a:spcPts val="600"/>
-              </a:spcBef>
-              <a:defRPr b="0">
-                <a:solidFill>
-                  <a:srgbClr val="000000"/>
-                </a:solidFill>
-              </a:defRPr>
-            </a:pPr>
-            <a:endParaRPr/>
-          </a:p>
-        </p:txBody>
-      </p:sp>
-      <p:sp>
-        <p:nvSpPr>
-          <p:cNvPr id="102" name="Group">
-            <a:extLst>
-              <a:ext uri="{FF2B5EF4-FFF2-40B4-BE49-F238E27FC236}">
-                <a16:creationId xmlns:a16="http://schemas.microsoft.com/office/drawing/2014/main" id="{580802B2-8035-994E-891A-40F169E834C1}"/>
-              </a:ext>
-            </a:extLst>
-          </p:cNvPr>
-          <p:cNvSpPr/>
-          <p:nvPr/>
-        </p:nvSpPr>
-        <p:spPr>
-          <a:xfrm>
-            <a:off x="258957" y="5338554"/>
-            <a:ext cx="3438880" cy="1157749"/>
+            <a:off x="1179343" y="8509899"/>
+            <a:ext cx="1598107" cy="294872"/>
           </a:xfrm>
           <a:prstGeom prst="rect">
             <a:avLst/>
           </a:prstGeom>
           <a:solidFill>
-            <a:srgbClr val="79B0DC">
-              <a:alpha val="23776"/>
-            </a:srgbClr>
+            <a:srgbClr val="FFFFFF"/>
           </a:solidFill>
           <a:ln w="12700">
+            <a:solidFill>
+              <a:srgbClr val="A6AAA9"/>
+            </a:solidFill>
             <a:miter lim="400000"/>
           </a:ln>
+          <a:extLst>
+            <a:ext uri="{C572A759-6A51-4108-AA02-DFA0A04FC94B}">
+              <ma14:wrappingTextBoxFlag xmlns:ma14="http://schemas.microsoft.com/office/mac/drawingml/2011/main" xmlns:a14="http://schemas.microsoft.com/office/drawing/2010/main" xmlns:m="http://schemas.openxmlformats.org/officeDocument/2006/math" xmlns="" val="1"/>
+            </a:ext>
+          </a:extLst>
         </p:spPr>
         <p:txBody>
-          <a:bodyPr lIns="54570" tIns="54570" rIns="54570" bIns="54570" anchor="ctr"/>
+          <a:bodyPr wrap="square" lIns="54570" tIns="54570" rIns="54570" bIns="54570" anchor="ctr">
+            <a:spAutoFit/>
+          </a:bodyPr>
           <a:lstStyle/>
           <a:p>
             <a:pPr>
-              <a:lnSpc>
-                <a:spcPct val="80000"/>
-              </a:lnSpc>
               <a:spcBef>
                 <a:spcPts val="0"/>
               </a:spcBef>
-              <a:defRPr sz="1000" b="0">
+              <a:defRPr b="0">
                 <a:solidFill>
                   <a:srgbClr val="000000"/>
                 </a:solidFill>
+                <a:latin typeface="Menlo"/>
+                <a:ea typeface="Menlo"/>
+                <a:cs typeface="Menlo"/>
+                <a:sym typeface="Menlo"/>
               </a:defRPr>
             </a:pPr>
+            <a:r>
+              <a:rPr lang="fr-FR" dirty="0"/>
+              <a:t>bs4SocialCard()</a:t>
+            </a:r>
             <a:endParaRPr dirty="0"/>
           </a:p>
         </p:txBody>
       </p:sp>
-      <p:pic>
-        <p:nvPicPr>
-          <p:cNvPr id="103" name="Image 102" descr="Une image contenant capture d’écran&#10;&#10;Description générée automatiquement">
+      <p:sp>
+        <p:nvSpPr>
+          <p:cNvPr id="2" name="ZoneTexte 1">
             <a:extLst>
               <a:ext uri="{FF2B5EF4-FFF2-40B4-BE49-F238E27FC236}">
-                <a16:creationId xmlns:a16="http://schemas.microsoft.com/office/drawing/2014/main" id="{95565B78-0B65-5B47-8A63-FC86CF869480}"/>
+                <a16:creationId xmlns:a16="http://schemas.microsoft.com/office/drawing/2014/main" id="{C9BF301C-99A0-874D-89FE-B5954A10FB5F}"/>
               </a:ext>
             </a:extLst>
           </p:cNvPr>
-          <p:cNvPicPr>
-            <a:picLocks noChangeAspect="1"/>
-          </p:cNvPicPr>
+          <p:cNvSpPr txBox="1"/>
           <p:nvPr/>
-        </p:nvPicPr>
-        <p:blipFill>
-          <a:blip r:embed="rId16">
-            <a:extLst>
-              <a:ext uri="{28A0092B-C50C-407E-A947-70E740481C1C}">
-                <a14:useLocalDpi xmlns:a14="http://schemas.microsoft.com/office/drawing/2010/main" val="0"/>
-              </a:ext>
-            </a:extLst>
-          </a:blip>
-          <a:stretch>
-            <a:fillRect/>
-          </a:stretch>
-        </p:blipFill>
+        </p:nvSpPr>
         <p:spPr>
           <a:xfrm>
-            <a:off x="390693" y="5682077"/>
-            <a:ext cx="2946400" cy="422275"/>
+            <a:off x="678401" y="6138297"/>
+            <a:ext cx="2316546" cy="505186"/>
           </a:xfrm>
           <a:prstGeom prst="rect">
             <a:avLst/>
           </a:prstGeom>
+          <a:noFill/>
+          <a:ln w="12700" cap="flat">
+            <a:noFill/>
+            <a:miter lim="400000"/>
+          </a:ln>
+          <a:effectLst/>
+          <a:sp3d/>
         </p:spPr>
-      </p:pic>
-      <p:pic>
-        <p:nvPicPr>
-          <p:cNvPr id="105" name="Image 104">
-            <a:extLst>
-              <a:ext uri="{FF2B5EF4-FFF2-40B4-BE49-F238E27FC236}">
-                <a16:creationId xmlns:a16="http://schemas.microsoft.com/office/drawing/2014/main" id="{A657B144-A1A2-B544-BD92-2BB7D54AA12C}"/>
-              </a:ext>
-            </a:extLst>
-          </p:cNvPr>
-          <p:cNvPicPr>
-            <a:picLocks noChangeAspect="1"/>
-          </p:cNvPicPr>
-          <p:nvPr/>
-        </p:nvPicPr>
-        <p:blipFill>
-          <a:blip r:embed="rId17">
-            <a:extLst>
-              <a:ext uri="{28A0092B-C50C-407E-A947-70E740481C1C}">
-                <a14:useLocalDpi xmlns:a14="http://schemas.microsoft.com/office/drawing/2010/main" val="0"/>
-              </a:ext>
-            </a:extLst>
-          </a:blip>
-          <a:stretch>
-            <a:fillRect/>
-          </a:stretch>
-        </p:blipFill>
-        <p:spPr>
-          <a:xfrm>
-            <a:off x="14342902" y="4679419"/>
-            <a:ext cx="1384300" cy="457200"/>
-          </a:xfrm>
-          <a:prstGeom prst="rect">
-            <a:avLst/>
-          </a:prstGeom>
-        </p:spPr>
-      </p:pic>
+        <p:style>
+          <a:lnRef idx="0">
+            <a:scrgbClr r="0" g="0" b="0"/>
+          </a:lnRef>
+          <a:fillRef idx="0">
+            <a:scrgbClr r="0" g="0" b="0"/>
+          </a:fillRef>
+          <a:effectRef idx="0">
+            <a:scrgbClr r="0" g="0" b="0"/>
+          </a:effectRef>
+          <a:fontRef idx="none"/>
+        </p:style>
+        <p:txBody>
+          <a:bodyPr rot="0" spcFirstLastPara="1" vertOverflow="overflow" horzOverflow="overflow" vert="horz" wrap="square" lIns="54570" tIns="54570" rIns="54570" bIns="54570" numCol="1" spcCol="38100" rtlCol="0" anchor="ctr">
+            <a:spAutoFit/>
+          </a:bodyPr>
+          <a:lstStyle/>
+          <a:p>
+            <a:pPr marL="0" marR="0" indent="0" algn="l" defTabSz="584200" rtl="0" fontAlgn="auto" latinLnBrk="0" hangingPunct="0">
+              <a:lnSpc>
+                <a:spcPct val="100000"/>
+              </a:lnSpc>
+              <a:spcBef>
+                <a:spcPts val="200"/>
+              </a:spcBef>
+              <a:spcAft>
+                <a:spcPts val="0"/>
+              </a:spcAft>
+              <a:buClrTx/>
+              <a:buSzTx/>
+              <a:buFontTx/>
+              <a:buNone/>
+              <a:tabLst/>
+            </a:pPr>
+            <a:r>
+              <a:rPr kumimoji="0" lang="fr-FR" sz="1200" b="1" i="0" u="none" strike="noStrike" cap="none" spc="0" normalizeH="0" baseline="0" dirty="0" err="1">
+                <a:ln>
+                  <a:noFill/>
+                </a:ln>
+                <a:solidFill>
+                  <a:srgbClr val="4C4C4C"/>
+                </a:solidFill>
+                <a:effectLst/>
+                <a:uFillTx/>
+                <a:latin typeface="Source Sans Pro"/>
+                <a:ea typeface="Source Sans Pro"/>
+                <a:cs typeface="Source Sans Pro"/>
+                <a:sym typeface="Source Sans Pro"/>
+              </a:rPr>
+              <a:t>These</a:t>
+            </a:r>
+            <a:r>
+              <a:rPr kumimoji="0" lang="fr-FR" sz="1200" b="1" i="0" u="none" strike="noStrike" cap="none" spc="0" normalizeH="0" baseline="0" dirty="0">
+                <a:ln>
+                  <a:noFill/>
+                </a:ln>
+                <a:solidFill>
+                  <a:srgbClr val="4C4C4C"/>
+                </a:solidFill>
+                <a:effectLst/>
+                <a:uFillTx/>
+                <a:latin typeface="Source Sans Pro"/>
+                <a:ea typeface="Source Sans Pro"/>
+                <a:cs typeface="Source Sans Pro"/>
+                <a:sym typeface="Source Sans Pro"/>
+              </a:rPr>
+              <a:t> items are </a:t>
+            </a:r>
+            <a:r>
+              <a:rPr kumimoji="0" lang="fr-FR" sz="1200" b="1" i="0" u="none" strike="noStrike" cap="none" spc="0" normalizeH="0" baseline="0" dirty="0" err="1">
+                <a:ln>
+                  <a:noFill/>
+                </a:ln>
+                <a:solidFill>
+                  <a:srgbClr val="4C4C4C"/>
+                </a:solidFill>
+                <a:effectLst/>
+                <a:uFillTx/>
+                <a:latin typeface="Source Sans Pro"/>
+                <a:ea typeface="Source Sans Pro"/>
+                <a:cs typeface="Source Sans Pro"/>
+                <a:sym typeface="Source Sans Pro"/>
+              </a:rPr>
+              <a:t>well</a:t>
+            </a:r>
+            <a:r>
+              <a:rPr kumimoji="0" lang="fr-FR" sz="1200" b="1" i="0" u="none" strike="noStrike" cap="none" spc="0" normalizeH="0" baseline="0" dirty="0">
+                <a:ln>
+                  <a:noFill/>
+                </a:ln>
+                <a:solidFill>
+                  <a:srgbClr val="4C4C4C"/>
+                </a:solidFill>
+                <a:effectLst/>
+                <a:uFillTx/>
+                <a:latin typeface="Source Sans Pro"/>
+                <a:ea typeface="Source Sans Pro"/>
+                <a:cs typeface="Source Sans Pro"/>
+                <a:sym typeface="Source Sans Pro"/>
+              </a:rPr>
+              <a:t> </a:t>
+            </a:r>
+            <a:r>
+              <a:rPr kumimoji="0" lang="fr-FR" sz="1200" b="1" i="0" u="none" strike="noStrike" cap="none" spc="0" normalizeH="0" baseline="0" dirty="0" err="1">
+                <a:ln>
+                  <a:noFill/>
+                </a:ln>
+                <a:solidFill>
+                  <a:srgbClr val="4C4C4C"/>
+                </a:solidFill>
+                <a:effectLst/>
+                <a:uFillTx/>
+                <a:latin typeface="Source Sans Pro"/>
+                <a:ea typeface="Source Sans Pro"/>
+                <a:cs typeface="Source Sans Pro"/>
+                <a:sym typeface="Source Sans Pro"/>
+              </a:rPr>
+              <a:t>stuited</a:t>
+            </a:r>
+            <a:r>
+              <a:rPr kumimoji="0" lang="fr-FR" sz="1200" b="1" i="0" u="none" strike="noStrike" cap="none" spc="0" normalizeH="0" baseline="0" dirty="0">
+                <a:ln>
+                  <a:noFill/>
+                </a:ln>
+                <a:solidFill>
+                  <a:srgbClr val="4C4C4C"/>
+                </a:solidFill>
+                <a:effectLst/>
+                <a:uFillTx/>
+                <a:latin typeface="Source Sans Pro"/>
+                <a:ea typeface="Source Sans Pro"/>
+                <a:cs typeface="Source Sans Pro"/>
+                <a:sym typeface="Source Sans Pro"/>
+              </a:rPr>
+              <a:t> </a:t>
+            </a:r>
+            <a:r>
+              <a:rPr kumimoji="0" lang="fr-FR" sz="1200" b="1" i="0" u="none" strike="noStrike" cap="none" spc="0" normalizeH="0" baseline="0" dirty="0" err="1">
+                <a:ln>
+                  <a:noFill/>
+                </a:ln>
+                <a:solidFill>
+                  <a:srgbClr val="4C4C4C"/>
+                </a:solidFill>
+                <a:effectLst/>
+                <a:uFillTx/>
+                <a:latin typeface="Source Sans Pro"/>
+                <a:ea typeface="Source Sans Pro"/>
+                <a:cs typeface="Source Sans Pro"/>
+                <a:sym typeface="Source Sans Pro"/>
+              </a:rPr>
+              <a:t>when</a:t>
+            </a:r>
+            <a:r>
+              <a:rPr kumimoji="0" lang="fr-FR" sz="1200" b="1" i="0" u="none" strike="noStrike" cap="none" spc="0" normalizeH="0" baseline="0" dirty="0">
+                <a:ln>
+                  <a:noFill/>
+                </a:ln>
+                <a:solidFill>
+                  <a:srgbClr val="4C4C4C"/>
+                </a:solidFill>
+                <a:effectLst/>
+                <a:uFillTx/>
+                <a:latin typeface="Source Sans Pro"/>
+                <a:ea typeface="Source Sans Pro"/>
+                <a:cs typeface="Source Sans Pro"/>
+                <a:sym typeface="Source Sans Pro"/>
+              </a:rPr>
+              <a:t> </a:t>
+            </a:r>
+            <a:r>
+              <a:rPr kumimoji="0" lang="fr-FR" sz="1200" b="1" i="0" u="none" strike="noStrike" cap="none" spc="0" normalizeH="0" baseline="0" dirty="0" err="1">
+                <a:ln>
+                  <a:noFill/>
+                </a:ln>
+                <a:solidFill>
+                  <a:srgbClr val="4C4C4C"/>
+                </a:solidFill>
+                <a:effectLst/>
+                <a:uFillTx/>
+                <a:latin typeface="Source Sans Pro"/>
+                <a:ea typeface="Source Sans Pro"/>
+                <a:cs typeface="Source Sans Pro"/>
+                <a:sym typeface="Source Sans Pro"/>
+              </a:rPr>
+              <a:t>you</a:t>
+            </a:r>
+            <a:r>
+              <a:rPr kumimoji="0" lang="fr-FR" sz="1200" b="1" i="0" u="none" strike="noStrike" cap="none" spc="0" normalizeH="0" baseline="0" dirty="0">
+                <a:ln>
+                  <a:noFill/>
+                </a:ln>
+                <a:solidFill>
+                  <a:srgbClr val="4C4C4C"/>
+                </a:solidFill>
+                <a:effectLst/>
+                <a:uFillTx/>
+                <a:latin typeface="Source Sans Pro"/>
+                <a:ea typeface="Source Sans Pro"/>
+                <a:cs typeface="Source Sans Pro"/>
+                <a:sym typeface="Source Sans Pro"/>
+              </a:rPr>
+              <a:t> </a:t>
+            </a:r>
+            <a:r>
+              <a:rPr kumimoji="0" lang="fr-FR" sz="1200" b="1" i="0" u="none" strike="noStrike" cap="none" spc="0" normalizeH="0" baseline="0" dirty="0" err="1">
+                <a:ln>
+                  <a:noFill/>
+                </a:ln>
+                <a:solidFill>
+                  <a:srgbClr val="4C4C4C"/>
+                </a:solidFill>
+                <a:effectLst/>
+                <a:uFillTx/>
+                <a:latin typeface="Source Sans Pro"/>
+                <a:ea typeface="Source Sans Pro"/>
+                <a:cs typeface="Source Sans Pro"/>
+                <a:sym typeface="Source Sans Pro"/>
+              </a:rPr>
+              <a:t>build</a:t>
+            </a:r>
+            <a:r>
+              <a:rPr kumimoji="0" lang="fr-FR" sz="1200" b="1" i="0" u="none" strike="noStrike" cap="none" spc="0" normalizeH="0" baseline="0" dirty="0">
+                <a:ln>
+                  <a:noFill/>
+                </a:ln>
+                <a:solidFill>
+                  <a:srgbClr val="4C4C4C"/>
+                </a:solidFill>
+                <a:effectLst/>
+                <a:uFillTx/>
+                <a:latin typeface="Source Sans Pro"/>
+                <a:ea typeface="Source Sans Pro"/>
+                <a:cs typeface="Source Sans Pro"/>
+                <a:sym typeface="Source Sans Pro"/>
+              </a:rPr>
+              <a:t> social </a:t>
+            </a:r>
+            <a:r>
+              <a:rPr kumimoji="0" lang="fr-FR" sz="1200" b="1" i="0" u="none" strike="noStrike" cap="none" spc="0" normalizeH="0" baseline="0" dirty="0" err="1">
+                <a:ln>
+                  <a:noFill/>
+                </a:ln>
+                <a:solidFill>
+                  <a:srgbClr val="4C4C4C"/>
+                </a:solidFill>
+                <a:effectLst/>
+                <a:uFillTx/>
+                <a:latin typeface="Source Sans Pro"/>
+                <a:ea typeface="Source Sans Pro"/>
+                <a:cs typeface="Source Sans Pro"/>
+                <a:sym typeface="Source Sans Pro"/>
+              </a:rPr>
+              <a:t>shiny</a:t>
+            </a:r>
+            <a:r>
+              <a:rPr kumimoji="0" lang="fr-FR" sz="1200" b="1" i="0" u="none" strike="noStrike" cap="none" spc="0" normalizeH="0" baseline="0" dirty="0">
+                <a:ln>
+                  <a:noFill/>
+                </a:ln>
+                <a:solidFill>
+                  <a:srgbClr val="4C4C4C"/>
+                </a:solidFill>
+                <a:effectLst/>
+                <a:uFillTx/>
+                <a:latin typeface="Source Sans Pro"/>
+                <a:ea typeface="Source Sans Pro"/>
+                <a:cs typeface="Source Sans Pro"/>
+                <a:sym typeface="Source Sans Pro"/>
+              </a:rPr>
+              <a:t> </a:t>
+            </a:r>
+            <a:r>
+              <a:rPr kumimoji="0" lang="fr-FR" sz="1200" b="1" i="0" u="none" strike="noStrike" cap="none" spc="0" normalizeH="0" baseline="0" dirty="0" err="1">
+                <a:ln>
+                  <a:noFill/>
+                </a:ln>
+                <a:solidFill>
+                  <a:srgbClr val="4C4C4C"/>
+                </a:solidFill>
+                <a:effectLst/>
+                <a:uFillTx/>
+                <a:latin typeface="Source Sans Pro"/>
+                <a:ea typeface="Source Sans Pro"/>
+                <a:cs typeface="Source Sans Pro"/>
+                <a:sym typeface="Source Sans Pro"/>
+              </a:rPr>
+              <a:t>apps</a:t>
+            </a:r>
+            <a:endParaRPr kumimoji="0" lang="fr-FR" sz="1200" b="1" i="0" u="none" strike="noStrike" cap="none" spc="0" normalizeH="0" baseline="0" dirty="0">
+              <a:ln>
+                <a:noFill/>
+              </a:ln>
+              <a:solidFill>
+                <a:srgbClr val="4C4C4C"/>
+              </a:solidFill>
+              <a:effectLst/>
+              <a:uFillTx/>
+              <a:latin typeface="Source Sans Pro"/>
+              <a:ea typeface="Source Sans Pro"/>
+              <a:cs typeface="Source Sans Pro"/>
+              <a:sym typeface="Source Sans Pro"/>
+            </a:endParaRPr>
+          </a:p>
+        </p:txBody>
+      </p:sp>
     </p:spTree>
     <p:extLst>
       <p:ext uri="{BB962C8B-B14F-4D97-AF65-F5344CB8AC3E}">

--- a/bs4Dash.pptx
+++ b/bs4Dash.pptx
@@ -2077,7 +2077,7 @@
           </a:ln>
           <a:extLst>
             <a:ext uri="{C572A759-6A51-4108-AA02-DFA0A04FC94B}">
-              <ma14:wrappingTextBoxFlag xmlns:ma14="http://schemas.microsoft.com/office/mac/drawingml/2011/main" xmlns:a14="http://schemas.microsoft.com/office/drawing/2010/main" xmlns:m="http://schemas.openxmlformats.org/officeDocument/2006/math" xmlns="" val="1"/>
+              <ma14:wrappingTextBoxFlag xmlns="" xmlns:m="http://schemas.openxmlformats.org/officeDocument/2006/math" xmlns:a14="http://schemas.microsoft.com/office/drawing/2010/main" xmlns:ma14="http://schemas.microsoft.com/office/mac/drawingml/2011/main" val="1"/>
             </a:ext>
           </a:extLst>
         </p:spPr>
@@ -2116,7 +2116,7 @@
           </a:ln>
           <a:extLst>
             <a:ext uri="{C572A759-6A51-4108-AA02-DFA0A04FC94B}">
-              <ma14:wrappingTextBoxFlag xmlns:ma14="http://schemas.microsoft.com/office/mac/drawingml/2011/main" xmlns:a14="http://schemas.microsoft.com/office/drawing/2010/main" xmlns:m="http://schemas.openxmlformats.org/officeDocument/2006/math" xmlns="" val="1"/>
+              <ma14:wrappingTextBoxFlag xmlns="" xmlns:m="http://schemas.openxmlformats.org/officeDocument/2006/math" xmlns:a14="http://schemas.microsoft.com/office/drawing/2010/main" xmlns:ma14="http://schemas.microsoft.com/office/mac/drawingml/2011/main" val="1"/>
             </a:ext>
           </a:extLst>
         </p:spPr>
@@ -3933,7 +3933,7 @@
           </a:ln>
           <a:extLst>
             <a:ext uri="{C572A759-6A51-4108-AA02-DFA0A04FC94B}">
-              <ma14:wrappingTextBoxFlag xmlns:ma14="http://schemas.microsoft.com/office/mac/drawingml/2011/main" xmlns:a14="http://schemas.microsoft.com/office/drawing/2010/main" xmlns:m="http://schemas.openxmlformats.org/officeDocument/2006/math" xmlns="" val="1"/>
+              <ma14:wrappingTextBoxFlag xmlns="" xmlns:m="http://schemas.openxmlformats.org/officeDocument/2006/math" xmlns:a14="http://schemas.microsoft.com/office/drawing/2010/main" xmlns:ma14="http://schemas.microsoft.com/office/mac/drawingml/2011/main" val="1"/>
             </a:ext>
           </a:extLst>
         </p:spPr>
@@ -4071,7 +4071,7 @@
           </a:ln>
           <a:extLst>
             <a:ext uri="{C572A759-6A51-4108-AA02-DFA0A04FC94B}">
-              <ma14:wrappingTextBoxFlag xmlns:ma14="http://schemas.microsoft.com/office/mac/drawingml/2011/main" xmlns:a14="http://schemas.microsoft.com/office/drawing/2010/main" xmlns:m="http://schemas.openxmlformats.org/officeDocument/2006/math" xmlns="" val="1"/>
+              <ma14:wrappingTextBoxFlag xmlns="" xmlns:m="http://schemas.openxmlformats.org/officeDocument/2006/math" xmlns:a14="http://schemas.microsoft.com/office/drawing/2010/main" xmlns:ma14="http://schemas.microsoft.com/office/mac/drawingml/2011/main" val="1"/>
             </a:ext>
           </a:extLst>
         </p:spPr>
@@ -4253,7 +4253,7 @@
           </a:ln>
           <a:extLst>
             <a:ext uri="{C572A759-6A51-4108-AA02-DFA0A04FC94B}">
-              <ma14:wrappingTextBoxFlag xmlns:ma14="http://schemas.microsoft.com/office/mac/drawingml/2011/main" xmlns:a14="http://schemas.microsoft.com/office/drawing/2010/main" xmlns:m="http://schemas.openxmlformats.org/officeDocument/2006/math" xmlns="" val="1"/>
+              <ma14:wrappingTextBoxFlag xmlns="" xmlns:m="http://schemas.openxmlformats.org/officeDocument/2006/math" xmlns:a14="http://schemas.microsoft.com/office/drawing/2010/main" xmlns:ma14="http://schemas.microsoft.com/office/mac/drawingml/2011/main" val="1"/>
             </a:ext>
           </a:extLst>
         </p:spPr>
@@ -4333,7 +4333,7 @@
           </a:ln>
           <a:extLst>
             <a:ext uri="{C572A759-6A51-4108-AA02-DFA0A04FC94B}">
-              <ma14:wrappingTextBoxFlag xmlns:ma14="http://schemas.microsoft.com/office/mac/drawingml/2011/main" xmlns:a14="http://schemas.microsoft.com/office/drawing/2010/main" xmlns:m="http://schemas.openxmlformats.org/officeDocument/2006/math" xmlns="" val="1"/>
+              <ma14:wrappingTextBoxFlag xmlns="" xmlns:m="http://schemas.openxmlformats.org/officeDocument/2006/math" xmlns:a14="http://schemas.microsoft.com/office/drawing/2010/main" xmlns:ma14="http://schemas.microsoft.com/office/mac/drawingml/2011/main" val="1"/>
             </a:ext>
           </a:extLst>
         </p:spPr>
@@ -4383,7 +4383,7 @@
           </a:ln>
           <a:extLst>
             <a:ext uri="{C572A759-6A51-4108-AA02-DFA0A04FC94B}">
-              <ma14:wrappingTextBoxFlag xmlns:ma14="http://schemas.microsoft.com/office/mac/drawingml/2011/main" xmlns:a14="http://schemas.microsoft.com/office/drawing/2010/main" xmlns:m="http://schemas.openxmlformats.org/officeDocument/2006/math" xmlns="" val="1"/>
+              <ma14:wrappingTextBoxFlag xmlns="" xmlns:m="http://schemas.openxmlformats.org/officeDocument/2006/math" xmlns:a14="http://schemas.microsoft.com/office/drawing/2010/main" xmlns:ma14="http://schemas.microsoft.com/office/mac/drawingml/2011/main" val="1"/>
             </a:ext>
           </a:extLst>
         </p:spPr>
@@ -4443,7 +4443,7 @@
           </a:ln>
           <a:extLst>
             <a:ext uri="{C572A759-6A51-4108-AA02-DFA0A04FC94B}">
-              <ma14:wrappingTextBoxFlag xmlns:ma14="http://schemas.microsoft.com/office/mac/drawingml/2011/main" xmlns:a14="http://schemas.microsoft.com/office/drawing/2010/main" xmlns:m="http://schemas.openxmlformats.org/officeDocument/2006/math" xmlns="" val="1"/>
+              <ma14:wrappingTextBoxFlag xmlns="" xmlns:m="http://schemas.openxmlformats.org/officeDocument/2006/math" xmlns:a14="http://schemas.microsoft.com/office/drawing/2010/main" xmlns:ma14="http://schemas.microsoft.com/office/mac/drawingml/2011/main" val="1"/>
             </a:ext>
           </a:extLst>
         </p:spPr>
@@ -4656,7 +4656,7 @@
           </a:ln>
           <a:extLst>
             <a:ext uri="{C572A759-6A51-4108-AA02-DFA0A04FC94B}">
-              <ma14:wrappingTextBoxFlag xmlns:ma14="http://schemas.microsoft.com/office/mac/drawingml/2011/main" xmlns:a14="http://schemas.microsoft.com/office/drawing/2010/main" xmlns:m="http://schemas.openxmlformats.org/officeDocument/2006/math" xmlns="" val="1"/>
+              <ma14:wrappingTextBoxFlag xmlns="" xmlns:m="http://schemas.openxmlformats.org/officeDocument/2006/math" xmlns:a14="http://schemas.microsoft.com/office/drawing/2010/main" xmlns:ma14="http://schemas.microsoft.com/office/mac/drawingml/2011/main" val="1"/>
             </a:ext>
           </a:extLst>
         </p:spPr>
@@ -4856,7 +4856,7 @@
           </a:ln>
           <a:extLst>
             <a:ext uri="{C572A759-6A51-4108-AA02-DFA0A04FC94B}">
-              <ma14:wrappingTextBoxFlag xmlns:ma14="http://schemas.microsoft.com/office/mac/drawingml/2011/main" xmlns:a14="http://schemas.microsoft.com/office/drawing/2010/main" xmlns:m="http://schemas.openxmlformats.org/officeDocument/2006/math" xmlns="" val="1"/>
+              <ma14:wrappingTextBoxFlag xmlns="" xmlns:m="http://schemas.openxmlformats.org/officeDocument/2006/math" xmlns:a14="http://schemas.microsoft.com/office/drawing/2010/main" xmlns:ma14="http://schemas.microsoft.com/office/mac/drawingml/2011/main" val="1"/>
             </a:ext>
           </a:extLst>
         </p:spPr>
@@ -4955,7 +4955,7 @@
           </a:ln>
           <a:extLst>
             <a:ext uri="{C572A759-6A51-4108-AA02-DFA0A04FC94B}">
-              <ma14:wrappingTextBoxFlag xmlns:ma14="http://schemas.microsoft.com/office/mac/drawingml/2011/main" xmlns:a14="http://schemas.microsoft.com/office/drawing/2010/main" xmlns:m="http://schemas.openxmlformats.org/officeDocument/2006/math" xmlns="" val="1"/>
+              <ma14:wrappingTextBoxFlag xmlns="" xmlns:m="http://schemas.openxmlformats.org/officeDocument/2006/math" xmlns:a14="http://schemas.microsoft.com/office/drawing/2010/main" xmlns:ma14="http://schemas.microsoft.com/office/mac/drawingml/2011/main" val="1"/>
             </a:ext>
           </a:extLst>
         </p:spPr>
@@ -6017,7 +6017,7 @@
           </a:ln>
           <a:extLst>
             <a:ext uri="{C572A759-6A51-4108-AA02-DFA0A04FC94B}">
-              <ma14:wrappingTextBoxFlag xmlns:ma14="http://schemas.microsoft.com/office/mac/drawingml/2011/main" xmlns:a14="http://schemas.microsoft.com/office/drawing/2010/main" xmlns:m="http://schemas.openxmlformats.org/officeDocument/2006/math" xmlns="" val="1"/>
+              <ma14:wrappingTextBoxFlag xmlns="" xmlns:m="http://schemas.openxmlformats.org/officeDocument/2006/math" xmlns:a14="http://schemas.microsoft.com/office/drawing/2010/main" xmlns:ma14="http://schemas.microsoft.com/office/mac/drawingml/2011/main" val="1"/>
             </a:ext>
           </a:extLst>
         </p:spPr>
@@ -6274,7 +6274,7 @@
           </a:ln>
           <a:extLst>
             <a:ext uri="{C572A759-6A51-4108-AA02-DFA0A04FC94B}">
-              <ma14:wrappingTextBoxFlag xmlns:ma14="http://schemas.microsoft.com/office/mac/drawingml/2011/main" xmlns:a14="http://schemas.microsoft.com/office/drawing/2010/main" xmlns:m="http://schemas.openxmlformats.org/officeDocument/2006/math" xmlns="" val="1"/>
+              <ma14:wrappingTextBoxFlag xmlns="" xmlns:m="http://schemas.openxmlformats.org/officeDocument/2006/math" xmlns:a14="http://schemas.microsoft.com/office/drawing/2010/main" xmlns:ma14="http://schemas.microsoft.com/office/mac/drawingml/2011/main" val="1"/>
             </a:ext>
           </a:extLst>
         </p:spPr>
@@ -6380,7 +6380,7 @@
           </a:ln>
           <a:extLst>
             <a:ext uri="{C572A759-6A51-4108-AA02-DFA0A04FC94B}">
-              <ma14:wrappingTextBoxFlag xmlns:ma14="http://schemas.microsoft.com/office/mac/drawingml/2011/main" xmlns:a14="http://schemas.microsoft.com/office/drawing/2010/main" xmlns:m="http://schemas.openxmlformats.org/officeDocument/2006/math" xmlns="" val="1"/>
+              <ma14:wrappingTextBoxFlag xmlns="" xmlns:m="http://schemas.openxmlformats.org/officeDocument/2006/math" xmlns:a14="http://schemas.microsoft.com/office/drawing/2010/main" xmlns:ma14="http://schemas.microsoft.com/office/mac/drawingml/2011/main" val="1"/>
             </a:ext>
           </a:extLst>
         </p:spPr>
@@ -6544,7 +6544,7 @@
           </a:ln>
           <a:extLst>
             <a:ext uri="{C572A759-6A51-4108-AA02-DFA0A04FC94B}">
-              <ma14:wrappingTextBoxFlag xmlns:ma14="http://schemas.microsoft.com/office/mac/drawingml/2011/main" xmlns:a14="http://schemas.microsoft.com/office/drawing/2010/main" xmlns:m="http://schemas.openxmlformats.org/officeDocument/2006/math" xmlns="" val="1"/>
+              <ma14:wrappingTextBoxFlag xmlns="" xmlns:m="http://schemas.openxmlformats.org/officeDocument/2006/math" xmlns:a14="http://schemas.microsoft.com/office/drawing/2010/main" xmlns:ma14="http://schemas.microsoft.com/office/mac/drawingml/2011/main" val="1"/>
             </a:ext>
           </a:extLst>
         </p:spPr>
@@ -6900,7 +6900,7 @@
           </a:ln>
           <a:extLst>
             <a:ext uri="{C572A759-6A51-4108-AA02-DFA0A04FC94B}">
-              <ma14:wrappingTextBoxFlag xmlns:ma14="http://schemas.microsoft.com/office/mac/drawingml/2011/main" xmlns:a14="http://schemas.microsoft.com/office/drawing/2010/main" xmlns:m="http://schemas.openxmlformats.org/officeDocument/2006/math" xmlns="" val="1"/>
+              <ma14:wrappingTextBoxFlag xmlns="" xmlns:m="http://schemas.openxmlformats.org/officeDocument/2006/math" xmlns:a14="http://schemas.microsoft.com/office/drawing/2010/main" xmlns:ma14="http://schemas.microsoft.com/office/mac/drawingml/2011/main" val="1"/>
             </a:ext>
           </a:extLst>
         </p:spPr>
@@ -7208,7 +7208,7 @@
           </a:ln>
           <a:extLst>
             <a:ext uri="{C572A759-6A51-4108-AA02-DFA0A04FC94B}">
-              <ma14:wrappingTextBoxFlag xmlns:ma14="http://schemas.microsoft.com/office/mac/drawingml/2011/main" xmlns:a14="http://schemas.microsoft.com/office/drawing/2010/main" xmlns:m="http://schemas.openxmlformats.org/officeDocument/2006/math" xmlns="" val="1"/>
+              <ma14:wrappingTextBoxFlag xmlns="" xmlns:m="http://schemas.openxmlformats.org/officeDocument/2006/math" xmlns:a14="http://schemas.microsoft.com/office/drawing/2010/main" xmlns:ma14="http://schemas.microsoft.com/office/mac/drawingml/2011/main" val="1"/>
             </a:ext>
           </a:extLst>
         </p:spPr>
@@ -7462,7 +7462,7 @@
           </a:ln>
           <a:extLst>
             <a:ext uri="{C572A759-6A51-4108-AA02-DFA0A04FC94B}">
-              <ma14:wrappingTextBoxFlag xmlns:ma14="http://schemas.microsoft.com/office/mac/drawingml/2011/main" xmlns:a14="http://schemas.microsoft.com/office/drawing/2010/main" xmlns:m="http://schemas.openxmlformats.org/officeDocument/2006/math" xmlns="" val="1"/>
+              <ma14:wrappingTextBoxFlag xmlns="" xmlns:m="http://schemas.openxmlformats.org/officeDocument/2006/math" xmlns:a14="http://schemas.microsoft.com/office/drawing/2010/main" xmlns:ma14="http://schemas.microsoft.com/office/mac/drawingml/2011/main" val="1"/>
             </a:ext>
           </a:extLst>
         </p:spPr>
@@ -7598,7 +7598,7 @@
           </a:ln>
           <a:extLst>
             <a:ext uri="{C572A759-6A51-4108-AA02-DFA0A04FC94B}">
-              <ma14:wrappingTextBoxFlag xmlns:ma14="http://schemas.microsoft.com/office/mac/drawingml/2011/main" xmlns:a14="http://schemas.microsoft.com/office/drawing/2010/main" xmlns:m="http://schemas.openxmlformats.org/officeDocument/2006/math" xmlns="" val="1"/>
+              <ma14:wrappingTextBoxFlag xmlns="" xmlns:m="http://schemas.openxmlformats.org/officeDocument/2006/math" xmlns:a14="http://schemas.microsoft.com/office/drawing/2010/main" xmlns:ma14="http://schemas.microsoft.com/office/mac/drawingml/2011/main" val="1"/>
             </a:ext>
           </a:extLst>
         </p:spPr>
@@ -7756,7 +7756,7 @@
           </a:ln>
           <a:extLst>
             <a:ext uri="{C572A759-6A51-4108-AA02-DFA0A04FC94B}">
-              <ma14:wrappingTextBoxFlag xmlns:ma14="http://schemas.microsoft.com/office/mac/drawingml/2011/main" xmlns:a14="http://schemas.microsoft.com/office/drawing/2010/main" xmlns:m="http://schemas.openxmlformats.org/officeDocument/2006/math" xmlns="" val="1"/>
+              <ma14:wrappingTextBoxFlag xmlns="" xmlns:m="http://schemas.openxmlformats.org/officeDocument/2006/math" xmlns:a14="http://schemas.microsoft.com/office/drawing/2010/main" xmlns:ma14="http://schemas.microsoft.com/office/mac/drawingml/2011/main" val="1"/>
             </a:ext>
           </a:extLst>
         </p:spPr>
@@ -7923,7 +7923,7 @@
           </a:ln>
           <a:extLst>
             <a:ext uri="{C572A759-6A51-4108-AA02-DFA0A04FC94B}">
-              <ma14:wrappingTextBoxFlag xmlns:ma14="http://schemas.microsoft.com/office/mac/drawingml/2011/main" xmlns:a14="http://schemas.microsoft.com/office/drawing/2010/main" xmlns:m="http://schemas.openxmlformats.org/officeDocument/2006/math" xmlns="" val="1"/>
+              <ma14:wrappingTextBoxFlag xmlns="" xmlns:m="http://schemas.openxmlformats.org/officeDocument/2006/math" xmlns:a14="http://schemas.microsoft.com/office/drawing/2010/main" xmlns:ma14="http://schemas.microsoft.com/office/mac/drawingml/2011/main" val="1"/>
             </a:ext>
           </a:extLst>
         </p:spPr>
@@ -8478,7 +8478,7 @@
         <p:spPr>
           <a:xfrm>
             <a:off x="4417307" y="4680525"/>
-            <a:ext cx="2023860" cy="417982"/>
+            <a:ext cx="2230854" cy="417982"/>
           </a:xfrm>
           <a:prstGeom prst="rect">
             <a:avLst/>
@@ -8494,7 +8494,7 @@
           </a:ln>
           <a:extLst>
             <a:ext uri="{C572A759-6A51-4108-AA02-DFA0A04FC94B}">
-              <ma14:wrappingTextBoxFlag xmlns:ma14="http://schemas.microsoft.com/office/mac/drawingml/2011/main" xmlns:a14="http://schemas.microsoft.com/office/drawing/2010/main" xmlns:m="http://schemas.openxmlformats.org/officeDocument/2006/math" xmlns="" val="1"/>
+              <ma14:wrappingTextBoxFlag xmlns="" xmlns:m="http://schemas.openxmlformats.org/officeDocument/2006/math" xmlns:a14="http://schemas.microsoft.com/office/drawing/2010/main" xmlns:ma14="http://schemas.microsoft.com/office/mac/drawingml/2011/main" val="1"/>
             </a:ext>
           </a:extLst>
         </p:spPr>
@@ -8534,7 +8534,7 @@
               <a:rPr lang="fr-FR" sz="1000" b="0" dirty="0">
                 <a:sym typeface="Menlo"/>
               </a:rPr>
-              <a:t> = "item1")</a:t>
+              <a:t> = "item1", ...)</a:t>
             </a:r>
           </a:p>
         </p:txBody>
@@ -9042,8 +9042,8 @@
         </p:nvSpPr>
         <p:spPr>
           <a:xfrm>
-            <a:off x="4390325" y="6104876"/>
-            <a:ext cx="2023860" cy="417982"/>
+            <a:off x="4390324" y="6104876"/>
+            <a:ext cx="2330473" cy="417982"/>
           </a:xfrm>
           <a:prstGeom prst="rect">
             <a:avLst/>
@@ -9059,7 +9059,7 @@
           </a:ln>
           <a:extLst>
             <a:ext uri="{C572A759-6A51-4108-AA02-DFA0A04FC94B}">
-              <ma14:wrappingTextBoxFlag xmlns:ma14="http://schemas.microsoft.com/office/mac/drawingml/2011/main" xmlns:a14="http://schemas.microsoft.com/office/drawing/2010/main" xmlns:m="http://schemas.openxmlformats.org/officeDocument/2006/math" xmlns="" val="1"/>
+              <ma14:wrappingTextBoxFlag xmlns="" xmlns:m="http://schemas.openxmlformats.org/officeDocument/2006/math" xmlns:a14="http://schemas.microsoft.com/office/drawing/2010/main" xmlns:ma14="http://schemas.microsoft.com/office/mac/drawingml/2011/main" val="1"/>
             </a:ext>
           </a:extLst>
         </p:spPr>
@@ -9087,19 +9087,31 @@
               <a:rPr lang="fr-FR" sz="1000" b="0" dirty="0">
                 <a:sym typeface="Menlo"/>
               </a:rPr>
-              <a:t>bs4SidebarMenuItem("Item ", </a:t>
+              <a:t>bs4SidebarMenuSubItem(</a:t>
             </a:r>
             <a:r>
               <a:rPr lang="fr-FR" sz="1000" b="0" dirty="0" err="1">
                 <a:sym typeface="Menlo"/>
               </a:rPr>
-              <a:t>tabName</a:t>
+              <a:t>text</a:t>
             </a:r>
             <a:r>
               <a:rPr lang="fr-FR" sz="1000" b="0" dirty="0">
                 <a:sym typeface="Menlo"/>
               </a:rPr>
-              <a:t> = "item", ...)</a:t>
+              <a:t> = "Item ", </a:t>
+            </a:r>
+            <a:r>
+              <a:rPr lang="fr-FR" sz="1000" b="0" dirty="0" err="1">
+                <a:sym typeface="Menlo"/>
+              </a:rPr>
+              <a:t>tabName</a:t>
+            </a:r>
+            <a:r>
+              <a:rPr lang="fr-FR" sz="1000" b="0" dirty="0">
+                <a:sym typeface="Menlo"/>
+              </a:rPr>
+              <a:t> = "item")</a:t>
             </a:r>
           </a:p>
         </p:txBody>
@@ -9449,8 +9461,8 @@
         </p:nvSpPr>
         <p:spPr>
           <a:xfrm>
-            <a:off x="4404675" y="4667188"/>
-            <a:ext cx="2049124" cy="422255"/>
+            <a:off x="4398081" y="4683100"/>
+            <a:ext cx="2250079" cy="422255"/>
           </a:xfrm>
           <a:prstGeom prst="rect">
             <a:avLst/>
@@ -9631,8 +9643,8 @@
         </p:nvSpPr>
         <p:spPr>
           <a:xfrm>
-            <a:off x="4398082" y="6110174"/>
-            <a:ext cx="2049037" cy="408763"/>
+            <a:off x="4390323" y="6112704"/>
+            <a:ext cx="2330471" cy="408763"/>
           </a:xfrm>
           <a:prstGeom prst="rect">
             <a:avLst/>
@@ -9691,7 +9703,7 @@
               <a:buNone/>
               <a:tabLst/>
             </a:pPr>
-            <a:endParaRPr kumimoji="0" lang="fr-FR" sz="1200" b="0" i="0" u="none" strike="noStrike" cap="none" spc="0" normalizeH="0" baseline="0">
+            <a:endParaRPr kumimoji="0" lang="fr-FR" sz="1200" b="0" i="0" u="none" strike="noStrike" cap="none" spc="0" normalizeH="0" baseline="0" dirty="0">
               <a:ln>
                 <a:noFill/>
               </a:ln>
@@ -9739,7 +9751,7 @@
           </a:ln>
           <a:extLst>
             <a:ext uri="{C572A759-6A51-4108-AA02-DFA0A04FC94B}">
-              <ma14:wrappingTextBoxFlag xmlns:ma14="http://schemas.microsoft.com/office/mac/drawingml/2011/main" xmlns:a14="http://schemas.microsoft.com/office/drawing/2010/main" xmlns:m="http://schemas.openxmlformats.org/officeDocument/2006/math" xmlns="" val="1"/>
+              <ma14:wrappingTextBoxFlag xmlns="" xmlns:m="http://schemas.openxmlformats.org/officeDocument/2006/math" xmlns:a14="http://schemas.microsoft.com/office/drawing/2010/main" xmlns:ma14="http://schemas.microsoft.com/office/mac/drawingml/2011/main" val="1"/>
             </a:ext>
           </a:extLst>
         </p:spPr>
@@ -9803,7 +9815,7 @@
           </a:ln>
           <a:extLst>
             <a:ext uri="{C572A759-6A51-4108-AA02-DFA0A04FC94B}">
-              <ma14:wrappingTextBoxFlag xmlns:ma14="http://schemas.microsoft.com/office/mac/drawingml/2011/main" xmlns:a14="http://schemas.microsoft.com/office/drawing/2010/main" xmlns:m="http://schemas.openxmlformats.org/officeDocument/2006/math" xmlns="" val="1"/>
+              <ma14:wrappingTextBoxFlag xmlns="" xmlns:m="http://schemas.openxmlformats.org/officeDocument/2006/math" xmlns:a14="http://schemas.microsoft.com/office/drawing/2010/main" xmlns:ma14="http://schemas.microsoft.com/office/mac/drawingml/2011/main" val="1"/>
             </a:ext>
           </a:extLst>
         </p:spPr>
@@ -9867,7 +9879,7 @@
           </a:ln>
           <a:extLst>
             <a:ext uri="{C572A759-6A51-4108-AA02-DFA0A04FC94B}">
-              <ma14:wrappingTextBoxFlag xmlns:ma14="http://schemas.microsoft.com/office/mac/drawingml/2011/main" xmlns:a14="http://schemas.microsoft.com/office/drawing/2010/main" xmlns:m="http://schemas.openxmlformats.org/officeDocument/2006/math" xmlns="" val="1"/>
+              <ma14:wrappingTextBoxFlag xmlns="" xmlns:m="http://schemas.openxmlformats.org/officeDocument/2006/math" xmlns:a14="http://schemas.microsoft.com/office/drawing/2010/main" xmlns:ma14="http://schemas.microsoft.com/office/mac/drawingml/2011/main" val="1"/>
             </a:ext>
           </a:extLst>
         </p:spPr>
@@ -12114,7 +12126,7 @@
           </a:ln>
           <a:extLst>
             <a:ext uri="{C572A759-6A51-4108-AA02-DFA0A04FC94B}">
-              <ma14:wrappingTextBoxFlag xmlns:ma14="http://schemas.microsoft.com/office/mac/drawingml/2011/main" xmlns:a14="http://schemas.microsoft.com/office/drawing/2010/main" xmlns:m="http://schemas.openxmlformats.org/officeDocument/2006/math" xmlns="" val="1"/>
+              <ma14:wrappingTextBoxFlag xmlns="" xmlns:m="http://schemas.openxmlformats.org/officeDocument/2006/math" xmlns:a14="http://schemas.microsoft.com/office/drawing/2010/main" xmlns:ma14="http://schemas.microsoft.com/office/mac/drawingml/2011/main" val="1"/>
             </a:ext>
           </a:extLst>
         </p:spPr>
@@ -12322,7 +12334,7 @@
           </a:ln>
           <a:extLst>
             <a:ext uri="{C572A759-6A51-4108-AA02-DFA0A04FC94B}">
-              <ma14:wrappingTextBoxFlag xmlns:ma14="http://schemas.microsoft.com/office/mac/drawingml/2011/main" xmlns:a14="http://schemas.microsoft.com/office/drawing/2010/main" xmlns:m="http://schemas.openxmlformats.org/officeDocument/2006/math" xmlns="" val="1"/>
+              <ma14:wrappingTextBoxFlag xmlns="" xmlns:m="http://schemas.openxmlformats.org/officeDocument/2006/math" xmlns:a14="http://schemas.microsoft.com/office/drawing/2010/main" xmlns:ma14="http://schemas.microsoft.com/office/mac/drawingml/2011/main" val="1"/>
             </a:ext>
           </a:extLst>
         </p:spPr>
@@ -12440,7 +12452,7 @@
           </a:ln>
           <a:extLst>
             <a:ext uri="{C572A759-6A51-4108-AA02-DFA0A04FC94B}">
-              <ma14:wrappingTextBoxFlag xmlns:ma14="http://schemas.microsoft.com/office/mac/drawingml/2011/main" xmlns:a14="http://schemas.microsoft.com/office/drawing/2010/main" xmlns:m="http://schemas.openxmlformats.org/officeDocument/2006/math" xmlns="" val="1"/>
+              <ma14:wrappingTextBoxFlag xmlns="" xmlns:m="http://schemas.openxmlformats.org/officeDocument/2006/math" xmlns:a14="http://schemas.microsoft.com/office/drawing/2010/main" xmlns:ma14="http://schemas.microsoft.com/office/mac/drawingml/2011/main" val="1"/>
             </a:ext>
           </a:extLst>
         </p:spPr>
@@ -12579,7 +12591,7 @@
           </a:ln>
           <a:extLst>
             <a:ext uri="{C572A759-6A51-4108-AA02-DFA0A04FC94B}">
-              <ma14:wrappingTextBoxFlag xmlns:ma14="http://schemas.microsoft.com/office/mac/drawingml/2011/main" xmlns:a14="http://schemas.microsoft.com/office/drawing/2010/main" xmlns:m="http://schemas.openxmlformats.org/officeDocument/2006/math" xmlns="" val="1"/>
+              <ma14:wrappingTextBoxFlag xmlns="" xmlns:m="http://schemas.openxmlformats.org/officeDocument/2006/math" xmlns:a14="http://schemas.microsoft.com/office/drawing/2010/main" xmlns:ma14="http://schemas.microsoft.com/office/mac/drawingml/2011/main" val="1"/>
             </a:ext>
           </a:extLst>
         </p:spPr>
@@ -12687,7 +12699,7 @@
           </a:ln>
           <a:extLst>
             <a:ext uri="{C572A759-6A51-4108-AA02-DFA0A04FC94B}">
-              <ma14:wrappingTextBoxFlag xmlns:ma14="http://schemas.microsoft.com/office/mac/drawingml/2011/main" xmlns:a14="http://schemas.microsoft.com/office/drawing/2010/main" xmlns:m="http://schemas.openxmlformats.org/officeDocument/2006/math" xmlns="" val="1"/>
+              <ma14:wrappingTextBoxFlag xmlns="" xmlns:m="http://schemas.openxmlformats.org/officeDocument/2006/math" xmlns:a14="http://schemas.microsoft.com/office/drawing/2010/main" xmlns:ma14="http://schemas.microsoft.com/office/mac/drawingml/2011/main" val="1"/>
             </a:ext>
           </a:extLst>
         </p:spPr>
@@ -12803,7 +12815,7 @@
           </a:ln>
           <a:extLst>
             <a:ext uri="{C572A759-6A51-4108-AA02-DFA0A04FC94B}">
-              <ma14:wrappingTextBoxFlag xmlns:ma14="http://schemas.microsoft.com/office/mac/drawingml/2011/main" xmlns:a14="http://schemas.microsoft.com/office/drawing/2010/main" xmlns:m="http://schemas.openxmlformats.org/officeDocument/2006/math" xmlns="" val="1"/>
+              <ma14:wrappingTextBoxFlag xmlns="" xmlns:m="http://schemas.openxmlformats.org/officeDocument/2006/math" xmlns:a14="http://schemas.microsoft.com/office/drawing/2010/main" xmlns:ma14="http://schemas.microsoft.com/office/mac/drawingml/2011/main" val="1"/>
             </a:ext>
           </a:extLst>
         </p:spPr>
@@ -13154,7 +13166,7 @@
           </a:ln>
           <a:extLst>
             <a:ext uri="{C572A759-6A51-4108-AA02-DFA0A04FC94B}">
-              <ma14:wrappingTextBoxFlag xmlns:ma14="http://schemas.microsoft.com/office/mac/drawingml/2011/main" xmlns:a14="http://schemas.microsoft.com/office/drawing/2010/main" xmlns:m="http://schemas.openxmlformats.org/officeDocument/2006/math" xmlns="" val="1"/>
+              <ma14:wrappingTextBoxFlag xmlns="" xmlns:m="http://schemas.openxmlformats.org/officeDocument/2006/math" xmlns:a14="http://schemas.microsoft.com/office/drawing/2010/main" xmlns:ma14="http://schemas.microsoft.com/office/mac/drawingml/2011/main" val="1"/>
             </a:ext>
           </a:extLst>
         </p:spPr>
@@ -13936,7 +13948,7 @@
           </a:ln>
           <a:extLst>
             <a:ext uri="{C572A759-6A51-4108-AA02-DFA0A04FC94B}">
-              <ma14:wrappingTextBoxFlag xmlns:ma14="http://schemas.microsoft.com/office/mac/drawingml/2011/main" xmlns:a14="http://schemas.microsoft.com/office/drawing/2010/main" xmlns:m="http://schemas.openxmlformats.org/officeDocument/2006/math" xmlns="" val="1"/>
+              <ma14:wrappingTextBoxFlag xmlns="" xmlns:m="http://schemas.openxmlformats.org/officeDocument/2006/math" xmlns:a14="http://schemas.microsoft.com/office/drawing/2010/main" xmlns:ma14="http://schemas.microsoft.com/office/mac/drawingml/2011/main" val="1"/>
             </a:ext>
           </a:extLst>
         </p:spPr>
@@ -14602,7 +14614,7 @@
           </a:ln>
           <a:extLst>
             <a:ext uri="{C572A759-6A51-4108-AA02-DFA0A04FC94B}">
-              <ma14:wrappingTextBoxFlag xmlns:ma14="http://schemas.microsoft.com/office/mac/drawingml/2011/main" xmlns:a14="http://schemas.microsoft.com/office/drawing/2010/main" xmlns:m="http://schemas.openxmlformats.org/officeDocument/2006/math" xmlns="" val="1"/>
+              <ma14:wrappingTextBoxFlag xmlns="" xmlns:m="http://schemas.openxmlformats.org/officeDocument/2006/math" xmlns:a14="http://schemas.microsoft.com/office/drawing/2010/main" xmlns:ma14="http://schemas.microsoft.com/office/mac/drawingml/2011/main" val="1"/>
             </a:ext>
           </a:extLst>
         </p:spPr>
@@ -14868,7 +14880,7 @@
           </a:ln>
           <a:extLst>
             <a:ext uri="{C572A759-6A51-4108-AA02-DFA0A04FC94B}">
-              <ma14:wrappingTextBoxFlag xmlns:ma14="http://schemas.microsoft.com/office/mac/drawingml/2011/main" xmlns:a14="http://schemas.microsoft.com/office/drawing/2010/main" xmlns:m="http://schemas.openxmlformats.org/officeDocument/2006/math" xmlns="" val="1"/>
+              <ma14:wrappingTextBoxFlag xmlns="" xmlns:m="http://schemas.openxmlformats.org/officeDocument/2006/math" xmlns:a14="http://schemas.microsoft.com/office/drawing/2010/main" xmlns:ma14="http://schemas.microsoft.com/office/mac/drawingml/2011/main" val="1"/>
             </a:ext>
           </a:extLst>
         </p:spPr>
@@ -14930,7 +14942,7 @@
           </a:ln>
           <a:extLst>
             <a:ext uri="{C572A759-6A51-4108-AA02-DFA0A04FC94B}">
-              <ma14:wrappingTextBoxFlag xmlns:ma14="http://schemas.microsoft.com/office/mac/drawingml/2011/main" xmlns:a14="http://schemas.microsoft.com/office/drawing/2010/main" xmlns:m="http://schemas.openxmlformats.org/officeDocument/2006/math" xmlns="" val="1"/>
+              <ma14:wrappingTextBoxFlag xmlns="" xmlns:m="http://schemas.openxmlformats.org/officeDocument/2006/math" xmlns:a14="http://schemas.microsoft.com/office/drawing/2010/main" xmlns:ma14="http://schemas.microsoft.com/office/mac/drawingml/2011/main" val="1"/>
             </a:ext>
           </a:extLst>
         </p:spPr>
@@ -15062,7 +15074,7 @@
           </a:ln>
           <a:extLst>
             <a:ext uri="{C572A759-6A51-4108-AA02-DFA0A04FC94B}">
-              <ma14:wrappingTextBoxFlag xmlns:ma14="http://schemas.microsoft.com/office/mac/drawingml/2011/main" xmlns:a14="http://schemas.microsoft.com/office/drawing/2010/main" xmlns:m="http://schemas.openxmlformats.org/officeDocument/2006/math" xmlns="" val="1"/>
+              <ma14:wrappingTextBoxFlag xmlns="" xmlns:m="http://schemas.openxmlformats.org/officeDocument/2006/math" xmlns:a14="http://schemas.microsoft.com/office/drawing/2010/main" xmlns:ma14="http://schemas.microsoft.com/office/mac/drawingml/2011/main" val="1"/>
             </a:ext>
           </a:extLst>
         </p:spPr>
@@ -15197,7 +15209,7 @@
           </a:ln>
           <a:extLst>
             <a:ext uri="{C572A759-6A51-4108-AA02-DFA0A04FC94B}">
-              <ma14:wrappingTextBoxFlag xmlns:ma14="http://schemas.microsoft.com/office/mac/drawingml/2011/main" xmlns:a14="http://schemas.microsoft.com/office/drawing/2010/main" xmlns:m="http://schemas.openxmlformats.org/officeDocument/2006/math" xmlns="" val="1"/>
+              <ma14:wrappingTextBoxFlag xmlns="" xmlns:m="http://schemas.openxmlformats.org/officeDocument/2006/math" xmlns:a14="http://schemas.microsoft.com/office/drawing/2010/main" xmlns:ma14="http://schemas.microsoft.com/office/mac/drawingml/2011/main" val="1"/>
             </a:ext>
           </a:extLst>
         </p:spPr>

--- a/bs4Dash.pptx
+++ b/bs4Dash.pptx
@@ -2077,7 +2077,7 @@
           </a:ln>
           <a:extLst>
             <a:ext uri="{C572A759-6A51-4108-AA02-DFA0A04FC94B}">
-              <ma14:wrappingTextBoxFlag xmlns="" xmlns:m="http://schemas.openxmlformats.org/officeDocument/2006/math" xmlns:a14="http://schemas.microsoft.com/office/drawing/2010/main" xmlns:ma14="http://schemas.microsoft.com/office/mac/drawingml/2011/main" val="1"/>
+              <ma14:wrappingTextBoxFlag xmlns:ma14="http://schemas.microsoft.com/office/mac/drawingml/2011/main" xmlns:a14="http://schemas.microsoft.com/office/drawing/2010/main" xmlns:m="http://schemas.openxmlformats.org/officeDocument/2006/math" xmlns="" val="1"/>
             </a:ext>
           </a:extLst>
         </p:spPr>
@@ -2116,7 +2116,7 @@
           </a:ln>
           <a:extLst>
             <a:ext uri="{C572A759-6A51-4108-AA02-DFA0A04FC94B}">
-              <ma14:wrappingTextBoxFlag xmlns="" xmlns:m="http://schemas.openxmlformats.org/officeDocument/2006/math" xmlns:a14="http://schemas.microsoft.com/office/drawing/2010/main" xmlns:ma14="http://schemas.microsoft.com/office/mac/drawingml/2011/main" val="1"/>
+              <ma14:wrappingTextBoxFlag xmlns:ma14="http://schemas.microsoft.com/office/mac/drawingml/2011/main" xmlns:a14="http://schemas.microsoft.com/office/drawing/2010/main" xmlns:m="http://schemas.openxmlformats.org/officeDocument/2006/math" xmlns="" val="1"/>
             </a:ext>
           </a:extLst>
         </p:spPr>
@@ -3933,7 +3933,7 @@
           </a:ln>
           <a:extLst>
             <a:ext uri="{C572A759-6A51-4108-AA02-DFA0A04FC94B}">
-              <ma14:wrappingTextBoxFlag xmlns="" xmlns:m="http://schemas.openxmlformats.org/officeDocument/2006/math" xmlns:a14="http://schemas.microsoft.com/office/drawing/2010/main" xmlns:ma14="http://schemas.microsoft.com/office/mac/drawingml/2011/main" val="1"/>
+              <ma14:wrappingTextBoxFlag xmlns:ma14="http://schemas.microsoft.com/office/mac/drawingml/2011/main" xmlns:a14="http://schemas.microsoft.com/office/drawing/2010/main" xmlns:m="http://schemas.openxmlformats.org/officeDocument/2006/math" xmlns="" val="1"/>
             </a:ext>
           </a:extLst>
         </p:spPr>
@@ -4071,7 +4071,7 @@
           </a:ln>
           <a:extLst>
             <a:ext uri="{C572A759-6A51-4108-AA02-DFA0A04FC94B}">
-              <ma14:wrappingTextBoxFlag xmlns="" xmlns:m="http://schemas.openxmlformats.org/officeDocument/2006/math" xmlns:a14="http://schemas.microsoft.com/office/drawing/2010/main" xmlns:ma14="http://schemas.microsoft.com/office/mac/drawingml/2011/main" val="1"/>
+              <ma14:wrappingTextBoxFlag xmlns:ma14="http://schemas.microsoft.com/office/mac/drawingml/2011/main" xmlns:a14="http://schemas.microsoft.com/office/drawing/2010/main" xmlns:m="http://schemas.openxmlformats.org/officeDocument/2006/math" xmlns="" val="1"/>
             </a:ext>
           </a:extLst>
         </p:spPr>
@@ -4253,7 +4253,7 @@
           </a:ln>
           <a:extLst>
             <a:ext uri="{C572A759-6A51-4108-AA02-DFA0A04FC94B}">
-              <ma14:wrappingTextBoxFlag xmlns="" xmlns:m="http://schemas.openxmlformats.org/officeDocument/2006/math" xmlns:a14="http://schemas.microsoft.com/office/drawing/2010/main" xmlns:ma14="http://schemas.microsoft.com/office/mac/drawingml/2011/main" val="1"/>
+              <ma14:wrappingTextBoxFlag xmlns:ma14="http://schemas.microsoft.com/office/mac/drawingml/2011/main" xmlns:a14="http://schemas.microsoft.com/office/drawing/2010/main" xmlns:m="http://schemas.openxmlformats.org/officeDocument/2006/math" xmlns="" val="1"/>
             </a:ext>
           </a:extLst>
         </p:spPr>
@@ -4333,7 +4333,7 @@
           </a:ln>
           <a:extLst>
             <a:ext uri="{C572A759-6A51-4108-AA02-DFA0A04FC94B}">
-              <ma14:wrappingTextBoxFlag xmlns="" xmlns:m="http://schemas.openxmlformats.org/officeDocument/2006/math" xmlns:a14="http://schemas.microsoft.com/office/drawing/2010/main" xmlns:ma14="http://schemas.microsoft.com/office/mac/drawingml/2011/main" val="1"/>
+              <ma14:wrappingTextBoxFlag xmlns:ma14="http://schemas.microsoft.com/office/mac/drawingml/2011/main" xmlns:a14="http://schemas.microsoft.com/office/drawing/2010/main" xmlns:m="http://schemas.openxmlformats.org/officeDocument/2006/math" xmlns="" val="1"/>
             </a:ext>
           </a:extLst>
         </p:spPr>
@@ -4383,7 +4383,7 @@
           </a:ln>
           <a:extLst>
             <a:ext uri="{C572A759-6A51-4108-AA02-DFA0A04FC94B}">
-              <ma14:wrappingTextBoxFlag xmlns="" xmlns:m="http://schemas.openxmlformats.org/officeDocument/2006/math" xmlns:a14="http://schemas.microsoft.com/office/drawing/2010/main" xmlns:ma14="http://schemas.microsoft.com/office/mac/drawingml/2011/main" val="1"/>
+              <ma14:wrappingTextBoxFlag xmlns:ma14="http://schemas.microsoft.com/office/mac/drawingml/2011/main" xmlns:a14="http://schemas.microsoft.com/office/drawing/2010/main" xmlns:m="http://schemas.openxmlformats.org/officeDocument/2006/math" xmlns="" val="1"/>
             </a:ext>
           </a:extLst>
         </p:spPr>
@@ -4443,7 +4443,7 @@
           </a:ln>
           <a:extLst>
             <a:ext uri="{C572A759-6A51-4108-AA02-DFA0A04FC94B}">
-              <ma14:wrappingTextBoxFlag xmlns="" xmlns:m="http://schemas.openxmlformats.org/officeDocument/2006/math" xmlns:a14="http://schemas.microsoft.com/office/drawing/2010/main" xmlns:ma14="http://schemas.microsoft.com/office/mac/drawingml/2011/main" val="1"/>
+              <ma14:wrappingTextBoxFlag xmlns:ma14="http://schemas.microsoft.com/office/mac/drawingml/2011/main" xmlns:a14="http://schemas.microsoft.com/office/drawing/2010/main" xmlns:m="http://schemas.openxmlformats.org/officeDocument/2006/math" xmlns="" val="1"/>
             </a:ext>
           </a:extLst>
         </p:spPr>
@@ -4656,7 +4656,7 @@
           </a:ln>
           <a:extLst>
             <a:ext uri="{C572A759-6A51-4108-AA02-DFA0A04FC94B}">
-              <ma14:wrappingTextBoxFlag xmlns="" xmlns:m="http://schemas.openxmlformats.org/officeDocument/2006/math" xmlns:a14="http://schemas.microsoft.com/office/drawing/2010/main" xmlns:ma14="http://schemas.microsoft.com/office/mac/drawingml/2011/main" val="1"/>
+              <ma14:wrappingTextBoxFlag xmlns:ma14="http://schemas.microsoft.com/office/mac/drawingml/2011/main" xmlns:a14="http://schemas.microsoft.com/office/drawing/2010/main" xmlns:m="http://schemas.openxmlformats.org/officeDocument/2006/math" xmlns="" val="1"/>
             </a:ext>
           </a:extLst>
         </p:spPr>
@@ -4856,7 +4856,7 @@
           </a:ln>
           <a:extLst>
             <a:ext uri="{C572A759-6A51-4108-AA02-DFA0A04FC94B}">
-              <ma14:wrappingTextBoxFlag xmlns="" xmlns:m="http://schemas.openxmlformats.org/officeDocument/2006/math" xmlns:a14="http://schemas.microsoft.com/office/drawing/2010/main" xmlns:ma14="http://schemas.microsoft.com/office/mac/drawingml/2011/main" val="1"/>
+              <ma14:wrappingTextBoxFlag xmlns:ma14="http://schemas.microsoft.com/office/mac/drawingml/2011/main" xmlns:a14="http://schemas.microsoft.com/office/drawing/2010/main" xmlns:m="http://schemas.openxmlformats.org/officeDocument/2006/math" xmlns="" val="1"/>
             </a:ext>
           </a:extLst>
         </p:spPr>
@@ -4955,7 +4955,7 @@
           </a:ln>
           <a:extLst>
             <a:ext uri="{C572A759-6A51-4108-AA02-DFA0A04FC94B}">
-              <ma14:wrappingTextBoxFlag xmlns="" xmlns:m="http://schemas.openxmlformats.org/officeDocument/2006/math" xmlns:a14="http://schemas.microsoft.com/office/drawing/2010/main" xmlns:ma14="http://schemas.microsoft.com/office/mac/drawingml/2011/main" val="1"/>
+              <ma14:wrappingTextBoxFlag xmlns:ma14="http://schemas.microsoft.com/office/mac/drawingml/2011/main" xmlns:a14="http://schemas.microsoft.com/office/drawing/2010/main" xmlns:m="http://schemas.openxmlformats.org/officeDocument/2006/math" xmlns="" val="1"/>
             </a:ext>
           </a:extLst>
         </p:spPr>
@@ -6000,8 +6000,8 @@
         </p:nvSpPr>
         <p:spPr>
           <a:xfrm>
-            <a:off x="344039" y="8236153"/>
-            <a:ext cx="3190959" cy="1402867"/>
+            <a:off x="344039" y="8143820"/>
+            <a:ext cx="3190959" cy="1587533"/>
           </a:xfrm>
           <a:prstGeom prst="rect">
             <a:avLst/>
@@ -6017,7 +6017,7 @@
           </a:ln>
           <a:extLst>
             <a:ext uri="{C572A759-6A51-4108-AA02-DFA0A04FC94B}">
-              <ma14:wrappingTextBoxFlag xmlns="" xmlns:m="http://schemas.openxmlformats.org/officeDocument/2006/math" xmlns:a14="http://schemas.microsoft.com/office/drawing/2010/main" xmlns:ma14="http://schemas.microsoft.com/office/mac/drawingml/2011/main" val="1"/>
+              <ma14:wrappingTextBoxFlag xmlns:ma14="http://schemas.microsoft.com/office/mac/drawingml/2011/main" xmlns:a14="http://schemas.microsoft.com/office/drawing/2010/main" xmlns:m="http://schemas.openxmlformats.org/officeDocument/2006/math" xmlns="" val="1"/>
             </a:ext>
           </a:extLst>
         </p:spPr>
@@ -6175,7 +6175,27 @@
             </a:pPr>
             <a:r>
               <a:rPr lang="fr-FR" dirty="0"/>
-              <a:t> )</a:t>
+              <a:t> ),</a:t>
+            </a:r>
+          </a:p>
+          <a:p>
+            <a:pPr>
+              <a:spcBef>
+                <a:spcPts val="0"/>
+              </a:spcBef>
+              <a:defRPr b="0">
+                <a:solidFill>
+                  <a:srgbClr val="000000"/>
+                </a:solidFill>
+                <a:latin typeface="Menlo"/>
+                <a:ea typeface="Menlo"/>
+                <a:cs typeface="Menlo"/>
+                <a:sym typeface="Menlo"/>
+              </a:defRPr>
+            </a:pPr>
+            <a:r>
+              <a:rPr lang="fr-FR" dirty="0"/>
+              <a:t> …</a:t>
             </a:r>
           </a:p>
           <a:p>
@@ -6274,7 +6294,7 @@
           </a:ln>
           <a:extLst>
             <a:ext uri="{C572A759-6A51-4108-AA02-DFA0A04FC94B}">
-              <ma14:wrappingTextBoxFlag xmlns="" xmlns:m="http://schemas.openxmlformats.org/officeDocument/2006/math" xmlns:a14="http://schemas.microsoft.com/office/drawing/2010/main" xmlns:ma14="http://schemas.microsoft.com/office/mac/drawingml/2011/main" val="1"/>
+              <ma14:wrappingTextBoxFlag xmlns:ma14="http://schemas.microsoft.com/office/mac/drawingml/2011/main" xmlns:a14="http://schemas.microsoft.com/office/drawing/2010/main" xmlns:m="http://schemas.openxmlformats.org/officeDocument/2006/math" xmlns="" val="1"/>
             </a:ext>
           </a:extLst>
         </p:spPr>
@@ -6380,7 +6400,7 @@
           </a:ln>
           <a:extLst>
             <a:ext uri="{C572A759-6A51-4108-AA02-DFA0A04FC94B}">
-              <ma14:wrappingTextBoxFlag xmlns="" xmlns:m="http://schemas.openxmlformats.org/officeDocument/2006/math" xmlns:a14="http://schemas.microsoft.com/office/drawing/2010/main" xmlns:ma14="http://schemas.microsoft.com/office/mac/drawingml/2011/main" val="1"/>
+              <ma14:wrappingTextBoxFlag xmlns:ma14="http://schemas.microsoft.com/office/mac/drawingml/2011/main" xmlns:a14="http://schemas.microsoft.com/office/drawing/2010/main" xmlns:m="http://schemas.openxmlformats.org/officeDocument/2006/math" xmlns="" val="1"/>
             </a:ext>
           </a:extLst>
         </p:spPr>
@@ -6544,7 +6564,7 @@
           </a:ln>
           <a:extLst>
             <a:ext uri="{C572A759-6A51-4108-AA02-DFA0A04FC94B}">
-              <ma14:wrappingTextBoxFlag xmlns="" xmlns:m="http://schemas.openxmlformats.org/officeDocument/2006/math" xmlns:a14="http://schemas.microsoft.com/office/drawing/2010/main" xmlns:ma14="http://schemas.microsoft.com/office/mac/drawingml/2011/main" val="1"/>
+              <ma14:wrappingTextBoxFlag xmlns:ma14="http://schemas.microsoft.com/office/mac/drawingml/2011/main" xmlns:a14="http://schemas.microsoft.com/office/drawing/2010/main" xmlns:m="http://schemas.openxmlformats.org/officeDocument/2006/math" xmlns="" val="1"/>
             </a:ext>
           </a:extLst>
         </p:spPr>
@@ -6900,7 +6920,7 @@
           </a:ln>
           <a:extLst>
             <a:ext uri="{C572A759-6A51-4108-AA02-DFA0A04FC94B}">
-              <ma14:wrappingTextBoxFlag xmlns="" xmlns:m="http://schemas.openxmlformats.org/officeDocument/2006/math" xmlns:a14="http://schemas.microsoft.com/office/drawing/2010/main" xmlns:ma14="http://schemas.microsoft.com/office/mac/drawingml/2011/main" val="1"/>
+              <ma14:wrappingTextBoxFlag xmlns:ma14="http://schemas.microsoft.com/office/mac/drawingml/2011/main" xmlns:a14="http://schemas.microsoft.com/office/drawing/2010/main" xmlns:m="http://schemas.openxmlformats.org/officeDocument/2006/math" xmlns="" val="1"/>
             </a:ext>
           </a:extLst>
         </p:spPr>
@@ -7208,7 +7228,7 @@
           </a:ln>
           <a:extLst>
             <a:ext uri="{C572A759-6A51-4108-AA02-DFA0A04FC94B}">
-              <ma14:wrappingTextBoxFlag xmlns="" xmlns:m="http://schemas.openxmlformats.org/officeDocument/2006/math" xmlns:a14="http://schemas.microsoft.com/office/drawing/2010/main" xmlns:ma14="http://schemas.microsoft.com/office/mac/drawingml/2011/main" val="1"/>
+              <ma14:wrappingTextBoxFlag xmlns:ma14="http://schemas.microsoft.com/office/mac/drawingml/2011/main" xmlns:a14="http://schemas.microsoft.com/office/drawing/2010/main" xmlns:m="http://schemas.openxmlformats.org/officeDocument/2006/math" xmlns="" val="1"/>
             </a:ext>
           </a:extLst>
         </p:spPr>
@@ -7462,7 +7482,7 @@
           </a:ln>
           <a:extLst>
             <a:ext uri="{C572A759-6A51-4108-AA02-DFA0A04FC94B}">
-              <ma14:wrappingTextBoxFlag xmlns="" xmlns:m="http://schemas.openxmlformats.org/officeDocument/2006/math" xmlns:a14="http://schemas.microsoft.com/office/drawing/2010/main" xmlns:ma14="http://schemas.microsoft.com/office/mac/drawingml/2011/main" val="1"/>
+              <ma14:wrappingTextBoxFlag xmlns:ma14="http://schemas.microsoft.com/office/mac/drawingml/2011/main" xmlns:a14="http://schemas.microsoft.com/office/drawing/2010/main" xmlns:m="http://schemas.openxmlformats.org/officeDocument/2006/math" xmlns="" val="1"/>
             </a:ext>
           </a:extLst>
         </p:spPr>
@@ -7598,7 +7618,7 @@
           </a:ln>
           <a:extLst>
             <a:ext uri="{C572A759-6A51-4108-AA02-DFA0A04FC94B}">
-              <ma14:wrappingTextBoxFlag xmlns="" xmlns:m="http://schemas.openxmlformats.org/officeDocument/2006/math" xmlns:a14="http://schemas.microsoft.com/office/drawing/2010/main" xmlns:ma14="http://schemas.microsoft.com/office/mac/drawingml/2011/main" val="1"/>
+              <ma14:wrappingTextBoxFlag xmlns:ma14="http://schemas.microsoft.com/office/mac/drawingml/2011/main" xmlns:a14="http://schemas.microsoft.com/office/drawing/2010/main" xmlns:m="http://schemas.openxmlformats.org/officeDocument/2006/math" xmlns="" val="1"/>
             </a:ext>
           </a:extLst>
         </p:spPr>
@@ -7756,7 +7776,7 @@
           </a:ln>
           <a:extLst>
             <a:ext uri="{C572A759-6A51-4108-AA02-DFA0A04FC94B}">
-              <ma14:wrappingTextBoxFlag xmlns="" xmlns:m="http://schemas.openxmlformats.org/officeDocument/2006/math" xmlns:a14="http://schemas.microsoft.com/office/drawing/2010/main" xmlns:ma14="http://schemas.microsoft.com/office/mac/drawingml/2011/main" val="1"/>
+              <ma14:wrappingTextBoxFlag xmlns:ma14="http://schemas.microsoft.com/office/mac/drawingml/2011/main" xmlns:a14="http://schemas.microsoft.com/office/drawing/2010/main" xmlns:m="http://schemas.openxmlformats.org/officeDocument/2006/math" xmlns="" val="1"/>
             </a:ext>
           </a:extLst>
         </p:spPr>
@@ -7923,7 +7943,7 @@
           </a:ln>
           <a:extLst>
             <a:ext uri="{C572A759-6A51-4108-AA02-DFA0A04FC94B}">
-              <ma14:wrappingTextBoxFlag xmlns="" xmlns:m="http://schemas.openxmlformats.org/officeDocument/2006/math" xmlns:a14="http://schemas.microsoft.com/office/drawing/2010/main" xmlns:ma14="http://schemas.microsoft.com/office/mac/drawingml/2011/main" val="1"/>
+              <ma14:wrappingTextBoxFlag xmlns:ma14="http://schemas.microsoft.com/office/mac/drawingml/2011/main" xmlns:a14="http://schemas.microsoft.com/office/drawing/2010/main" xmlns:m="http://schemas.openxmlformats.org/officeDocument/2006/math" xmlns="" val="1"/>
             </a:ext>
           </a:extLst>
         </p:spPr>
@@ -8494,7 +8514,7 @@
           </a:ln>
           <a:extLst>
             <a:ext uri="{C572A759-6A51-4108-AA02-DFA0A04FC94B}">
-              <ma14:wrappingTextBoxFlag xmlns="" xmlns:m="http://schemas.openxmlformats.org/officeDocument/2006/math" xmlns:a14="http://schemas.microsoft.com/office/drawing/2010/main" xmlns:ma14="http://schemas.microsoft.com/office/mac/drawingml/2011/main" val="1"/>
+              <ma14:wrappingTextBoxFlag xmlns:ma14="http://schemas.microsoft.com/office/mac/drawingml/2011/main" xmlns:a14="http://schemas.microsoft.com/office/drawing/2010/main" xmlns:m="http://schemas.openxmlformats.org/officeDocument/2006/math" xmlns="" val="1"/>
             </a:ext>
           </a:extLst>
         </p:spPr>
@@ -9059,7 +9079,7 @@
           </a:ln>
           <a:extLst>
             <a:ext uri="{C572A759-6A51-4108-AA02-DFA0A04FC94B}">
-              <ma14:wrappingTextBoxFlag xmlns="" xmlns:m="http://schemas.openxmlformats.org/officeDocument/2006/math" xmlns:a14="http://schemas.microsoft.com/office/drawing/2010/main" xmlns:ma14="http://schemas.microsoft.com/office/mac/drawingml/2011/main" val="1"/>
+              <ma14:wrappingTextBoxFlag xmlns:ma14="http://schemas.microsoft.com/office/mac/drawingml/2011/main" xmlns:a14="http://schemas.microsoft.com/office/drawing/2010/main" xmlns:m="http://schemas.openxmlformats.org/officeDocument/2006/math" xmlns="" val="1"/>
             </a:ext>
           </a:extLst>
         </p:spPr>
@@ -9751,7 +9771,7 @@
           </a:ln>
           <a:extLst>
             <a:ext uri="{C572A759-6A51-4108-AA02-DFA0A04FC94B}">
-              <ma14:wrappingTextBoxFlag xmlns="" xmlns:m="http://schemas.openxmlformats.org/officeDocument/2006/math" xmlns:a14="http://schemas.microsoft.com/office/drawing/2010/main" xmlns:ma14="http://schemas.microsoft.com/office/mac/drawingml/2011/main" val="1"/>
+              <ma14:wrappingTextBoxFlag xmlns:ma14="http://schemas.microsoft.com/office/mac/drawingml/2011/main" xmlns:a14="http://schemas.microsoft.com/office/drawing/2010/main" xmlns:m="http://schemas.openxmlformats.org/officeDocument/2006/math" xmlns="" val="1"/>
             </a:ext>
           </a:extLst>
         </p:spPr>
@@ -9815,7 +9835,7 @@
           </a:ln>
           <a:extLst>
             <a:ext uri="{C572A759-6A51-4108-AA02-DFA0A04FC94B}">
-              <ma14:wrappingTextBoxFlag xmlns="" xmlns:m="http://schemas.openxmlformats.org/officeDocument/2006/math" xmlns:a14="http://schemas.microsoft.com/office/drawing/2010/main" xmlns:ma14="http://schemas.microsoft.com/office/mac/drawingml/2011/main" val="1"/>
+              <ma14:wrappingTextBoxFlag xmlns:ma14="http://schemas.microsoft.com/office/mac/drawingml/2011/main" xmlns:a14="http://schemas.microsoft.com/office/drawing/2010/main" xmlns:m="http://schemas.openxmlformats.org/officeDocument/2006/math" xmlns="" val="1"/>
             </a:ext>
           </a:extLst>
         </p:spPr>
@@ -9879,7 +9899,7 @@
           </a:ln>
           <a:extLst>
             <a:ext uri="{C572A759-6A51-4108-AA02-DFA0A04FC94B}">
-              <ma14:wrappingTextBoxFlag xmlns="" xmlns:m="http://schemas.openxmlformats.org/officeDocument/2006/math" xmlns:a14="http://schemas.microsoft.com/office/drawing/2010/main" xmlns:ma14="http://schemas.microsoft.com/office/mac/drawingml/2011/main" val="1"/>
+              <ma14:wrappingTextBoxFlag xmlns:ma14="http://schemas.microsoft.com/office/mac/drawingml/2011/main" xmlns:a14="http://schemas.microsoft.com/office/drawing/2010/main" xmlns:m="http://schemas.openxmlformats.org/officeDocument/2006/math" xmlns="" val="1"/>
             </a:ext>
           </a:extLst>
         </p:spPr>
@@ -12126,7 +12146,7 @@
           </a:ln>
           <a:extLst>
             <a:ext uri="{C572A759-6A51-4108-AA02-DFA0A04FC94B}">
-              <ma14:wrappingTextBoxFlag xmlns="" xmlns:m="http://schemas.openxmlformats.org/officeDocument/2006/math" xmlns:a14="http://schemas.microsoft.com/office/drawing/2010/main" xmlns:ma14="http://schemas.microsoft.com/office/mac/drawingml/2011/main" val="1"/>
+              <ma14:wrappingTextBoxFlag xmlns:ma14="http://schemas.microsoft.com/office/mac/drawingml/2011/main" xmlns:a14="http://schemas.microsoft.com/office/drawing/2010/main" xmlns:m="http://schemas.openxmlformats.org/officeDocument/2006/math" xmlns="" val="1"/>
             </a:ext>
           </a:extLst>
         </p:spPr>
@@ -12334,7 +12354,7 @@
           </a:ln>
           <a:extLst>
             <a:ext uri="{C572A759-6A51-4108-AA02-DFA0A04FC94B}">
-              <ma14:wrappingTextBoxFlag xmlns="" xmlns:m="http://schemas.openxmlformats.org/officeDocument/2006/math" xmlns:a14="http://schemas.microsoft.com/office/drawing/2010/main" xmlns:ma14="http://schemas.microsoft.com/office/mac/drawingml/2011/main" val="1"/>
+              <ma14:wrappingTextBoxFlag xmlns:ma14="http://schemas.microsoft.com/office/mac/drawingml/2011/main" xmlns:a14="http://schemas.microsoft.com/office/drawing/2010/main" xmlns:m="http://schemas.openxmlformats.org/officeDocument/2006/math" xmlns="" val="1"/>
             </a:ext>
           </a:extLst>
         </p:spPr>
@@ -12452,7 +12472,7 @@
           </a:ln>
           <a:extLst>
             <a:ext uri="{C572A759-6A51-4108-AA02-DFA0A04FC94B}">
-              <ma14:wrappingTextBoxFlag xmlns="" xmlns:m="http://schemas.openxmlformats.org/officeDocument/2006/math" xmlns:a14="http://schemas.microsoft.com/office/drawing/2010/main" xmlns:ma14="http://schemas.microsoft.com/office/mac/drawingml/2011/main" val="1"/>
+              <ma14:wrappingTextBoxFlag xmlns:ma14="http://schemas.microsoft.com/office/mac/drawingml/2011/main" xmlns:a14="http://schemas.microsoft.com/office/drawing/2010/main" xmlns:m="http://schemas.openxmlformats.org/officeDocument/2006/math" xmlns="" val="1"/>
             </a:ext>
           </a:extLst>
         </p:spPr>
@@ -12591,7 +12611,7 @@
           </a:ln>
           <a:extLst>
             <a:ext uri="{C572A759-6A51-4108-AA02-DFA0A04FC94B}">
-              <ma14:wrappingTextBoxFlag xmlns="" xmlns:m="http://schemas.openxmlformats.org/officeDocument/2006/math" xmlns:a14="http://schemas.microsoft.com/office/drawing/2010/main" xmlns:ma14="http://schemas.microsoft.com/office/mac/drawingml/2011/main" val="1"/>
+              <ma14:wrappingTextBoxFlag xmlns:ma14="http://schemas.microsoft.com/office/mac/drawingml/2011/main" xmlns:a14="http://schemas.microsoft.com/office/drawing/2010/main" xmlns:m="http://schemas.openxmlformats.org/officeDocument/2006/math" xmlns="" val="1"/>
             </a:ext>
           </a:extLst>
         </p:spPr>
@@ -12699,7 +12719,7 @@
           </a:ln>
           <a:extLst>
             <a:ext uri="{C572A759-6A51-4108-AA02-DFA0A04FC94B}">
-              <ma14:wrappingTextBoxFlag xmlns="" xmlns:m="http://schemas.openxmlformats.org/officeDocument/2006/math" xmlns:a14="http://schemas.microsoft.com/office/drawing/2010/main" xmlns:ma14="http://schemas.microsoft.com/office/mac/drawingml/2011/main" val="1"/>
+              <ma14:wrappingTextBoxFlag xmlns:ma14="http://schemas.microsoft.com/office/mac/drawingml/2011/main" xmlns:a14="http://schemas.microsoft.com/office/drawing/2010/main" xmlns:m="http://schemas.openxmlformats.org/officeDocument/2006/math" xmlns="" val="1"/>
             </a:ext>
           </a:extLst>
         </p:spPr>
@@ -12815,7 +12835,7 @@
           </a:ln>
           <a:extLst>
             <a:ext uri="{C572A759-6A51-4108-AA02-DFA0A04FC94B}">
-              <ma14:wrappingTextBoxFlag xmlns="" xmlns:m="http://schemas.openxmlformats.org/officeDocument/2006/math" xmlns:a14="http://schemas.microsoft.com/office/drawing/2010/main" xmlns:ma14="http://schemas.microsoft.com/office/mac/drawingml/2011/main" val="1"/>
+              <ma14:wrappingTextBoxFlag xmlns:ma14="http://schemas.microsoft.com/office/mac/drawingml/2011/main" xmlns:a14="http://schemas.microsoft.com/office/drawing/2010/main" xmlns:m="http://schemas.openxmlformats.org/officeDocument/2006/math" xmlns="" val="1"/>
             </a:ext>
           </a:extLst>
         </p:spPr>
@@ -13166,7 +13186,7 @@
           </a:ln>
           <a:extLst>
             <a:ext uri="{C572A759-6A51-4108-AA02-DFA0A04FC94B}">
-              <ma14:wrappingTextBoxFlag xmlns="" xmlns:m="http://schemas.openxmlformats.org/officeDocument/2006/math" xmlns:a14="http://schemas.microsoft.com/office/drawing/2010/main" xmlns:ma14="http://schemas.microsoft.com/office/mac/drawingml/2011/main" val="1"/>
+              <ma14:wrappingTextBoxFlag xmlns:ma14="http://schemas.microsoft.com/office/mac/drawingml/2011/main" xmlns:a14="http://schemas.microsoft.com/office/drawing/2010/main" xmlns:m="http://schemas.openxmlformats.org/officeDocument/2006/math" xmlns="" val="1"/>
             </a:ext>
           </a:extLst>
         </p:spPr>
@@ -13948,7 +13968,7 @@
           </a:ln>
           <a:extLst>
             <a:ext uri="{C572A759-6A51-4108-AA02-DFA0A04FC94B}">
-              <ma14:wrappingTextBoxFlag xmlns="" xmlns:m="http://schemas.openxmlformats.org/officeDocument/2006/math" xmlns:a14="http://schemas.microsoft.com/office/drawing/2010/main" xmlns:ma14="http://schemas.microsoft.com/office/mac/drawingml/2011/main" val="1"/>
+              <ma14:wrappingTextBoxFlag xmlns:ma14="http://schemas.microsoft.com/office/mac/drawingml/2011/main" xmlns:a14="http://schemas.microsoft.com/office/drawing/2010/main" xmlns:m="http://schemas.openxmlformats.org/officeDocument/2006/math" xmlns="" val="1"/>
             </a:ext>
           </a:extLst>
         </p:spPr>
@@ -14614,7 +14634,7 @@
           </a:ln>
           <a:extLst>
             <a:ext uri="{C572A759-6A51-4108-AA02-DFA0A04FC94B}">
-              <ma14:wrappingTextBoxFlag xmlns="" xmlns:m="http://schemas.openxmlformats.org/officeDocument/2006/math" xmlns:a14="http://schemas.microsoft.com/office/drawing/2010/main" xmlns:ma14="http://schemas.microsoft.com/office/mac/drawingml/2011/main" val="1"/>
+              <ma14:wrappingTextBoxFlag xmlns:ma14="http://schemas.microsoft.com/office/mac/drawingml/2011/main" xmlns:a14="http://schemas.microsoft.com/office/drawing/2010/main" xmlns:m="http://schemas.openxmlformats.org/officeDocument/2006/math" xmlns="" val="1"/>
             </a:ext>
           </a:extLst>
         </p:spPr>
@@ -14880,7 +14900,7 @@
           </a:ln>
           <a:extLst>
             <a:ext uri="{C572A759-6A51-4108-AA02-DFA0A04FC94B}">
-              <ma14:wrappingTextBoxFlag xmlns="" xmlns:m="http://schemas.openxmlformats.org/officeDocument/2006/math" xmlns:a14="http://schemas.microsoft.com/office/drawing/2010/main" xmlns:ma14="http://schemas.microsoft.com/office/mac/drawingml/2011/main" val="1"/>
+              <ma14:wrappingTextBoxFlag xmlns:ma14="http://schemas.microsoft.com/office/mac/drawingml/2011/main" xmlns:a14="http://schemas.microsoft.com/office/drawing/2010/main" xmlns:m="http://schemas.openxmlformats.org/officeDocument/2006/math" xmlns="" val="1"/>
             </a:ext>
           </a:extLst>
         </p:spPr>
@@ -14942,7 +14962,7 @@
           </a:ln>
           <a:extLst>
             <a:ext uri="{C572A759-6A51-4108-AA02-DFA0A04FC94B}">
-              <ma14:wrappingTextBoxFlag xmlns="" xmlns:m="http://schemas.openxmlformats.org/officeDocument/2006/math" xmlns:a14="http://schemas.microsoft.com/office/drawing/2010/main" xmlns:ma14="http://schemas.microsoft.com/office/mac/drawingml/2011/main" val="1"/>
+              <ma14:wrappingTextBoxFlag xmlns:ma14="http://schemas.microsoft.com/office/mac/drawingml/2011/main" xmlns:a14="http://schemas.microsoft.com/office/drawing/2010/main" xmlns:m="http://schemas.openxmlformats.org/officeDocument/2006/math" xmlns="" val="1"/>
             </a:ext>
           </a:extLst>
         </p:spPr>
@@ -15074,7 +15094,7 @@
           </a:ln>
           <a:extLst>
             <a:ext uri="{C572A759-6A51-4108-AA02-DFA0A04FC94B}">
-              <ma14:wrappingTextBoxFlag xmlns="" xmlns:m="http://schemas.openxmlformats.org/officeDocument/2006/math" xmlns:a14="http://schemas.microsoft.com/office/drawing/2010/main" xmlns:ma14="http://schemas.microsoft.com/office/mac/drawingml/2011/main" val="1"/>
+              <ma14:wrappingTextBoxFlag xmlns:ma14="http://schemas.microsoft.com/office/mac/drawingml/2011/main" xmlns:a14="http://schemas.microsoft.com/office/drawing/2010/main" xmlns:m="http://schemas.openxmlformats.org/officeDocument/2006/math" xmlns="" val="1"/>
             </a:ext>
           </a:extLst>
         </p:spPr>
@@ -15209,7 +15229,7 @@
           </a:ln>
           <a:extLst>
             <a:ext uri="{C572A759-6A51-4108-AA02-DFA0A04FC94B}">
-              <ma14:wrappingTextBoxFlag xmlns="" xmlns:m="http://schemas.openxmlformats.org/officeDocument/2006/math" xmlns:a14="http://schemas.microsoft.com/office/drawing/2010/main" xmlns:ma14="http://schemas.microsoft.com/office/mac/drawingml/2011/main" val="1"/>
+              <ma14:wrappingTextBoxFlag xmlns:ma14="http://schemas.microsoft.com/office/mac/drawingml/2011/main" xmlns:a14="http://schemas.microsoft.com/office/drawing/2010/main" xmlns:m="http://schemas.openxmlformats.org/officeDocument/2006/math" xmlns="" val="1"/>
             </a:ext>
           </a:extLst>
         </p:spPr>
